--- a/00_Organsiatorisches/Pixie‘s großes Abenteuer.pptx
+++ b/00_Organsiatorisches/Pixie‘s großes Abenteuer.pptx
@@ -4042,38 +4042,6 @@
           <a:chExt cx="0" cy="0"/>
         </a:xfrm>
       </p:grpSpPr>
-      <p:pic>
-        <p:nvPicPr>
-          <p:cNvPr id="1026" name="Picture 2"/>
-          <p:cNvPicPr>
-            <a:picLocks noChangeAspect="1" noChangeArrowheads="1"/>
-          </p:cNvPicPr>
-          <p:nvPr/>
-        </p:nvPicPr>
-        <p:blipFill>
-          <a:blip r:embed="rId2" cstate="print"/>
-          <a:srcRect l="22144" t="22700" r="24110" b="18501"/>
-          <a:stretch>
-            <a:fillRect/>
-          </a:stretch>
-        </p:blipFill>
-        <p:spPr bwMode="auto">
-          <a:xfrm>
-            <a:off x="107504" y="1440160"/>
-            <a:ext cx="8614463" cy="5301208"/>
-          </a:xfrm>
-          <a:prstGeom prst="rect">
-            <a:avLst/>
-          </a:prstGeom>
-          <a:noFill/>
-          <a:ln w="9525">
-            <a:noFill/>
-            <a:miter lim="800000"/>
-            <a:headEnd/>
-            <a:tailEnd/>
-          </a:ln>
-        </p:spPr>
-      </p:pic>
       <p:grpSp>
         <p:nvGrpSpPr>
           <p:cNvPr id="2" name="Gruppieren 2"/>
@@ -4182,7 +4150,7 @@
           <p:nvPr/>
         </p:nvPicPr>
         <p:blipFill>
-          <a:blip r:embed="rId3" cstate="print"/>
+          <a:blip r:embed="rId2" cstate="print"/>
           <a:srcRect t="50868" b="20586"/>
           <a:stretch>
             <a:fillRect/>
@@ -4234,6 +4202,38 @@
           </a:p>
         </p:txBody>
       </p:sp>
+      <p:pic>
+        <p:nvPicPr>
+          <p:cNvPr id="3" name="Picture 2"/>
+          <p:cNvPicPr>
+            <a:picLocks noChangeAspect="1" noChangeArrowheads="1"/>
+          </p:cNvPicPr>
+          <p:nvPr/>
+        </p:nvPicPr>
+        <p:blipFill>
+          <a:blip r:embed="rId3" cstate="print"/>
+          <a:srcRect l="22144" t="22700" r="24110" b="19551"/>
+          <a:stretch>
+            <a:fillRect/>
+          </a:stretch>
+        </p:blipFill>
+        <p:spPr bwMode="auto">
+          <a:xfrm>
+            <a:off x="179512" y="1556792"/>
+            <a:ext cx="8424936" cy="5091994"/>
+          </a:xfrm>
+          <a:prstGeom prst="rect">
+            <a:avLst/>
+          </a:prstGeom>
+          <a:noFill/>
+          <a:ln w="9525">
+            <a:noFill/>
+            <a:miter lim="800000"/>
+            <a:headEnd/>
+            <a:tailEnd/>
+          </a:ln>
+        </p:spPr>
+      </p:pic>
     </p:spTree>
   </p:cSld>
   <p:clrMapOvr>

--- a/00_Organsiatorisches/Pixie‘s großes Abenteuer.pptx
+++ b/00_Organsiatorisches/Pixie‘s großes Abenteuer.pptx
@@ -204,7 +204,7 @@
             <a:fld id="{00955AAC-3011-4817-BA41-5A205DEBFDAE}" type="datetimeFigureOut">
               <a:rPr lang="de-DE" smtClean="0"/>
               <a:pPr/>
-              <a:t>16.11.2015</a:t>
+              <a:t>17.11.2015</a:t>
             </a:fld>
             <a:endParaRPr lang="de-DE"/>
           </a:p>
@@ -652,7 +652,7 @@
             <a:fld id="{42EEFE8C-632D-4CF5-99C7-BAD47C7DAF5B}" type="datetimeFigureOut">
               <a:rPr lang="de-DE" smtClean="0"/>
               <a:pPr/>
-              <a:t>16.11.2015</a:t>
+              <a:t>17.11.2015</a:t>
             </a:fld>
             <a:endParaRPr lang="de-DE"/>
           </a:p>
@@ -819,7 +819,7 @@
             <a:fld id="{42EEFE8C-632D-4CF5-99C7-BAD47C7DAF5B}" type="datetimeFigureOut">
               <a:rPr lang="de-DE" smtClean="0"/>
               <a:pPr/>
-              <a:t>16.11.2015</a:t>
+              <a:t>17.11.2015</a:t>
             </a:fld>
             <a:endParaRPr lang="de-DE"/>
           </a:p>
@@ -996,7 +996,7 @@
             <a:fld id="{42EEFE8C-632D-4CF5-99C7-BAD47C7DAF5B}" type="datetimeFigureOut">
               <a:rPr lang="de-DE" smtClean="0"/>
               <a:pPr/>
-              <a:t>16.11.2015</a:t>
+              <a:t>17.11.2015</a:t>
             </a:fld>
             <a:endParaRPr lang="de-DE"/>
           </a:p>
@@ -1163,7 +1163,7 @@
             <a:fld id="{42EEFE8C-632D-4CF5-99C7-BAD47C7DAF5B}" type="datetimeFigureOut">
               <a:rPr lang="de-DE" smtClean="0"/>
               <a:pPr/>
-              <a:t>16.11.2015</a:t>
+              <a:t>17.11.2015</a:t>
             </a:fld>
             <a:endParaRPr lang="de-DE"/>
           </a:p>
@@ -1406,7 +1406,7 @@
             <a:fld id="{42EEFE8C-632D-4CF5-99C7-BAD47C7DAF5B}" type="datetimeFigureOut">
               <a:rPr lang="de-DE" smtClean="0"/>
               <a:pPr/>
-              <a:t>16.11.2015</a:t>
+              <a:t>17.11.2015</a:t>
             </a:fld>
             <a:endParaRPr lang="de-DE"/>
           </a:p>
@@ -1691,7 +1691,7 @@
             <a:fld id="{42EEFE8C-632D-4CF5-99C7-BAD47C7DAF5B}" type="datetimeFigureOut">
               <a:rPr lang="de-DE" smtClean="0"/>
               <a:pPr/>
-              <a:t>16.11.2015</a:t>
+              <a:t>17.11.2015</a:t>
             </a:fld>
             <a:endParaRPr lang="de-DE"/>
           </a:p>
@@ -2110,7 +2110,7 @@
             <a:fld id="{42EEFE8C-632D-4CF5-99C7-BAD47C7DAF5B}" type="datetimeFigureOut">
               <a:rPr lang="de-DE" smtClean="0"/>
               <a:pPr/>
-              <a:t>16.11.2015</a:t>
+              <a:t>17.11.2015</a:t>
             </a:fld>
             <a:endParaRPr lang="de-DE"/>
           </a:p>
@@ -2225,7 +2225,7 @@
             <a:fld id="{42EEFE8C-632D-4CF5-99C7-BAD47C7DAF5B}" type="datetimeFigureOut">
               <a:rPr lang="de-DE" smtClean="0"/>
               <a:pPr/>
-              <a:t>16.11.2015</a:t>
+              <a:t>17.11.2015</a:t>
             </a:fld>
             <a:endParaRPr lang="de-DE"/>
           </a:p>
@@ -2317,7 +2317,7 @@
             <a:fld id="{42EEFE8C-632D-4CF5-99C7-BAD47C7DAF5B}" type="datetimeFigureOut">
               <a:rPr lang="de-DE" smtClean="0"/>
               <a:pPr/>
-              <a:t>16.11.2015</a:t>
+              <a:t>17.11.2015</a:t>
             </a:fld>
             <a:endParaRPr lang="de-DE"/>
           </a:p>
@@ -2591,7 +2591,7 @@
             <a:fld id="{42EEFE8C-632D-4CF5-99C7-BAD47C7DAF5B}" type="datetimeFigureOut">
               <a:rPr lang="de-DE" smtClean="0"/>
               <a:pPr/>
-              <a:t>16.11.2015</a:t>
+              <a:t>17.11.2015</a:t>
             </a:fld>
             <a:endParaRPr lang="de-DE"/>
           </a:p>
@@ -2841,7 +2841,7 @@
             <a:fld id="{42EEFE8C-632D-4CF5-99C7-BAD47C7DAF5B}" type="datetimeFigureOut">
               <a:rPr lang="de-DE" smtClean="0"/>
               <a:pPr/>
-              <a:t>16.11.2015</a:t>
+              <a:t>17.11.2015</a:t>
             </a:fld>
             <a:endParaRPr lang="de-DE"/>
           </a:p>
@@ -3051,7 +3051,7 @@
             <a:fld id="{42EEFE8C-632D-4CF5-99C7-BAD47C7DAF5B}" type="datetimeFigureOut">
               <a:rPr lang="de-DE" smtClean="0"/>
               <a:pPr/>
-              <a:t>16.11.2015</a:t>
+              <a:t>17.11.2015</a:t>
             </a:fld>
             <a:endParaRPr lang="de-DE"/>
           </a:p>
@@ -4204,7 +4204,7 @@
       </p:sp>
       <p:pic>
         <p:nvPicPr>
-          <p:cNvPr id="3" name="Picture 2"/>
+          <p:cNvPr id="1026" name="Picture 2"/>
           <p:cNvPicPr>
             <a:picLocks noChangeAspect="1" noChangeArrowheads="1"/>
           </p:cNvPicPr>
@@ -4212,15 +4212,15 @@
         </p:nvPicPr>
         <p:blipFill>
           <a:blip r:embed="rId3" cstate="print"/>
-          <a:srcRect l="22144" t="22700" r="24110" b="19551"/>
+          <a:srcRect l="6197" t="16400" r="37104" b="9051"/>
           <a:stretch>
             <a:fillRect/>
           </a:stretch>
         </p:blipFill>
         <p:spPr bwMode="auto">
           <a:xfrm>
-            <a:off x="179512" y="1556792"/>
-            <a:ext cx="8424936" cy="5091994"/>
+            <a:off x="1403648" y="1556792"/>
+            <a:ext cx="6912768" cy="5112568"/>
           </a:xfrm>
           <a:prstGeom prst="rect">
             <a:avLst/>
@@ -4435,7 +4435,7 @@
         <p:spPr>
           <a:xfrm>
             <a:off x="288032" y="1968510"/>
-            <a:ext cx="8676456" cy="3908762"/>
+            <a:ext cx="8676456" cy="3662541"/>
           </a:xfrm>
           <a:prstGeom prst="rect">
             <a:avLst/>
@@ -4450,8 +4450,9 @@
           <a:p>
             <a:r>
               <a:rPr lang="de-DE" sz="2400" b="1" dirty="0" smtClean="0"/>
-              <a:t>Probleme durch Dateiorganisation:</a:t>
-            </a:r>
+              <a:t>Falsche Planung:</a:t>
+            </a:r>
+            <a:endParaRPr lang="de-DE" sz="2400" b="1" dirty="0" smtClean="0"/>
           </a:p>
           <a:p>
             <a:endParaRPr lang="de-DE" sz="2000" dirty="0"/>
@@ -4459,71 +4460,36 @@
           <a:p>
             <a:r>
               <a:rPr lang="de-DE" sz="2000" dirty="0" smtClean="0"/>
-              <a:t>Uneinigkeiten bei Dateibenennungen, Speicherorten </a:t>
-            </a:r>
-            <a:r>
-              <a:rPr lang="de-DE" sz="2000" dirty="0" err="1" smtClean="0"/>
-              <a:t>uvm</a:t>
-            </a:r>
+              <a:t>Aufgrund falscher Planung kann es zu Engpässen kommen.</a:t>
+            </a:r>
+            <a:endParaRPr lang="de-DE" sz="2000" dirty="0" smtClean="0"/>
+          </a:p>
+          <a:p>
+            <a:endParaRPr lang="de-DE" sz="2000" dirty="0"/>
+          </a:p>
+          <a:p>
+            <a:endParaRPr lang="de-DE" sz="2000" dirty="0" smtClean="0"/>
+          </a:p>
+          <a:p>
+            <a:endParaRPr lang="de-DE" sz="2000" dirty="0" smtClean="0"/>
+          </a:p>
+          <a:p>
+            <a:r>
+              <a:rPr lang="de-DE" sz="2400" b="1" dirty="0" smtClean="0"/>
+              <a:t>Lösung</a:t>
+            </a:r>
+            <a:r>
+              <a:rPr lang="de-DE" sz="2400" b="1" dirty="0" smtClean="0"/>
+              <a:t>:</a:t>
+            </a:r>
+          </a:p>
+          <a:p>
+            <a:endParaRPr lang="de-DE" sz="2400" b="1" dirty="0" smtClean="0"/>
+          </a:p>
+          <a:p>
             <a:r>
               <a:rPr lang="de-DE" sz="2000" dirty="0" smtClean="0"/>
-              <a:t>., was zu Chaos und viel Mehrarbeit am Ende führen kann.</a:t>
-            </a:r>
-          </a:p>
-          <a:p>
-            <a:endParaRPr lang="de-DE" sz="2000" dirty="0"/>
-          </a:p>
-          <a:p>
-            <a:endParaRPr lang="de-DE" sz="2000" dirty="0" smtClean="0"/>
-          </a:p>
-          <a:p>
-            <a:endParaRPr lang="de-DE" sz="2000" dirty="0" smtClean="0"/>
-          </a:p>
-          <a:p>
-            <a:r>
-              <a:rPr lang="de-DE" sz="2400" b="1" dirty="0" smtClean="0"/>
-              <a:t>Lösung:</a:t>
-            </a:r>
-          </a:p>
-          <a:p>
-            <a:endParaRPr lang="de-DE" sz="2000" dirty="0" smtClean="0"/>
-          </a:p>
-          <a:p>
-            <a:r>
-              <a:rPr lang="de-DE" sz="2000" dirty="0" smtClean="0"/>
-              <a:t>- vorherige Absprache über einheitliche Dateiorganisation</a:t>
-            </a:r>
-          </a:p>
-          <a:p>
-            <a:pPr>
-              <a:buFontTx/>
-              <a:buChar char="-"/>
-            </a:pPr>
-            <a:r>
-              <a:rPr lang="de-DE" sz="2000" dirty="0" smtClean="0"/>
-              <a:t> korrekte Dateibenennung und korrektes Arbeiten mit der </a:t>
-            </a:r>
-            <a:r>
-              <a:rPr lang="de-DE" sz="2000" dirty="0" err="1" smtClean="0"/>
-              <a:t>GitHub</a:t>
-            </a:r>
-            <a:r>
-              <a:rPr lang="de-DE" sz="2000" dirty="0" smtClean="0"/>
-              <a:t> Ordnerstruktur</a:t>
-            </a:r>
-          </a:p>
-          <a:p>
-            <a:pPr>
-              <a:buFontTx/>
-              <a:buChar char="-"/>
-            </a:pPr>
-            <a:r>
-              <a:rPr lang="de-DE" sz="2000" dirty="0" smtClean="0"/>
-              <a:t> gewissenhaftes Arbeiten in </a:t>
-            </a:r>
-            <a:r>
-              <a:rPr lang="de-DE" sz="2000" dirty="0" err="1" smtClean="0"/>
-              <a:t>GitHub</a:t>
+              <a:t>Es wird vorher festgelegt, wo bei Engpässen Abstriche gemacht werden können. Was bedeutet, dass z.B. ein Modell nicht so detailliert ausgearbeitet wird wie vorher geplant. </a:t>
             </a:r>
             <a:endParaRPr lang="de-DE" sz="2000" dirty="0"/>
           </a:p>

--- a/00_Organsiatorisches/Pixie‘s großes Abenteuer.pptx
+++ b/00_Organsiatorisches/Pixie‘s großes Abenteuer.pptx
@@ -5,7 +5,7 @@
     <p:sldMasterId id="2147483648" r:id="rId1"/>
   </p:sldMasterIdLst>
   <p:notesMasterIdLst>
-    <p:notesMasterId r:id="rId14"/>
+    <p:notesMasterId r:id="rId12"/>
   </p:notesMasterIdLst>
   <p:sldIdLst>
     <p:sldId id="256" r:id="rId2"/>
@@ -16,10 +16,8 @@
     <p:sldId id="269" r:id="rId7"/>
     <p:sldId id="266" r:id="rId8"/>
     <p:sldId id="270" r:id="rId9"/>
-    <p:sldId id="271" r:id="rId10"/>
-    <p:sldId id="272" r:id="rId11"/>
-    <p:sldId id="267" r:id="rId12"/>
-    <p:sldId id="268" r:id="rId13"/>
+    <p:sldId id="267" r:id="rId10"/>
+    <p:sldId id="268" r:id="rId11"/>
   </p:sldIdLst>
   <p:sldSz cx="9144000" cy="6858000" type="screen4x3"/>
   <p:notesSz cx="6858000" cy="9144000"/>
@@ -204,7 +202,7 @@
             <a:fld id="{00955AAC-3011-4817-BA41-5A205DEBFDAE}" type="datetimeFigureOut">
               <a:rPr lang="de-DE" smtClean="0"/>
               <a:pPr/>
-              <a:t>17.11.2015</a:t>
+              <a:t>19.11.2015</a:t>
             </a:fld>
             <a:endParaRPr lang="de-DE"/>
           </a:p>
@@ -470,6 +468,641 @@
 </p:notesMaster>
 </file>
 
+<file path=ppt/notesSlides/notesSlide1.xml><?xml version="1.0" encoding="utf-8"?>
+<p:notes xmlns:a="http://schemas.openxmlformats.org/drawingml/2006/main" xmlns:r="http://schemas.openxmlformats.org/officeDocument/2006/relationships" xmlns:p="http://schemas.openxmlformats.org/presentationml/2006/main">
+  <p:cSld>
+    <p:spTree>
+      <p:nvGrpSpPr>
+        <p:cNvPr id="1" name=""/>
+        <p:cNvGrpSpPr/>
+        <p:nvPr/>
+      </p:nvGrpSpPr>
+      <p:grpSpPr>
+        <a:xfrm>
+          <a:off x="0" y="0"/>
+          <a:ext cx="0" cy="0"/>
+          <a:chOff x="0" y="0"/>
+          <a:chExt cx="0" cy="0"/>
+        </a:xfrm>
+      </p:grpSpPr>
+      <p:sp>
+        <p:nvSpPr>
+          <p:cNvPr id="2" name="Folienbildplatzhalter 1"/>
+          <p:cNvSpPr>
+            <a:spLocks noGrp="1" noRot="1" noChangeAspect="1"/>
+          </p:cNvSpPr>
+          <p:nvPr>
+            <p:ph type="sldImg"/>
+          </p:nvPr>
+        </p:nvSpPr>
+        <p:spPr/>
+      </p:sp>
+      <p:sp>
+        <p:nvSpPr>
+          <p:cNvPr id="3" name="Notizenplatzhalter 2"/>
+          <p:cNvSpPr>
+            <a:spLocks noGrp="1"/>
+          </p:cNvSpPr>
+          <p:nvPr>
+            <p:ph type="body" idx="1"/>
+          </p:nvPr>
+        </p:nvSpPr>
+        <p:spPr/>
+        <p:txBody>
+          <a:bodyPr>
+            <a:normAutofit/>
+          </a:bodyPr>
+          <a:lstStyle/>
+          <a:p>
+            <a:r>
+              <a:rPr lang="de-DE" dirty="0" err="1" smtClean="0"/>
+              <a:t>Shots</a:t>
+            </a:r>
+            <a:r>
+              <a:rPr lang="de-DE" dirty="0" smtClean="0"/>
+              <a:t> stehen links vor den Bildern</a:t>
+            </a:r>
+            <a:endParaRPr lang="de-DE" dirty="0"/>
+          </a:p>
+        </p:txBody>
+      </p:sp>
+      <p:sp>
+        <p:nvSpPr>
+          <p:cNvPr id="4" name="Foliennummernplatzhalter 3"/>
+          <p:cNvSpPr>
+            <a:spLocks noGrp="1"/>
+          </p:cNvSpPr>
+          <p:nvPr>
+            <p:ph type="sldNum" sz="quarter" idx="10"/>
+          </p:nvPr>
+        </p:nvSpPr>
+        <p:spPr/>
+        <p:txBody>
+          <a:bodyPr/>
+          <a:lstStyle/>
+          <a:p>
+            <a:fld id="{9E0F7093-5211-4C88-B144-8DEF3E3D6684}" type="slidenum">
+              <a:rPr lang="de-DE" smtClean="0"/>
+              <a:pPr/>
+              <a:t>3</a:t>
+            </a:fld>
+            <a:endParaRPr lang="de-DE"/>
+          </a:p>
+        </p:txBody>
+      </p:sp>
+    </p:spTree>
+  </p:cSld>
+  <p:clrMapOvr>
+    <a:masterClrMapping/>
+  </p:clrMapOvr>
+</p:notes>
+</file>
+
+<file path=ppt/notesSlides/notesSlide2.xml><?xml version="1.0" encoding="utf-8"?>
+<p:notes xmlns:a="http://schemas.openxmlformats.org/drawingml/2006/main" xmlns:r="http://schemas.openxmlformats.org/officeDocument/2006/relationships" xmlns:p="http://schemas.openxmlformats.org/presentationml/2006/main">
+  <p:cSld>
+    <p:spTree>
+      <p:nvGrpSpPr>
+        <p:cNvPr id="1" name=""/>
+        <p:cNvGrpSpPr/>
+        <p:nvPr/>
+      </p:nvGrpSpPr>
+      <p:grpSpPr>
+        <a:xfrm>
+          <a:off x="0" y="0"/>
+          <a:ext cx="0" cy="0"/>
+          <a:chOff x="0" y="0"/>
+          <a:chExt cx="0" cy="0"/>
+        </a:xfrm>
+      </p:grpSpPr>
+      <p:sp>
+        <p:nvSpPr>
+          <p:cNvPr id="2" name="Folienbildplatzhalter 1"/>
+          <p:cNvSpPr>
+            <a:spLocks noGrp="1" noRot="1" noChangeAspect="1"/>
+          </p:cNvSpPr>
+          <p:nvPr>
+            <p:ph type="sldImg"/>
+          </p:nvPr>
+        </p:nvSpPr>
+        <p:spPr/>
+      </p:sp>
+      <p:sp>
+        <p:nvSpPr>
+          <p:cNvPr id="3" name="Notizenplatzhalter 2"/>
+          <p:cNvSpPr>
+            <a:spLocks noGrp="1"/>
+          </p:cNvSpPr>
+          <p:nvPr>
+            <p:ph type="body" idx="1"/>
+          </p:nvPr>
+        </p:nvSpPr>
+        <p:spPr/>
+        <p:txBody>
+          <a:bodyPr>
+            <a:normAutofit/>
+          </a:bodyPr>
+          <a:lstStyle/>
+          <a:p>
+            <a:pPr marL="0" marR="0" indent="0" algn="l" defTabSz="914400" rtl="0" eaLnBrk="1" fontAlgn="auto" latinLnBrk="0" hangingPunct="1">
+              <a:lnSpc>
+                <a:spcPct val="100000"/>
+              </a:lnSpc>
+              <a:spcBef>
+                <a:spcPts val="0"/>
+              </a:spcBef>
+              <a:spcAft>
+                <a:spcPts val="0"/>
+              </a:spcAft>
+              <a:buClrTx/>
+              <a:buSzTx/>
+              <a:buFontTx/>
+              <a:buNone/>
+              <a:tabLst/>
+              <a:defRPr/>
+            </a:pPr>
+            <a:r>
+              <a:rPr lang="de-DE" dirty="0" err="1" smtClean="0"/>
+              <a:t>Shots</a:t>
+            </a:r>
+            <a:r>
+              <a:rPr lang="de-DE" dirty="0" smtClean="0"/>
+              <a:t> stehen links vor den Bildern</a:t>
+            </a:r>
+          </a:p>
+          <a:p>
+            <a:endParaRPr lang="de-DE" dirty="0"/>
+          </a:p>
+        </p:txBody>
+      </p:sp>
+      <p:sp>
+        <p:nvSpPr>
+          <p:cNvPr id="4" name="Foliennummernplatzhalter 3"/>
+          <p:cNvSpPr>
+            <a:spLocks noGrp="1"/>
+          </p:cNvSpPr>
+          <p:nvPr>
+            <p:ph type="sldNum" sz="quarter" idx="10"/>
+          </p:nvPr>
+        </p:nvSpPr>
+        <p:spPr/>
+        <p:txBody>
+          <a:bodyPr/>
+          <a:lstStyle/>
+          <a:p>
+            <a:fld id="{9E0F7093-5211-4C88-B144-8DEF3E3D6684}" type="slidenum">
+              <a:rPr lang="de-DE" smtClean="0"/>
+              <a:pPr/>
+              <a:t>4</a:t>
+            </a:fld>
+            <a:endParaRPr lang="de-DE"/>
+          </a:p>
+        </p:txBody>
+      </p:sp>
+    </p:spTree>
+  </p:cSld>
+  <p:clrMapOvr>
+    <a:masterClrMapping/>
+  </p:clrMapOvr>
+</p:notes>
+</file>
+
+<file path=ppt/notesSlides/notesSlide3.xml><?xml version="1.0" encoding="utf-8"?>
+<p:notes xmlns:a="http://schemas.openxmlformats.org/drawingml/2006/main" xmlns:r="http://schemas.openxmlformats.org/officeDocument/2006/relationships" xmlns:p="http://schemas.openxmlformats.org/presentationml/2006/main">
+  <p:cSld>
+    <p:spTree>
+      <p:nvGrpSpPr>
+        <p:cNvPr id="1" name=""/>
+        <p:cNvGrpSpPr/>
+        <p:nvPr/>
+      </p:nvGrpSpPr>
+      <p:grpSpPr>
+        <a:xfrm>
+          <a:off x="0" y="0"/>
+          <a:ext cx="0" cy="0"/>
+          <a:chOff x="0" y="0"/>
+          <a:chExt cx="0" cy="0"/>
+        </a:xfrm>
+      </p:grpSpPr>
+      <p:sp>
+        <p:nvSpPr>
+          <p:cNvPr id="2" name="Folienbildplatzhalter 1"/>
+          <p:cNvSpPr>
+            <a:spLocks noGrp="1" noRot="1" noChangeAspect="1"/>
+          </p:cNvSpPr>
+          <p:nvPr>
+            <p:ph type="sldImg"/>
+          </p:nvPr>
+        </p:nvSpPr>
+        <p:spPr/>
+      </p:sp>
+      <p:sp>
+        <p:nvSpPr>
+          <p:cNvPr id="3" name="Notizenplatzhalter 2"/>
+          <p:cNvSpPr>
+            <a:spLocks noGrp="1"/>
+          </p:cNvSpPr>
+          <p:nvPr>
+            <p:ph type="body" idx="1"/>
+          </p:nvPr>
+        </p:nvSpPr>
+        <p:spPr/>
+        <p:txBody>
+          <a:bodyPr>
+            <a:normAutofit/>
+          </a:bodyPr>
+          <a:lstStyle/>
+          <a:p>
+            <a:pPr marL="0" marR="0" indent="0" algn="l" defTabSz="914400" rtl="0" eaLnBrk="1" fontAlgn="auto" latinLnBrk="0" hangingPunct="1">
+              <a:lnSpc>
+                <a:spcPct val="100000"/>
+              </a:lnSpc>
+              <a:spcBef>
+                <a:spcPts val="0"/>
+              </a:spcBef>
+              <a:spcAft>
+                <a:spcPts val="0"/>
+              </a:spcAft>
+              <a:buClrTx/>
+              <a:buSzTx/>
+              <a:buFontTx/>
+              <a:buNone/>
+              <a:tabLst/>
+              <a:defRPr/>
+            </a:pPr>
+            <a:r>
+              <a:rPr lang="de-DE" dirty="0" err="1" smtClean="0"/>
+              <a:t>Shots</a:t>
+            </a:r>
+            <a:r>
+              <a:rPr lang="de-DE" dirty="0" smtClean="0"/>
+              <a:t> stehen links vor den Bildern</a:t>
+            </a:r>
+          </a:p>
+          <a:p>
+            <a:endParaRPr lang="de-DE" dirty="0"/>
+          </a:p>
+        </p:txBody>
+      </p:sp>
+      <p:sp>
+        <p:nvSpPr>
+          <p:cNvPr id="4" name="Foliennummernplatzhalter 3"/>
+          <p:cNvSpPr>
+            <a:spLocks noGrp="1"/>
+          </p:cNvSpPr>
+          <p:nvPr>
+            <p:ph type="sldNum" sz="quarter" idx="10"/>
+          </p:nvPr>
+        </p:nvSpPr>
+        <p:spPr/>
+        <p:txBody>
+          <a:bodyPr/>
+          <a:lstStyle/>
+          <a:p>
+            <a:fld id="{9E0F7093-5211-4C88-B144-8DEF3E3D6684}" type="slidenum">
+              <a:rPr lang="de-DE" smtClean="0"/>
+              <a:pPr/>
+              <a:t>5</a:t>
+            </a:fld>
+            <a:endParaRPr lang="de-DE"/>
+          </a:p>
+        </p:txBody>
+      </p:sp>
+    </p:spTree>
+  </p:cSld>
+  <p:clrMapOvr>
+    <a:masterClrMapping/>
+  </p:clrMapOvr>
+</p:notes>
+</file>
+
+<file path=ppt/notesSlides/notesSlide4.xml><?xml version="1.0" encoding="utf-8"?>
+<p:notes xmlns:a="http://schemas.openxmlformats.org/drawingml/2006/main" xmlns:r="http://schemas.openxmlformats.org/officeDocument/2006/relationships" xmlns:p="http://schemas.openxmlformats.org/presentationml/2006/main">
+  <p:cSld>
+    <p:spTree>
+      <p:nvGrpSpPr>
+        <p:cNvPr id="1" name=""/>
+        <p:cNvGrpSpPr/>
+        <p:nvPr/>
+      </p:nvGrpSpPr>
+      <p:grpSpPr>
+        <a:xfrm>
+          <a:off x="0" y="0"/>
+          <a:ext cx="0" cy="0"/>
+          <a:chOff x="0" y="0"/>
+          <a:chExt cx="0" cy="0"/>
+        </a:xfrm>
+      </p:grpSpPr>
+      <p:sp>
+        <p:nvSpPr>
+          <p:cNvPr id="2" name="Folienbildplatzhalter 1"/>
+          <p:cNvSpPr>
+            <a:spLocks noGrp="1" noRot="1" noChangeAspect="1"/>
+          </p:cNvSpPr>
+          <p:nvPr>
+            <p:ph type="sldImg"/>
+          </p:nvPr>
+        </p:nvSpPr>
+        <p:spPr/>
+      </p:sp>
+      <p:sp>
+        <p:nvSpPr>
+          <p:cNvPr id="3" name="Notizenplatzhalter 2"/>
+          <p:cNvSpPr>
+            <a:spLocks noGrp="1"/>
+          </p:cNvSpPr>
+          <p:nvPr>
+            <p:ph type="body" idx="1"/>
+          </p:nvPr>
+        </p:nvSpPr>
+        <p:spPr/>
+        <p:txBody>
+          <a:bodyPr>
+            <a:normAutofit/>
+          </a:bodyPr>
+          <a:lstStyle/>
+          <a:p>
+            <a:pPr marL="0" marR="0" indent="0" algn="l" defTabSz="914400" rtl="0" eaLnBrk="1" fontAlgn="auto" latinLnBrk="0" hangingPunct="1">
+              <a:lnSpc>
+                <a:spcPct val="100000"/>
+              </a:lnSpc>
+              <a:spcBef>
+                <a:spcPts val="0"/>
+              </a:spcBef>
+              <a:spcAft>
+                <a:spcPts val="0"/>
+              </a:spcAft>
+              <a:buClrTx/>
+              <a:buSzTx/>
+              <a:buFontTx/>
+              <a:buNone/>
+              <a:tabLst/>
+              <a:defRPr/>
+            </a:pPr>
+            <a:r>
+              <a:rPr lang="de-DE" dirty="0" err="1" smtClean="0"/>
+              <a:t>Shots</a:t>
+            </a:r>
+            <a:r>
+              <a:rPr lang="de-DE" dirty="0" smtClean="0"/>
+              <a:t> stehen links vor den Bildern</a:t>
+            </a:r>
+          </a:p>
+          <a:p>
+            <a:endParaRPr lang="de-DE" dirty="0"/>
+          </a:p>
+        </p:txBody>
+      </p:sp>
+      <p:sp>
+        <p:nvSpPr>
+          <p:cNvPr id="4" name="Foliennummernplatzhalter 3"/>
+          <p:cNvSpPr>
+            <a:spLocks noGrp="1"/>
+          </p:cNvSpPr>
+          <p:nvPr>
+            <p:ph type="sldNum" sz="quarter" idx="10"/>
+          </p:nvPr>
+        </p:nvSpPr>
+        <p:spPr/>
+        <p:txBody>
+          <a:bodyPr/>
+          <a:lstStyle/>
+          <a:p>
+            <a:fld id="{9E0F7093-5211-4C88-B144-8DEF3E3D6684}" type="slidenum">
+              <a:rPr lang="de-DE" smtClean="0"/>
+              <a:pPr/>
+              <a:t>6</a:t>
+            </a:fld>
+            <a:endParaRPr lang="de-DE"/>
+          </a:p>
+        </p:txBody>
+      </p:sp>
+    </p:spTree>
+  </p:cSld>
+  <p:clrMapOvr>
+    <a:masterClrMapping/>
+  </p:clrMapOvr>
+</p:notes>
+</file>
+
+<file path=ppt/notesSlides/notesSlide5.xml><?xml version="1.0" encoding="utf-8"?>
+<p:notes xmlns:a="http://schemas.openxmlformats.org/drawingml/2006/main" xmlns:r="http://schemas.openxmlformats.org/officeDocument/2006/relationships" xmlns:p="http://schemas.openxmlformats.org/presentationml/2006/main">
+  <p:cSld>
+    <p:spTree>
+      <p:nvGrpSpPr>
+        <p:cNvPr id="1" name=""/>
+        <p:cNvGrpSpPr/>
+        <p:nvPr/>
+      </p:nvGrpSpPr>
+      <p:grpSpPr>
+        <a:xfrm>
+          <a:off x="0" y="0"/>
+          <a:ext cx="0" cy="0"/>
+          <a:chOff x="0" y="0"/>
+          <a:chExt cx="0" cy="0"/>
+        </a:xfrm>
+      </p:grpSpPr>
+      <p:sp>
+        <p:nvSpPr>
+          <p:cNvPr id="2" name="Folienbildplatzhalter 1"/>
+          <p:cNvSpPr>
+            <a:spLocks noGrp="1" noRot="1" noChangeAspect="1"/>
+          </p:cNvSpPr>
+          <p:nvPr>
+            <p:ph type="sldImg"/>
+          </p:nvPr>
+        </p:nvSpPr>
+        <p:spPr/>
+      </p:sp>
+      <p:sp>
+        <p:nvSpPr>
+          <p:cNvPr id="3" name="Notizenplatzhalter 2"/>
+          <p:cNvSpPr>
+            <a:spLocks noGrp="1"/>
+          </p:cNvSpPr>
+          <p:nvPr>
+            <p:ph type="body" idx="1"/>
+          </p:nvPr>
+        </p:nvSpPr>
+        <p:spPr/>
+        <p:txBody>
+          <a:bodyPr>
+            <a:normAutofit/>
+          </a:bodyPr>
+          <a:lstStyle/>
+          <a:p>
+            <a:pPr marL="0" marR="0" indent="0" algn="l" defTabSz="914400" rtl="0" eaLnBrk="1" fontAlgn="auto" latinLnBrk="0" hangingPunct="1">
+              <a:lnSpc>
+                <a:spcPct val="100000"/>
+              </a:lnSpc>
+              <a:spcBef>
+                <a:spcPts val="0"/>
+              </a:spcBef>
+              <a:spcAft>
+                <a:spcPts val="0"/>
+              </a:spcAft>
+              <a:buClrTx/>
+              <a:buSzTx/>
+              <a:buFontTx/>
+              <a:buNone/>
+              <a:tabLst/>
+              <a:defRPr/>
+            </a:pPr>
+            <a:r>
+              <a:rPr lang="de-DE" dirty="0" err="1" smtClean="0"/>
+              <a:t>Shots</a:t>
+            </a:r>
+            <a:r>
+              <a:rPr lang="de-DE" dirty="0" smtClean="0"/>
+              <a:t> stehen links vor den Bildern</a:t>
+            </a:r>
+          </a:p>
+          <a:p>
+            <a:endParaRPr lang="de-DE" dirty="0"/>
+          </a:p>
+        </p:txBody>
+      </p:sp>
+      <p:sp>
+        <p:nvSpPr>
+          <p:cNvPr id="4" name="Foliennummernplatzhalter 3"/>
+          <p:cNvSpPr>
+            <a:spLocks noGrp="1"/>
+          </p:cNvSpPr>
+          <p:nvPr>
+            <p:ph type="sldNum" sz="quarter" idx="10"/>
+          </p:nvPr>
+        </p:nvSpPr>
+        <p:spPr/>
+        <p:txBody>
+          <a:bodyPr/>
+          <a:lstStyle/>
+          <a:p>
+            <a:fld id="{9E0F7093-5211-4C88-B144-8DEF3E3D6684}" type="slidenum">
+              <a:rPr lang="de-DE" smtClean="0"/>
+              <a:pPr/>
+              <a:t>7</a:t>
+            </a:fld>
+            <a:endParaRPr lang="de-DE"/>
+          </a:p>
+        </p:txBody>
+      </p:sp>
+    </p:spTree>
+  </p:cSld>
+  <p:clrMapOvr>
+    <a:masterClrMapping/>
+  </p:clrMapOvr>
+</p:notes>
+</file>
+
+<file path=ppt/notesSlides/notesSlide6.xml><?xml version="1.0" encoding="utf-8"?>
+<p:notes xmlns:a="http://schemas.openxmlformats.org/drawingml/2006/main" xmlns:r="http://schemas.openxmlformats.org/officeDocument/2006/relationships" xmlns:p="http://schemas.openxmlformats.org/presentationml/2006/main">
+  <p:cSld>
+    <p:spTree>
+      <p:nvGrpSpPr>
+        <p:cNvPr id="1" name=""/>
+        <p:cNvGrpSpPr/>
+        <p:nvPr/>
+      </p:nvGrpSpPr>
+      <p:grpSpPr>
+        <a:xfrm>
+          <a:off x="0" y="0"/>
+          <a:ext cx="0" cy="0"/>
+          <a:chOff x="0" y="0"/>
+          <a:chExt cx="0" cy="0"/>
+        </a:xfrm>
+      </p:grpSpPr>
+      <p:sp>
+        <p:nvSpPr>
+          <p:cNvPr id="2" name="Folienbildplatzhalter 1"/>
+          <p:cNvSpPr>
+            <a:spLocks noGrp="1" noRot="1" noChangeAspect="1"/>
+          </p:cNvSpPr>
+          <p:nvPr>
+            <p:ph type="sldImg"/>
+          </p:nvPr>
+        </p:nvSpPr>
+        <p:spPr/>
+      </p:sp>
+      <p:sp>
+        <p:nvSpPr>
+          <p:cNvPr id="3" name="Notizenplatzhalter 2"/>
+          <p:cNvSpPr>
+            <a:spLocks noGrp="1"/>
+          </p:cNvSpPr>
+          <p:nvPr>
+            <p:ph type="body" idx="1"/>
+          </p:nvPr>
+        </p:nvSpPr>
+        <p:spPr/>
+        <p:txBody>
+          <a:bodyPr>
+            <a:normAutofit/>
+          </a:bodyPr>
+          <a:lstStyle/>
+          <a:p>
+            <a:pPr marL="0" marR="0" indent="0" algn="l" defTabSz="914400" rtl="0" eaLnBrk="1" fontAlgn="auto" latinLnBrk="0" hangingPunct="1">
+              <a:lnSpc>
+                <a:spcPct val="100000"/>
+              </a:lnSpc>
+              <a:spcBef>
+                <a:spcPts val="0"/>
+              </a:spcBef>
+              <a:spcAft>
+                <a:spcPts val="0"/>
+              </a:spcAft>
+              <a:buClrTx/>
+              <a:buSzTx/>
+              <a:buFontTx/>
+              <a:buNone/>
+              <a:tabLst/>
+              <a:defRPr/>
+            </a:pPr>
+            <a:r>
+              <a:rPr lang="de-DE" dirty="0" err="1" smtClean="0"/>
+              <a:t>Shots</a:t>
+            </a:r>
+            <a:r>
+              <a:rPr lang="de-DE" dirty="0" smtClean="0"/>
+              <a:t> stehen links vor den Bildern</a:t>
+            </a:r>
+          </a:p>
+          <a:p>
+            <a:endParaRPr lang="de-DE" dirty="0"/>
+          </a:p>
+        </p:txBody>
+      </p:sp>
+      <p:sp>
+        <p:nvSpPr>
+          <p:cNvPr id="4" name="Foliennummernplatzhalter 3"/>
+          <p:cNvSpPr>
+            <a:spLocks noGrp="1"/>
+          </p:cNvSpPr>
+          <p:nvPr>
+            <p:ph type="sldNum" sz="quarter" idx="10"/>
+          </p:nvPr>
+        </p:nvSpPr>
+        <p:spPr/>
+        <p:txBody>
+          <a:bodyPr/>
+          <a:lstStyle/>
+          <a:p>
+            <a:fld id="{9E0F7093-5211-4C88-B144-8DEF3E3D6684}" type="slidenum">
+              <a:rPr lang="de-DE" smtClean="0"/>
+              <a:pPr/>
+              <a:t>8</a:t>
+            </a:fld>
+            <a:endParaRPr lang="de-DE"/>
+          </a:p>
+        </p:txBody>
+      </p:sp>
+    </p:spTree>
+  </p:cSld>
+  <p:clrMapOvr>
+    <a:masterClrMapping/>
+  </p:clrMapOvr>
+</p:notes>
+</file>
+
 <file path=ppt/slideLayouts/slideLayout1.xml><?xml version="1.0" encoding="utf-8"?>
 <p:sldLayout xmlns:a="http://schemas.openxmlformats.org/drawingml/2006/main" xmlns:r="http://schemas.openxmlformats.org/officeDocument/2006/relationships" xmlns:p="http://schemas.openxmlformats.org/presentationml/2006/main" type="title" preserve="1">
   <p:cSld name="Titelfolie">
@@ -652,7 +1285,7 @@
             <a:fld id="{42EEFE8C-632D-4CF5-99C7-BAD47C7DAF5B}" type="datetimeFigureOut">
               <a:rPr lang="de-DE" smtClean="0"/>
               <a:pPr/>
-              <a:t>17.11.2015</a:t>
+              <a:t>19.11.2015</a:t>
             </a:fld>
             <a:endParaRPr lang="de-DE"/>
           </a:p>
@@ -819,7 +1452,7 @@
             <a:fld id="{42EEFE8C-632D-4CF5-99C7-BAD47C7DAF5B}" type="datetimeFigureOut">
               <a:rPr lang="de-DE" smtClean="0"/>
               <a:pPr/>
-              <a:t>17.11.2015</a:t>
+              <a:t>19.11.2015</a:t>
             </a:fld>
             <a:endParaRPr lang="de-DE"/>
           </a:p>
@@ -996,7 +1629,7 @@
             <a:fld id="{42EEFE8C-632D-4CF5-99C7-BAD47C7DAF5B}" type="datetimeFigureOut">
               <a:rPr lang="de-DE" smtClean="0"/>
               <a:pPr/>
-              <a:t>17.11.2015</a:t>
+              <a:t>19.11.2015</a:t>
             </a:fld>
             <a:endParaRPr lang="de-DE"/>
           </a:p>
@@ -1163,7 +1796,7 @@
             <a:fld id="{42EEFE8C-632D-4CF5-99C7-BAD47C7DAF5B}" type="datetimeFigureOut">
               <a:rPr lang="de-DE" smtClean="0"/>
               <a:pPr/>
-              <a:t>17.11.2015</a:t>
+              <a:t>19.11.2015</a:t>
             </a:fld>
             <a:endParaRPr lang="de-DE"/>
           </a:p>
@@ -1406,7 +2039,7 @@
             <a:fld id="{42EEFE8C-632D-4CF5-99C7-BAD47C7DAF5B}" type="datetimeFigureOut">
               <a:rPr lang="de-DE" smtClean="0"/>
               <a:pPr/>
-              <a:t>17.11.2015</a:t>
+              <a:t>19.11.2015</a:t>
             </a:fld>
             <a:endParaRPr lang="de-DE"/>
           </a:p>
@@ -1691,7 +2324,7 @@
             <a:fld id="{42EEFE8C-632D-4CF5-99C7-BAD47C7DAF5B}" type="datetimeFigureOut">
               <a:rPr lang="de-DE" smtClean="0"/>
               <a:pPr/>
-              <a:t>17.11.2015</a:t>
+              <a:t>19.11.2015</a:t>
             </a:fld>
             <a:endParaRPr lang="de-DE"/>
           </a:p>
@@ -2110,7 +2743,7 @@
             <a:fld id="{42EEFE8C-632D-4CF5-99C7-BAD47C7DAF5B}" type="datetimeFigureOut">
               <a:rPr lang="de-DE" smtClean="0"/>
               <a:pPr/>
-              <a:t>17.11.2015</a:t>
+              <a:t>19.11.2015</a:t>
             </a:fld>
             <a:endParaRPr lang="de-DE"/>
           </a:p>
@@ -2225,7 +2858,7 @@
             <a:fld id="{42EEFE8C-632D-4CF5-99C7-BAD47C7DAF5B}" type="datetimeFigureOut">
               <a:rPr lang="de-DE" smtClean="0"/>
               <a:pPr/>
-              <a:t>17.11.2015</a:t>
+              <a:t>19.11.2015</a:t>
             </a:fld>
             <a:endParaRPr lang="de-DE"/>
           </a:p>
@@ -2317,7 +2950,7 @@
             <a:fld id="{42EEFE8C-632D-4CF5-99C7-BAD47C7DAF5B}" type="datetimeFigureOut">
               <a:rPr lang="de-DE" smtClean="0"/>
               <a:pPr/>
-              <a:t>17.11.2015</a:t>
+              <a:t>19.11.2015</a:t>
             </a:fld>
             <a:endParaRPr lang="de-DE"/>
           </a:p>
@@ -2591,7 +3224,7 @@
             <a:fld id="{42EEFE8C-632D-4CF5-99C7-BAD47C7DAF5B}" type="datetimeFigureOut">
               <a:rPr lang="de-DE" smtClean="0"/>
               <a:pPr/>
-              <a:t>17.11.2015</a:t>
+              <a:t>19.11.2015</a:t>
             </a:fld>
             <a:endParaRPr lang="de-DE"/>
           </a:p>
@@ -2841,7 +3474,7 @@
             <a:fld id="{42EEFE8C-632D-4CF5-99C7-BAD47C7DAF5B}" type="datetimeFigureOut">
               <a:rPr lang="de-DE" smtClean="0"/>
               <a:pPr/>
-              <a:t>17.11.2015</a:t>
+              <a:t>19.11.2015</a:t>
             </a:fld>
             <a:endParaRPr lang="de-DE"/>
           </a:p>
@@ -3051,7 +3684,7 @@
             <a:fld id="{42EEFE8C-632D-4CF5-99C7-BAD47C7DAF5B}" type="datetimeFigureOut">
               <a:rPr lang="de-DE" smtClean="0"/>
               <a:pPr/>
-              <a:t>17.11.2015</a:t>
+              <a:t>19.11.2015</a:t>
             </a:fld>
             <a:endParaRPr lang="de-DE"/>
           </a:p>
@@ -3661,699 +4294,6 @@
                     <a:schemeClr val="bg1"/>
                   </a:solidFill>
                 </a:rPr>
-                <a:t>09</a:t>
-              </a:r>
-              <a:endParaRPr lang="de-DE" dirty="0">
-                <a:solidFill>
-                  <a:schemeClr val="bg1"/>
-                </a:solidFill>
-              </a:endParaRPr>
-            </a:p>
-          </p:txBody>
-        </p:sp>
-      </p:grpSp>
-      <p:pic>
-        <p:nvPicPr>
-          <p:cNvPr id="10" name="Grafik 9" descr="faded_neon_pixel_corner_wallpaper_by_dysphoriah-d5435lv.png"/>
-          <p:cNvPicPr>
-            <a:picLocks noChangeAspect="1"/>
-          </p:cNvPicPr>
-          <p:nvPr/>
-        </p:nvPicPr>
-        <p:blipFill>
-          <a:blip r:embed="rId2" cstate="print"/>
-          <a:srcRect t="50868" b="20586"/>
-          <a:stretch>
-            <a:fillRect/>
-          </a:stretch>
-        </p:blipFill>
-        <p:spPr>
-          <a:xfrm>
-            <a:off x="0" y="-27384"/>
-            <a:ext cx="9144000" cy="1467544"/>
-          </a:xfrm>
-          <a:prstGeom prst="rect">
-            <a:avLst/>
-          </a:prstGeom>
-        </p:spPr>
-      </p:pic>
-      <p:sp>
-        <p:nvSpPr>
-          <p:cNvPr id="11" name="Titel 1"/>
-          <p:cNvSpPr>
-            <a:spLocks noGrp="1"/>
-          </p:cNvSpPr>
-          <p:nvPr>
-            <p:ph type="title"/>
-          </p:nvPr>
-        </p:nvSpPr>
-        <p:spPr>
-          <a:xfrm>
-            <a:off x="457200" y="274638"/>
-            <a:ext cx="8229600" cy="1143000"/>
-          </a:xfrm>
-        </p:spPr>
-        <p:txBody>
-          <a:bodyPr/>
-          <a:lstStyle/>
-          <a:p>
-            <a:r>
-              <a:rPr lang="de-DE" dirty="0" err="1" smtClean="0">
-                <a:solidFill>
-                  <a:schemeClr val="bg1"/>
-                </a:solidFill>
-              </a:rPr>
-              <a:t>Storyboard</a:t>
-            </a:r>
-            <a:endParaRPr lang="de-DE" dirty="0">
-              <a:solidFill>
-                <a:schemeClr val="bg1"/>
-              </a:solidFill>
-            </a:endParaRPr>
-          </a:p>
-        </p:txBody>
-      </p:sp>
-      <p:pic>
-        <p:nvPicPr>
-          <p:cNvPr id="7" name="Grafik 6" descr="8.JPG"/>
-          <p:cNvPicPr>
-            <a:picLocks noChangeAspect="1"/>
-          </p:cNvPicPr>
-          <p:nvPr/>
-        </p:nvPicPr>
-        <p:blipFill>
-          <a:blip r:embed="rId3" cstate="print"/>
-          <a:stretch>
-            <a:fillRect/>
-          </a:stretch>
-        </p:blipFill>
-        <p:spPr>
-          <a:xfrm>
-            <a:off x="395536" y="1844824"/>
-            <a:ext cx="2469533" cy="4320000"/>
-          </a:xfrm>
-          <a:prstGeom prst="rect">
-            <a:avLst/>
-          </a:prstGeom>
-        </p:spPr>
-      </p:pic>
-      <p:sp>
-        <p:nvSpPr>
-          <p:cNvPr id="8" name="Textfeld 7"/>
-          <p:cNvSpPr txBox="1"/>
-          <p:nvPr/>
-        </p:nvSpPr>
-        <p:spPr>
-          <a:xfrm>
-            <a:off x="2915816" y="1556792"/>
-            <a:ext cx="2736304" cy="369332"/>
-          </a:xfrm>
-          <a:prstGeom prst="rect">
-            <a:avLst/>
-          </a:prstGeom>
-          <a:noFill/>
-        </p:spPr>
-        <p:txBody>
-          <a:bodyPr wrap="square" rtlCol="0">
-            <a:spAutoFit/>
-          </a:bodyPr>
-          <a:lstStyle/>
-          <a:p>
-            <a:r>
-              <a:rPr lang="de-DE" b="1" dirty="0" smtClean="0"/>
-              <a:t>Objekte</a:t>
-            </a:r>
-            <a:endParaRPr lang="de-DE" b="1" dirty="0"/>
-          </a:p>
-        </p:txBody>
-      </p:sp>
-      <p:sp>
-        <p:nvSpPr>
-          <p:cNvPr id="9" name="Textfeld 8"/>
-          <p:cNvSpPr txBox="1"/>
-          <p:nvPr/>
-        </p:nvSpPr>
-        <p:spPr>
-          <a:xfrm>
-            <a:off x="5796136" y="1556792"/>
-            <a:ext cx="2736304" cy="369332"/>
-          </a:xfrm>
-          <a:prstGeom prst="rect">
-            <a:avLst/>
-          </a:prstGeom>
-          <a:noFill/>
-        </p:spPr>
-        <p:txBody>
-          <a:bodyPr wrap="square" rtlCol="0">
-            <a:spAutoFit/>
-          </a:bodyPr>
-          <a:lstStyle/>
-          <a:p>
-            <a:r>
-              <a:rPr lang="de-DE" b="1" dirty="0" smtClean="0"/>
-              <a:t>Animation</a:t>
-            </a:r>
-            <a:endParaRPr lang="de-DE" b="1" dirty="0"/>
-          </a:p>
-        </p:txBody>
-      </p:sp>
-      <p:sp>
-        <p:nvSpPr>
-          <p:cNvPr id="12" name="Textfeld 11"/>
-          <p:cNvSpPr txBox="1"/>
-          <p:nvPr/>
-        </p:nvSpPr>
-        <p:spPr>
-          <a:xfrm>
-            <a:off x="2915816" y="1907540"/>
-            <a:ext cx="2736304" cy="3416320"/>
-          </a:xfrm>
-          <a:prstGeom prst="rect">
-            <a:avLst/>
-          </a:prstGeom>
-          <a:noFill/>
-        </p:spPr>
-        <p:txBody>
-          <a:bodyPr wrap="square" rtlCol="0">
-            <a:spAutoFit/>
-          </a:bodyPr>
-          <a:lstStyle/>
-          <a:p>
-            <a:pPr>
-              <a:buFontTx/>
-              <a:buChar char="-"/>
-            </a:pPr>
-            <a:r>
-              <a:rPr lang="de-DE" dirty="0" smtClean="0"/>
-              <a:t> einzelne </a:t>
-            </a:r>
-            <a:r>
-              <a:rPr lang="de-DE" dirty="0" err="1" smtClean="0"/>
-              <a:t>Pixelelemtene</a:t>
-            </a:r>
-            <a:endParaRPr lang="de-DE" dirty="0" smtClean="0"/>
-          </a:p>
-          <a:p>
-            <a:pPr>
-              <a:buFontTx/>
-              <a:buChar char="-"/>
-            </a:pPr>
-            <a:r>
-              <a:rPr lang="de-DE" dirty="0" smtClean="0"/>
-              <a:t> Ü-Figuren</a:t>
-            </a:r>
-          </a:p>
-          <a:p>
-            <a:endParaRPr lang="de-DE" dirty="0" smtClean="0"/>
-          </a:p>
-          <a:p>
-            <a:endParaRPr lang="de-DE" dirty="0" smtClean="0"/>
-          </a:p>
-          <a:p>
-            <a:endParaRPr lang="de-DE" dirty="0" smtClean="0"/>
-          </a:p>
-          <a:p>
-            <a:endParaRPr lang="de-DE" dirty="0" smtClean="0"/>
-          </a:p>
-          <a:p>
-            <a:endParaRPr lang="de-DE" dirty="0" smtClean="0"/>
-          </a:p>
-          <a:p>
-            <a:pPr>
-              <a:buFontTx/>
-              <a:buChar char="-"/>
-            </a:pPr>
-            <a:r>
-              <a:rPr lang="de-DE" dirty="0" smtClean="0"/>
-              <a:t> einzelne </a:t>
-            </a:r>
-            <a:r>
-              <a:rPr lang="de-DE" dirty="0" err="1" smtClean="0"/>
-              <a:t>Pixelelemtene</a:t>
-            </a:r>
-            <a:endParaRPr lang="de-DE" dirty="0" smtClean="0"/>
-          </a:p>
-          <a:p>
-            <a:pPr>
-              <a:buFontTx/>
-              <a:buChar char="-"/>
-            </a:pPr>
-            <a:r>
-              <a:rPr lang="de-DE" dirty="0" smtClean="0"/>
-              <a:t> Ü-Figuren</a:t>
-            </a:r>
-          </a:p>
-          <a:p>
-            <a:pPr>
-              <a:buFontTx/>
-              <a:buChar char="-"/>
-            </a:pPr>
-            <a:endParaRPr lang="de-DE" dirty="0" smtClean="0"/>
-          </a:p>
-          <a:p>
-            <a:pPr>
-              <a:buFontTx/>
-              <a:buChar char="-"/>
-            </a:pPr>
-            <a:endParaRPr lang="de-DE" dirty="0" smtClean="0"/>
-          </a:p>
-          <a:p>
-            <a:pPr>
-              <a:buFontTx/>
-              <a:buChar char="-"/>
-            </a:pPr>
-            <a:r>
-              <a:rPr lang="de-DE" dirty="0" smtClean="0"/>
-              <a:t> Text für Abspann</a:t>
-            </a:r>
-          </a:p>
-        </p:txBody>
-      </p:sp>
-      <p:sp>
-        <p:nvSpPr>
-          <p:cNvPr id="13" name="Textfeld 12"/>
-          <p:cNvSpPr txBox="1"/>
-          <p:nvPr/>
-        </p:nvSpPr>
-        <p:spPr>
-          <a:xfrm>
-            <a:off x="5796136" y="1907540"/>
-            <a:ext cx="2736304" cy="3416320"/>
-          </a:xfrm>
-          <a:prstGeom prst="rect">
-            <a:avLst/>
-          </a:prstGeom>
-          <a:noFill/>
-        </p:spPr>
-        <p:txBody>
-          <a:bodyPr wrap="square" rtlCol="0">
-            <a:spAutoFit/>
-          </a:bodyPr>
-          <a:lstStyle/>
-          <a:p>
-            <a:r>
-              <a:rPr lang="de-DE" dirty="0" smtClean="0"/>
-              <a:t>- Kamera bewegt sich auf Figuren zu</a:t>
-            </a:r>
-          </a:p>
-          <a:p>
-            <a:endParaRPr lang="de-DE" dirty="0" smtClean="0"/>
-          </a:p>
-          <a:p>
-            <a:endParaRPr lang="de-DE" dirty="0" smtClean="0"/>
-          </a:p>
-          <a:p>
-            <a:endParaRPr lang="de-DE" dirty="0" smtClean="0"/>
-          </a:p>
-          <a:p>
-            <a:endParaRPr lang="de-DE" dirty="0" smtClean="0"/>
-          </a:p>
-          <a:p>
-            <a:pPr>
-              <a:buFontTx/>
-              <a:buChar char="-"/>
-            </a:pPr>
-            <a:r>
-              <a:rPr lang="de-DE" dirty="0" smtClean="0"/>
-              <a:t> Ü-Figur Eisenacher sagt </a:t>
-            </a:r>
-          </a:p>
-          <a:p>
-            <a:r>
-              <a:rPr lang="de-DE" dirty="0" smtClean="0"/>
-              <a:t>   etwas</a:t>
-            </a:r>
-          </a:p>
-          <a:p>
-            <a:endParaRPr lang="de-DE" dirty="0" smtClean="0"/>
-          </a:p>
-          <a:p>
-            <a:pPr>
-              <a:buFontTx/>
-              <a:buChar char="-"/>
-            </a:pPr>
-            <a:endParaRPr lang="de-DE" dirty="0" smtClean="0"/>
-          </a:p>
-          <a:p>
-            <a:pPr>
-              <a:buFontTx/>
-              <a:buChar char="-"/>
-            </a:pPr>
-            <a:endParaRPr lang="de-DE" dirty="0" smtClean="0"/>
-          </a:p>
-          <a:p>
-            <a:pPr>
-              <a:buFontTx/>
-              <a:buChar char="-"/>
-            </a:pPr>
-            <a:endParaRPr lang="de-DE" dirty="0" smtClean="0"/>
-          </a:p>
-        </p:txBody>
-      </p:sp>
-    </p:spTree>
-  </p:cSld>
-  <p:clrMapOvr>
-    <a:masterClrMapping/>
-  </p:clrMapOvr>
-  <p:timing>
-    <p:tnLst>
-      <p:par>
-        <p:cTn id="1" dur="indefinite" restart="never" nodeType="tmRoot"/>
-      </p:par>
-    </p:tnLst>
-  </p:timing>
-</p:sld>
-</file>
-
-<file path=ppt/slides/slide11.xml><?xml version="1.0" encoding="utf-8"?>
-<p:sld xmlns:a="http://schemas.openxmlformats.org/drawingml/2006/main" xmlns:r="http://schemas.openxmlformats.org/officeDocument/2006/relationships" xmlns:p="http://schemas.openxmlformats.org/presentationml/2006/main">
-  <p:cSld>
-    <p:spTree>
-      <p:nvGrpSpPr>
-        <p:cNvPr id="1" name=""/>
-        <p:cNvGrpSpPr/>
-        <p:nvPr/>
-      </p:nvGrpSpPr>
-      <p:grpSpPr>
-        <a:xfrm>
-          <a:off x="0" y="0"/>
-          <a:ext cx="0" cy="0"/>
-          <a:chOff x="0" y="0"/>
-          <a:chExt cx="0" cy="0"/>
-        </a:xfrm>
-      </p:grpSpPr>
-      <p:grpSp>
-        <p:nvGrpSpPr>
-          <p:cNvPr id="2" name="Gruppieren 2"/>
-          <p:cNvGrpSpPr/>
-          <p:nvPr/>
-        </p:nvGrpSpPr>
-        <p:grpSpPr>
-          <a:xfrm>
-            <a:off x="8676456" y="6417384"/>
-            <a:ext cx="648072" cy="468000"/>
-            <a:chOff x="8676456" y="6417384"/>
-            <a:chExt cx="648072" cy="468000"/>
-          </a:xfrm>
-        </p:grpSpPr>
-        <p:sp>
-          <p:nvSpPr>
-            <p:cNvPr id="4" name="Rechteck 3"/>
-            <p:cNvSpPr/>
-            <p:nvPr/>
-          </p:nvSpPr>
-          <p:spPr>
-            <a:xfrm>
-              <a:off x="8676456" y="6417384"/>
-              <a:ext cx="468000" cy="468000"/>
-            </a:xfrm>
-            <a:prstGeom prst="rect">
-              <a:avLst/>
-            </a:prstGeom>
-            <a:solidFill>
-              <a:schemeClr val="tx1"/>
-            </a:solidFill>
-            <a:ln>
-              <a:noFill/>
-            </a:ln>
-          </p:spPr>
-          <p:style>
-            <a:lnRef idx="2">
-              <a:schemeClr val="accent1">
-                <a:shade val="50000"/>
-              </a:schemeClr>
-            </a:lnRef>
-            <a:fillRef idx="1">
-              <a:schemeClr val="accent1"/>
-            </a:fillRef>
-            <a:effectRef idx="0">
-              <a:schemeClr val="accent1"/>
-            </a:effectRef>
-            <a:fontRef idx="minor">
-              <a:schemeClr val="lt1"/>
-            </a:fontRef>
-          </p:style>
-          <p:txBody>
-            <a:bodyPr rtlCol="0" anchor="ctr"/>
-            <a:lstStyle/>
-            <a:p>
-              <a:pPr algn="ctr"/>
-              <a:endParaRPr lang="de-DE"/>
-            </a:p>
-          </p:txBody>
-        </p:sp>
-        <p:sp>
-          <p:nvSpPr>
-            <p:cNvPr id="5" name="Textfeld 4"/>
-            <p:cNvSpPr txBox="1"/>
-            <p:nvPr/>
-          </p:nvSpPr>
-          <p:spPr>
-            <a:xfrm>
-              <a:off x="8676456" y="6453336"/>
-              <a:ext cx="648072" cy="369332"/>
-            </a:xfrm>
-            <a:prstGeom prst="rect">
-              <a:avLst/>
-            </a:prstGeom>
-            <a:noFill/>
-          </p:spPr>
-          <p:txBody>
-            <a:bodyPr wrap="square" rtlCol="0">
-              <a:spAutoFit/>
-            </a:bodyPr>
-            <a:lstStyle/>
-            <a:p>
-              <a:r>
-                <a:rPr lang="de-DE" dirty="0" smtClean="0">
-                  <a:solidFill>
-                    <a:schemeClr val="bg1"/>
-                  </a:solidFill>
-                </a:rPr>
-                <a:t>10</a:t>
-              </a:r>
-              <a:endParaRPr lang="de-DE" dirty="0">
-                <a:solidFill>
-                  <a:schemeClr val="bg1"/>
-                </a:solidFill>
-              </a:endParaRPr>
-            </a:p>
-          </p:txBody>
-        </p:sp>
-      </p:grpSp>
-      <p:pic>
-        <p:nvPicPr>
-          <p:cNvPr id="10" name="Grafik 9" descr="faded_neon_pixel_corner_wallpaper_by_dysphoriah-d5435lv.png"/>
-          <p:cNvPicPr>
-            <a:picLocks noChangeAspect="1"/>
-          </p:cNvPicPr>
-          <p:nvPr/>
-        </p:nvPicPr>
-        <p:blipFill>
-          <a:blip r:embed="rId2" cstate="print"/>
-          <a:srcRect t="50868" b="20586"/>
-          <a:stretch>
-            <a:fillRect/>
-          </a:stretch>
-        </p:blipFill>
-        <p:spPr>
-          <a:xfrm>
-            <a:off x="0" y="-27384"/>
-            <a:ext cx="9144000" cy="1467544"/>
-          </a:xfrm>
-          <a:prstGeom prst="rect">
-            <a:avLst/>
-          </a:prstGeom>
-        </p:spPr>
-      </p:pic>
-      <p:sp>
-        <p:nvSpPr>
-          <p:cNvPr id="11" name="Titel 1"/>
-          <p:cNvSpPr>
-            <a:spLocks noGrp="1"/>
-          </p:cNvSpPr>
-          <p:nvPr>
-            <p:ph type="title"/>
-          </p:nvPr>
-        </p:nvSpPr>
-        <p:spPr>
-          <a:xfrm>
-            <a:off x="457200" y="274638"/>
-            <a:ext cx="8229600" cy="1143000"/>
-          </a:xfrm>
-        </p:spPr>
-        <p:txBody>
-          <a:bodyPr/>
-          <a:lstStyle/>
-          <a:p>
-            <a:r>
-              <a:rPr lang="de-DE" dirty="0" smtClean="0">
-                <a:solidFill>
-                  <a:schemeClr val="bg1"/>
-                </a:solidFill>
-              </a:rPr>
-              <a:t>Zeitplanung</a:t>
-            </a:r>
-            <a:endParaRPr lang="de-DE" dirty="0">
-              <a:solidFill>
-                <a:schemeClr val="bg1"/>
-              </a:solidFill>
-            </a:endParaRPr>
-          </a:p>
-        </p:txBody>
-      </p:sp>
-      <p:pic>
-        <p:nvPicPr>
-          <p:cNvPr id="1026" name="Picture 2"/>
-          <p:cNvPicPr>
-            <a:picLocks noChangeAspect="1" noChangeArrowheads="1"/>
-          </p:cNvPicPr>
-          <p:nvPr/>
-        </p:nvPicPr>
-        <p:blipFill>
-          <a:blip r:embed="rId3" cstate="print"/>
-          <a:srcRect l="6197" t="16400" r="37104" b="9051"/>
-          <a:stretch>
-            <a:fillRect/>
-          </a:stretch>
-        </p:blipFill>
-        <p:spPr bwMode="auto">
-          <a:xfrm>
-            <a:off x="1403648" y="1556792"/>
-            <a:ext cx="6912768" cy="5112568"/>
-          </a:xfrm>
-          <a:prstGeom prst="rect">
-            <a:avLst/>
-          </a:prstGeom>
-          <a:noFill/>
-          <a:ln w="9525">
-            <a:noFill/>
-            <a:miter lim="800000"/>
-            <a:headEnd/>
-            <a:tailEnd/>
-          </a:ln>
-        </p:spPr>
-      </p:pic>
-    </p:spTree>
-  </p:cSld>
-  <p:clrMapOvr>
-    <a:masterClrMapping/>
-  </p:clrMapOvr>
-  <p:timing>
-    <p:tnLst>
-      <p:par>
-        <p:cTn id="1" dur="indefinite" restart="never" nodeType="tmRoot"/>
-      </p:par>
-    </p:tnLst>
-  </p:timing>
-</p:sld>
-</file>
-
-<file path=ppt/slides/slide12.xml><?xml version="1.0" encoding="utf-8"?>
-<p:sld xmlns:a="http://schemas.openxmlformats.org/drawingml/2006/main" xmlns:r="http://schemas.openxmlformats.org/officeDocument/2006/relationships" xmlns:p="http://schemas.openxmlformats.org/presentationml/2006/main">
-  <p:cSld>
-    <p:spTree>
-      <p:nvGrpSpPr>
-        <p:cNvPr id="1" name=""/>
-        <p:cNvGrpSpPr/>
-        <p:nvPr/>
-      </p:nvGrpSpPr>
-      <p:grpSpPr>
-        <a:xfrm>
-          <a:off x="0" y="0"/>
-          <a:ext cx="0" cy="0"/>
-          <a:chOff x="0" y="0"/>
-          <a:chExt cx="0" cy="0"/>
-        </a:xfrm>
-      </p:grpSpPr>
-      <p:grpSp>
-        <p:nvGrpSpPr>
-          <p:cNvPr id="2" name="Gruppieren 2"/>
-          <p:cNvGrpSpPr/>
-          <p:nvPr/>
-        </p:nvGrpSpPr>
-        <p:grpSpPr>
-          <a:xfrm>
-            <a:off x="8676456" y="6417384"/>
-            <a:ext cx="648072" cy="468000"/>
-            <a:chOff x="8676456" y="6417384"/>
-            <a:chExt cx="648072" cy="468000"/>
-          </a:xfrm>
-        </p:grpSpPr>
-        <p:sp>
-          <p:nvSpPr>
-            <p:cNvPr id="4" name="Rechteck 3"/>
-            <p:cNvSpPr/>
-            <p:nvPr/>
-          </p:nvSpPr>
-          <p:spPr>
-            <a:xfrm>
-              <a:off x="8676456" y="6417384"/>
-              <a:ext cx="468000" cy="468000"/>
-            </a:xfrm>
-            <a:prstGeom prst="rect">
-              <a:avLst/>
-            </a:prstGeom>
-            <a:solidFill>
-              <a:schemeClr val="tx1"/>
-            </a:solidFill>
-            <a:ln>
-              <a:noFill/>
-            </a:ln>
-          </p:spPr>
-          <p:style>
-            <a:lnRef idx="2">
-              <a:schemeClr val="accent1">
-                <a:shade val="50000"/>
-              </a:schemeClr>
-            </a:lnRef>
-            <a:fillRef idx="1">
-              <a:schemeClr val="accent1"/>
-            </a:fillRef>
-            <a:effectRef idx="0">
-              <a:schemeClr val="accent1"/>
-            </a:effectRef>
-            <a:fontRef idx="minor">
-              <a:schemeClr val="lt1"/>
-            </a:fontRef>
-          </p:style>
-          <p:txBody>
-            <a:bodyPr rtlCol="0" anchor="ctr"/>
-            <a:lstStyle/>
-            <a:p>
-              <a:pPr algn="ctr"/>
-              <a:endParaRPr lang="de-DE"/>
-            </a:p>
-          </p:txBody>
-        </p:sp>
-        <p:sp>
-          <p:nvSpPr>
-            <p:cNvPr id="5" name="Textfeld 4"/>
-            <p:cNvSpPr txBox="1"/>
-            <p:nvPr/>
-          </p:nvSpPr>
-          <p:spPr>
-            <a:xfrm>
-              <a:off x="8676456" y="6453336"/>
-              <a:ext cx="648072" cy="369332"/>
-            </a:xfrm>
-            <a:prstGeom prst="rect">
-              <a:avLst/>
-            </a:prstGeom>
-            <a:noFill/>
-          </p:spPr>
-          <p:txBody>
-            <a:bodyPr wrap="square" rtlCol="0">
-              <a:spAutoFit/>
-            </a:bodyPr>
-            <a:lstStyle/>
-            <a:p>
-              <a:r>
-                <a:rPr lang="de-DE" dirty="0" smtClean="0">
-                  <a:solidFill>
-                    <a:schemeClr val="bg1"/>
-                  </a:solidFill>
-                </a:rPr>
                 <a:t>11</a:t>
               </a:r>
               <a:endParaRPr lang="de-DE" dirty="0">
@@ -4452,7 +4392,6 @@
               <a:rPr lang="de-DE" sz="2400" b="1" dirty="0" smtClean="0"/>
               <a:t>Falsche Planung:</a:t>
             </a:r>
-            <a:endParaRPr lang="de-DE" sz="2400" b="1" dirty="0" smtClean="0"/>
           </a:p>
           <a:p>
             <a:endParaRPr lang="de-DE" sz="2000" dirty="0"/>
@@ -4462,25 +4401,20 @@
               <a:rPr lang="de-DE" sz="2000" dirty="0" smtClean="0"/>
               <a:t>Aufgrund falscher Planung kann es zu Engpässen kommen.</a:t>
             </a:r>
+          </a:p>
+          <a:p>
+            <a:endParaRPr lang="de-DE" sz="2000" dirty="0"/>
+          </a:p>
+          <a:p>
             <a:endParaRPr lang="de-DE" sz="2000" dirty="0" smtClean="0"/>
           </a:p>
           <a:p>
-            <a:endParaRPr lang="de-DE" sz="2000" dirty="0"/>
-          </a:p>
-          <a:p>
             <a:endParaRPr lang="de-DE" sz="2000" dirty="0" smtClean="0"/>
           </a:p>
           <a:p>
-            <a:endParaRPr lang="de-DE" sz="2000" dirty="0" smtClean="0"/>
-          </a:p>
-          <a:p>
             <a:r>
               <a:rPr lang="de-DE" sz="2400" b="1" dirty="0" smtClean="0"/>
-              <a:t>Lösung</a:t>
-            </a:r>
-            <a:r>
-              <a:rPr lang="de-DE" sz="2400" b="1" dirty="0" smtClean="0"/>
-              <a:t>:</a:t>
+              <a:t>Lösung:</a:t>
             </a:r>
           </a:p>
           <a:p>
@@ -4888,7 +4822,7 @@
           <p:nvPr/>
         </p:nvPicPr>
         <p:blipFill>
-          <a:blip r:embed="rId2" cstate="print"/>
+          <a:blip r:embed="rId3" cstate="print"/>
           <a:srcRect t="50868" b="20586"/>
           <a:stretch>
             <a:fillRect/>
@@ -4940,24 +4874,322 @@
           </a:p>
         </p:txBody>
       </p:sp>
+      <p:sp>
+        <p:nvSpPr>
+          <p:cNvPr id="8" name="Textfeld 7"/>
+          <p:cNvSpPr txBox="1"/>
+          <p:nvPr/>
+        </p:nvSpPr>
+        <p:spPr>
+          <a:xfrm>
+            <a:off x="2915816" y="1556792"/>
+            <a:ext cx="2736304" cy="369332"/>
+          </a:xfrm>
+          <a:prstGeom prst="rect">
+            <a:avLst/>
+          </a:prstGeom>
+          <a:noFill/>
+        </p:spPr>
+        <p:txBody>
+          <a:bodyPr wrap="square" rtlCol="0">
+            <a:spAutoFit/>
+          </a:bodyPr>
+          <a:lstStyle/>
+          <a:p>
+            <a:r>
+              <a:rPr lang="de-DE" b="1" dirty="0" smtClean="0"/>
+              <a:t>Szenen und Objekte</a:t>
+            </a:r>
+            <a:endParaRPr lang="de-DE" b="1" dirty="0"/>
+          </a:p>
+        </p:txBody>
+      </p:sp>
+      <p:sp>
+        <p:nvSpPr>
+          <p:cNvPr id="9" name="Textfeld 8"/>
+          <p:cNvSpPr txBox="1"/>
+          <p:nvPr/>
+        </p:nvSpPr>
+        <p:spPr>
+          <a:xfrm>
+            <a:off x="5796136" y="1556792"/>
+            <a:ext cx="2736304" cy="369332"/>
+          </a:xfrm>
+          <a:prstGeom prst="rect">
+            <a:avLst/>
+          </a:prstGeom>
+          <a:noFill/>
+        </p:spPr>
+        <p:txBody>
+          <a:bodyPr wrap="square" rtlCol="0">
+            <a:spAutoFit/>
+          </a:bodyPr>
+          <a:lstStyle/>
+          <a:p>
+            <a:r>
+              <a:rPr lang="de-DE" b="1" dirty="0" smtClean="0"/>
+              <a:t>Animation</a:t>
+            </a:r>
+            <a:endParaRPr lang="de-DE" b="1" dirty="0"/>
+          </a:p>
+        </p:txBody>
+      </p:sp>
+      <p:sp>
+        <p:nvSpPr>
+          <p:cNvPr id="13" name="Textfeld 12"/>
+          <p:cNvSpPr txBox="1"/>
+          <p:nvPr/>
+        </p:nvSpPr>
+        <p:spPr>
+          <a:xfrm>
+            <a:off x="2915816" y="1907540"/>
+            <a:ext cx="2736304" cy="3970318"/>
+          </a:xfrm>
+          <a:prstGeom prst="rect">
+            <a:avLst/>
+          </a:prstGeom>
+          <a:noFill/>
+        </p:spPr>
+        <p:txBody>
+          <a:bodyPr wrap="square" rtlCol="0">
+            <a:spAutoFit/>
+          </a:bodyPr>
+          <a:lstStyle/>
+          <a:p>
+            <a:r>
+              <a:rPr lang="de-DE" dirty="0" smtClean="0"/>
+              <a:t>- Pixelwelt</a:t>
+            </a:r>
+          </a:p>
+          <a:p>
+            <a:endParaRPr lang="de-DE" dirty="0" smtClean="0"/>
+          </a:p>
+          <a:p>
+            <a:endParaRPr lang="de-DE" dirty="0" smtClean="0"/>
+          </a:p>
+          <a:p>
+            <a:endParaRPr lang="de-DE" dirty="0" smtClean="0"/>
+          </a:p>
+          <a:p>
+            <a:endParaRPr lang="de-DE" dirty="0" smtClean="0"/>
+          </a:p>
+          <a:p>
+            <a:endParaRPr lang="de-DE" dirty="0" smtClean="0"/>
+          </a:p>
+          <a:p>
+            <a:pPr>
+              <a:buFontTx/>
+              <a:buChar char="-"/>
+            </a:pPr>
+            <a:r>
+              <a:rPr lang="de-DE" dirty="0" smtClean="0"/>
+              <a:t> Pixelwelt</a:t>
+            </a:r>
+          </a:p>
+          <a:p>
+            <a:pPr>
+              <a:buFontTx/>
+              <a:buChar char="-"/>
+            </a:pPr>
+            <a:r>
+              <a:rPr lang="de-DE" dirty="0" smtClean="0"/>
+              <a:t> Ü-Figur </a:t>
+            </a:r>
+            <a:r>
+              <a:rPr lang="de-DE" dirty="0" err="1" smtClean="0"/>
+              <a:t>Reintanz</a:t>
+            </a:r>
+            <a:endParaRPr lang="de-DE" dirty="0" smtClean="0"/>
+          </a:p>
+          <a:p>
+            <a:endParaRPr lang="de-DE" dirty="0" smtClean="0"/>
+          </a:p>
+          <a:p>
+            <a:pPr>
+              <a:buFontTx/>
+              <a:buChar char="-"/>
+            </a:pPr>
+            <a:endParaRPr lang="de-DE" dirty="0" smtClean="0"/>
+          </a:p>
+          <a:p>
+            <a:pPr>
+              <a:buFontTx/>
+              <a:buChar char="-"/>
+            </a:pPr>
+            <a:endParaRPr lang="de-DE" dirty="0" smtClean="0"/>
+          </a:p>
+          <a:p>
+            <a:pPr>
+              <a:buFontTx/>
+              <a:buChar char="-"/>
+            </a:pPr>
+            <a:r>
+              <a:rPr lang="de-DE" dirty="0" smtClean="0"/>
+              <a:t> Pixelwelt</a:t>
+            </a:r>
+          </a:p>
+          <a:p>
+            <a:pPr>
+              <a:buFontTx/>
+              <a:buChar char="-"/>
+            </a:pPr>
+            <a:r>
+              <a:rPr lang="de-DE" dirty="0" smtClean="0"/>
+              <a:t> Ü-Figur </a:t>
+            </a:r>
+            <a:r>
+              <a:rPr lang="de-DE" dirty="0" err="1" smtClean="0"/>
+              <a:t>Reintanz</a:t>
+            </a:r>
+            <a:endParaRPr lang="de-DE" dirty="0" smtClean="0"/>
+          </a:p>
+          <a:p>
+            <a:endParaRPr lang="de-DE" dirty="0"/>
+          </a:p>
+        </p:txBody>
+      </p:sp>
+      <p:sp>
+        <p:nvSpPr>
+          <p:cNvPr id="14" name="Textfeld 13"/>
+          <p:cNvSpPr txBox="1"/>
+          <p:nvPr/>
+        </p:nvSpPr>
+        <p:spPr>
+          <a:xfrm>
+            <a:off x="5796136" y="1907540"/>
+            <a:ext cx="2736304" cy="4247317"/>
+          </a:xfrm>
+          <a:prstGeom prst="rect">
+            <a:avLst/>
+          </a:prstGeom>
+          <a:noFill/>
+        </p:spPr>
+        <p:txBody>
+          <a:bodyPr wrap="square" rtlCol="0">
+            <a:spAutoFit/>
+          </a:bodyPr>
+          <a:lstStyle/>
+          <a:p>
+            <a:pPr>
+              <a:buFontTx/>
+              <a:buChar char="-"/>
+            </a:pPr>
+            <a:r>
+              <a:rPr lang="de-DE" dirty="0" smtClean="0"/>
+              <a:t> Kamerabewegung tiefer </a:t>
+            </a:r>
+          </a:p>
+          <a:p>
+            <a:r>
+              <a:rPr lang="de-DE" dirty="0" smtClean="0"/>
+              <a:t>   in die Welt</a:t>
+            </a:r>
+          </a:p>
+          <a:p>
+            <a:endParaRPr lang="de-DE" dirty="0" smtClean="0"/>
+          </a:p>
+          <a:p>
+            <a:endParaRPr lang="de-DE" dirty="0" smtClean="0"/>
+          </a:p>
+          <a:p>
+            <a:endParaRPr lang="de-DE" dirty="0" smtClean="0"/>
+          </a:p>
+          <a:p>
+            <a:endParaRPr lang="de-DE" dirty="0" smtClean="0"/>
+          </a:p>
+          <a:p>
+            <a:pPr>
+              <a:buFontTx/>
+              <a:buChar char="-"/>
+            </a:pPr>
+            <a:r>
+              <a:rPr lang="de-DE" dirty="0" smtClean="0"/>
+              <a:t> Kamerabewegung folgt </a:t>
+            </a:r>
+          </a:p>
+          <a:p>
+            <a:r>
+              <a:rPr lang="de-DE" dirty="0" smtClean="0"/>
+              <a:t>  Ü-Figur</a:t>
+            </a:r>
+          </a:p>
+          <a:p>
+            <a:pPr>
+              <a:buFontTx/>
+              <a:buChar char="-"/>
+            </a:pPr>
+            <a:r>
+              <a:rPr lang="de-DE" dirty="0" smtClean="0"/>
+              <a:t> Ü-Figur hüpft nach rechts </a:t>
+            </a:r>
+          </a:p>
+          <a:p>
+            <a:r>
+              <a:rPr lang="de-DE" dirty="0" smtClean="0"/>
+              <a:t>   durch Welt</a:t>
+            </a:r>
+          </a:p>
+          <a:p>
+            <a:pPr>
+              <a:buFontTx/>
+              <a:buChar char="-"/>
+            </a:pPr>
+            <a:endParaRPr lang="de-DE" dirty="0" smtClean="0"/>
+          </a:p>
+          <a:p>
+            <a:pPr>
+              <a:buFontTx/>
+              <a:buChar char="-"/>
+            </a:pPr>
+            <a:r>
+              <a:rPr lang="de-DE" dirty="0" smtClean="0"/>
+              <a:t> Kamera steht</a:t>
+            </a:r>
+          </a:p>
+          <a:p>
+            <a:pPr>
+              <a:buFontTx/>
+              <a:buChar char="-"/>
+            </a:pPr>
+            <a:r>
+              <a:rPr lang="de-DE" dirty="0" smtClean="0"/>
+              <a:t> Ü-Figur wird kleiner (fällt)</a:t>
+            </a:r>
+          </a:p>
+          <a:p>
+            <a:pPr>
+              <a:buFontTx/>
+              <a:buChar char="-"/>
+            </a:pPr>
+            <a:endParaRPr lang="de-DE" dirty="0" smtClean="0"/>
+          </a:p>
+          <a:p>
+            <a:pPr>
+              <a:buFontTx/>
+              <a:buChar char="-"/>
+            </a:pPr>
+            <a:endParaRPr lang="de-DE" dirty="0"/>
+          </a:p>
+        </p:txBody>
+      </p:sp>
       <p:pic>
         <p:nvPicPr>
-          <p:cNvPr id="12" name="Grafik 11" descr="1.JPG"/>
+          <p:cNvPr id="15" name="Grafik 14" descr="1.JPG"/>
           <p:cNvPicPr>
             <a:picLocks noChangeAspect="1"/>
           </p:cNvPicPr>
           <p:nvPr/>
         </p:nvPicPr>
         <p:blipFill>
-          <a:blip r:embed="rId3" cstate="print"/>
+          <a:blip r:embed="rId4" cstate="print"/>
           <a:stretch>
             <a:fillRect/>
           </a:stretch>
         </p:blipFill>
         <p:spPr>
           <a:xfrm>
-            <a:off x="323529" y="1917312"/>
-            <a:ext cx="2507586" cy="4320000"/>
+            <a:off x="323528" y="1897427"/>
+            <a:ext cx="2520000" cy="4411893"/>
           </a:xfrm>
           <a:prstGeom prst="rect">
             <a:avLst/>
@@ -4966,14 +5198,14 @@
       </p:pic>
       <p:sp>
         <p:nvSpPr>
-          <p:cNvPr id="8" name="Textfeld 7"/>
+          <p:cNvPr id="12" name="Textfeld 11"/>
           <p:cNvSpPr txBox="1"/>
           <p:nvPr/>
         </p:nvSpPr>
         <p:spPr>
           <a:xfrm>
-            <a:off x="2915816" y="1556792"/>
-            <a:ext cx="2736304" cy="369332"/>
+            <a:off x="0" y="1916832"/>
+            <a:ext cx="683568" cy="369332"/>
           </a:xfrm>
           <a:prstGeom prst="rect">
             <a:avLst/>
@@ -4987,23 +5219,31 @@
           <a:lstStyle/>
           <a:p>
             <a:r>
-              <a:rPr lang="de-DE" b="1" dirty="0" smtClean="0"/>
-              <a:t>Objekte</a:t>
-            </a:r>
-            <a:endParaRPr lang="de-DE" b="1" dirty="0"/>
-          </a:p>
-        </p:txBody>
-      </p:sp>
-      <p:sp>
-        <p:nvSpPr>
-          <p:cNvPr id="9" name="Textfeld 8"/>
+              <a:rPr lang="de-DE" dirty="0" smtClean="0">
+                <a:solidFill>
+                  <a:srgbClr val="FF0000"/>
+                </a:solidFill>
+              </a:rPr>
+              <a:t>#1</a:t>
+            </a:r>
+            <a:endParaRPr lang="de-DE" dirty="0">
+              <a:solidFill>
+                <a:srgbClr val="FF0000"/>
+              </a:solidFill>
+            </a:endParaRPr>
+          </a:p>
+        </p:txBody>
+      </p:sp>
+      <p:sp>
+        <p:nvSpPr>
+          <p:cNvPr id="16" name="Textfeld 15"/>
           <p:cNvSpPr txBox="1"/>
           <p:nvPr/>
         </p:nvSpPr>
         <p:spPr>
           <a:xfrm>
-            <a:off x="5796136" y="1556792"/>
-            <a:ext cx="2736304" cy="369332"/>
+            <a:off x="0" y="3419708"/>
+            <a:ext cx="683568" cy="369332"/>
           </a:xfrm>
           <a:prstGeom prst="rect">
             <a:avLst/>
@@ -5017,23 +5257,31 @@
           <a:lstStyle/>
           <a:p>
             <a:r>
-              <a:rPr lang="de-DE" b="1" dirty="0" smtClean="0"/>
-              <a:t>Animation</a:t>
-            </a:r>
-            <a:endParaRPr lang="de-DE" b="1" dirty="0"/>
-          </a:p>
-        </p:txBody>
-      </p:sp>
-      <p:sp>
-        <p:nvSpPr>
-          <p:cNvPr id="13" name="Textfeld 12"/>
+              <a:rPr lang="de-DE" dirty="0" smtClean="0">
+                <a:solidFill>
+                  <a:srgbClr val="FF0000"/>
+                </a:solidFill>
+              </a:rPr>
+              <a:t>#2</a:t>
+            </a:r>
+            <a:endParaRPr lang="de-DE" dirty="0">
+              <a:solidFill>
+                <a:srgbClr val="FF0000"/>
+              </a:solidFill>
+            </a:endParaRPr>
+          </a:p>
+        </p:txBody>
+      </p:sp>
+      <p:sp>
+        <p:nvSpPr>
+          <p:cNvPr id="17" name="Textfeld 16"/>
           <p:cNvSpPr txBox="1"/>
           <p:nvPr/>
         </p:nvSpPr>
         <p:spPr>
           <a:xfrm>
-            <a:off x="2915816" y="1907540"/>
-            <a:ext cx="2736304" cy="3970318"/>
+            <a:off x="0" y="4931876"/>
+            <a:ext cx="683568" cy="369332"/>
           </a:xfrm>
           <a:prstGeom prst="rect">
             <a:avLst/>
@@ -5047,185 +5295,18 @@
           <a:lstStyle/>
           <a:p>
             <a:r>
-              <a:rPr lang="de-DE" dirty="0" smtClean="0"/>
-              <a:t>- Text Vorspann</a:t>
-            </a:r>
-          </a:p>
-          <a:p>
-            <a:endParaRPr lang="de-DE" dirty="0" smtClean="0"/>
-          </a:p>
-          <a:p>
-            <a:endParaRPr lang="de-DE" dirty="0" smtClean="0"/>
-          </a:p>
-          <a:p>
-            <a:endParaRPr lang="de-DE" dirty="0" smtClean="0"/>
-          </a:p>
-          <a:p>
-            <a:endParaRPr lang="de-DE" dirty="0" smtClean="0"/>
-          </a:p>
-          <a:p>
-            <a:endParaRPr lang="de-DE" dirty="0" smtClean="0"/>
-          </a:p>
-          <a:p>
-            <a:pPr>
-              <a:buFontTx/>
-              <a:buChar char="-"/>
-            </a:pPr>
-            <a:r>
-              <a:rPr lang="de-DE" dirty="0" smtClean="0"/>
-              <a:t> einzelne Pixelelemente</a:t>
-            </a:r>
-          </a:p>
-          <a:p>
-            <a:pPr>
-              <a:buFontTx/>
-              <a:buChar char="-"/>
-            </a:pPr>
-            <a:endParaRPr lang="de-DE" dirty="0" smtClean="0"/>
-          </a:p>
-          <a:p>
-            <a:pPr>
-              <a:buFontTx/>
-              <a:buChar char="-"/>
-            </a:pPr>
-            <a:endParaRPr lang="de-DE" dirty="0" smtClean="0"/>
-          </a:p>
-          <a:p>
-            <a:pPr>
-              <a:buFontTx/>
-              <a:buChar char="-"/>
-            </a:pPr>
-            <a:endParaRPr lang="de-DE" dirty="0" smtClean="0"/>
-          </a:p>
-          <a:p>
-            <a:pPr>
-              <a:buFontTx/>
-              <a:buChar char="-"/>
-            </a:pPr>
-            <a:endParaRPr lang="de-DE" dirty="0" smtClean="0"/>
-          </a:p>
-          <a:p>
-            <a:pPr>
-              <a:buFontTx/>
-              <a:buChar char="-"/>
-            </a:pPr>
-            <a:r>
-              <a:rPr lang="de-DE" dirty="0" smtClean="0"/>
-              <a:t> einzelne Pixelelemente</a:t>
-            </a:r>
-          </a:p>
-          <a:p>
-            <a:pPr>
-              <a:buFontTx/>
-              <a:buChar char="-"/>
-            </a:pPr>
-            <a:r>
-              <a:rPr lang="de-DE" dirty="0" smtClean="0"/>
-              <a:t> Ü-Figur </a:t>
-            </a:r>
-            <a:r>
-              <a:rPr lang="de-DE" dirty="0" err="1" smtClean="0"/>
-              <a:t>Reintanz</a:t>
-            </a:r>
-            <a:endParaRPr lang="de-DE" dirty="0" smtClean="0"/>
-          </a:p>
-          <a:p>
-            <a:endParaRPr lang="de-DE" dirty="0"/>
-          </a:p>
-        </p:txBody>
-      </p:sp>
-      <p:sp>
-        <p:nvSpPr>
-          <p:cNvPr id="14" name="Textfeld 13"/>
-          <p:cNvSpPr txBox="1"/>
-          <p:nvPr/>
-        </p:nvSpPr>
-        <p:spPr>
-          <a:xfrm>
-            <a:off x="5796136" y="1907540"/>
-            <a:ext cx="2736304" cy="3693319"/>
-          </a:xfrm>
-          <a:prstGeom prst="rect">
-            <a:avLst/>
-          </a:prstGeom>
-          <a:noFill/>
-        </p:spPr>
-        <p:txBody>
-          <a:bodyPr wrap="square" rtlCol="0">
-            <a:spAutoFit/>
-          </a:bodyPr>
-          <a:lstStyle/>
-          <a:p>
-            <a:endParaRPr lang="de-DE" dirty="0" smtClean="0"/>
-          </a:p>
-          <a:p>
-            <a:endParaRPr lang="de-DE" dirty="0" smtClean="0"/>
-          </a:p>
-          <a:p>
-            <a:endParaRPr lang="de-DE" dirty="0" smtClean="0"/>
-          </a:p>
-          <a:p>
-            <a:endParaRPr lang="de-DE" dirty="0" smtClean="0"/>
-          </a:p>
-          <a:p>
-            <a:endParaRPr lang="de-DE" dirty="0" smtClean="0"/>
-          </a:p>
-          <a:p>
-            <a:endParaRPr lang="de-DE" dirty="0" smtClean="0"/>
-          </a:p>
-          <a:p>
-            <a:pPr>
-              <a:buFontTx/>
-              <a:buChar char="-"/>
-            </a:pPr>
-            <a:r>
-              <a:rPr lang="de-DE" dirty="0" smtClean="0"/>
-              <a:t> Kamerabewegung tiefer </a:t>
-            </a:r>
-          </a:p>
-          <a:p>
-            <a:r>
-              <a:rPr lang="de-DE" dirty="0" smtClean="0"/>
-              <a:t>   in die Welt</a:t>
-            </a:r>
-          </a:p>
-          <a:p>
-            <a:pPr>
-              <a:buFontTx/>
-              <a:buChar char="-"/>
-            </a:pPr>
-            <a:endParaRPr lang="de-DE" dirty="0" smtClean="0"/>
-          </a:p>
-          <a:p>
-            <a:pPr>
-              <a:buFontTx/>
-              <a:buChar char="-"/>
-            </a:pPr>
-            <a:endParaRPr lang="de-DE" dirty="0" smtClean="0"/>
-          </a:p>
-          <a:p>
-            <a:pPr>
-              <a:buFontTx/>
-              <a:buChar char="-"/>
-            </a:pPr>
-            <a:endParaRPr lang="de-DE" dirty="0" smtClean="0"/>
-          </a:p>
-          <a:p>
-            <a:pPr>
-              <a:buFontTx/>
-              <a:buChar char="-"/>
-            </a:pPr>
-            <a:r>
-              <a:rPr lang="de-DE" dirty="0" smtClean="0"/>
-              <a:t> Kamerabewegung tiefer </a:t>
-            </a:r>
-          </a:p>
-          <a:p>
-            <a:r>
-              <a:rPr lang="de-DE" dirty="0" smtClean="0"/>
-              <a:t>   in die Welt</a:t>
-            </a:r>
-            <a:endParaRPr lang="de-DE" dirty="0"/>
+              <a:rPr lang="de-DE" dirty="0" smtClean="0">
+                <a:solidFill>
+                  <a:srgbClr val="FF0000"/>
+                </a:solidFill>
+              </a:rPr>
+              <a:t>#3</a:t>
+            </a:r>
+            <a:endParaRPr lang="de-DE" dirty="0">
+              <a:solidFill>
+                <a:srgbClr val="FF0000"/>
+              </a:solidFill>
+            </a:endParaRPr>
           </a:p>
         </p:txBody>
       </p:sp>
@@ -5369,7 +5450,7 @@
           <p:nvPr/>
         </p:nvPicPr>
         <p:blipFill>
-          <a:blip r:embed="rId2" cstate="print"/>
+          <a:blip r:embed="rId3" cstate="print"/>
           <a:srcRect t="50868" b="20586"/>
           <a:stretch>
             <a:fillRect/>
@@ -5421,24 +5502,368 @@
           </a:p>
         </p:txBody>
       </p:sp>
+      <p:sp>
+        <p:nvSpPr>
+          <p:cNvPr id="8" name="Textfeld 7"/>
+          <p:cNvSpPr txBox="1"/>
+          <p:nvPr/>
+        </p:nvSpPr>
+        <p:spPr>
+          <a:xfrm>
+            <a:off x="2915816" y="1556792"/>
+            <a:ext cx="2736304" cy="369332"/>
+          </a:xfrm>
+          <a:prstGeom prst="rect">
+            <a:avLst/>
+          </a:prstGeom>
+          <a:noFill/>
+        </p:spPr>
+        <p:txBody>
+          <a:bodyPr wrap="square" rtlCol="0">
+            <a:spAutoFit/>
+          </a:bodyPr>
+          <a:lstStyle/>
+          <a:p>
+            <a:r>
+              <a:rPr lang="de-DE" b="1" dirty="0" smtClean="0"/>
+              <a:t>Szenen und Objekte</a:t>
+            </a:r>
+            <a:endParaRPr lang="de-DE" b="1" dirty="0"/>
+          </a:p>
+        </p:txBody>
+      </p:sp>
+      <p:sp>
+        <p:nvSpPr>
+          <p:cNvPr id="9" name="Textfeld 8"/>
+          <p:cNvSpPr txBox="1"/>
+          <p:nvPr/>
+        </p:nvSpPr>
+        <p:spPr>
+          <a:xfrm>
+            <a:off x="5796136" y="1556792"/>
+            <a:ext cx="2736304" cy="369332"/>
+          </a:xfrm>
+          <a:prstGeom prst="rect">
+            <a:avLst/>
+          </a:prstGeom>
+          <a:noFill/>
+        </p:spPr>
+        <p:txBody>
+          <a:bodyPr wrap="square" rtlCol="0">
+            <a:spAutoFit/>
+          </a:bodyPr>
+          <a:lstStyle/>
+          <a:p>
+            <a:r>
+              <a:rPr lang="de-DE" b="1" dirty="0" smtClean="0"/>
+              <a:t>Animation</a:t>
+            </a:r>
+            <a:endParaRPr lang="de-DE" b="1" dirty="0"/>
+          </a:p>
+        </p:txBody>
+      </p:sp>
+      <p:sp>
+        <p:nvSpPr>
+          <p:cNvPr id="12" name="Textfeld 11"/>
+          <p:cNvSpPr txBox="1"/>
+          <p:nvPr/>
+        </p:nvSpPr>
+        <p:spPr>
+          <a:xfrm>
+            <a:off x="2915816" y="1907540"/>
+            <a:ext cx="2736304" cy="4247317"/>
+          </a:xfrm>
+          <a:prstGeom prst="rect">
+            <a:avLst/>
+          </a:prstGeom>
+          <a:noFill/>
+        </p:spPr>
+        <p:txBody>
+          <a:bodyPr wrap="square" rtlCol="0">
+            <a:spAutoFit/>
+          </a:bodyPr>
+          <a:lstStyle/>
+          <a:p>
+            <a:pPr>
+              <a:buFontTx/>
+              <a:buChar char="-"/>
+            </a:pPr>
+            <a:r>
+              <a:rPr lang="de-DE" dirty="0" smtClean="0"/>
+              <a:t> Pixelwelt</a:t>
+            </a:r>
+          </a:p>
+          <a:p>
+            <a:pPr>
+              <a:buFontTx/>
+              <a:buChar char="-"/>
+            </a:pPr>
+            <a:r>
+              <a:rPr lang="de-DE" dirty="0" smtClean="0"/>
+              <a:t> Ü-Figur </a:t>
+            </a:r>
+            <a:r>
+              <a:rPr lang="de-DE" dirty="0" err="1" smtClean="0"/>
+              <a:t>Reintanz</a:t>
+            </a:r>
+            <a:endParaRPr lang="de-DE" dirty="0" smtClean="0"/>
+          </a:p>
+          <a:p>
+            <a:endParaRPr lang="de-DE" dirty="0" smtClean="0"/>
+          </a:p>
+          <a:p>
+            <a:endParaRPr lang="de-DE" dirty="0" smtClean="0"/>
+          </a:p>
+          <a:p>
+            <a:endParaRPr lang="de-DE" dirty="0" smtClean="0"/>
+          </a:p>
+          <a:p>
+            <a:endParaRPr lang="de-DE" dirty="0" smtClean="0"/>
+          </a:p>
+          <a:p>
+            <a:pPr>
+              <a:buFontTx/>
+              <a:buChar char="-"/>
+            </a:pPr>
+            <a:r>
+              <a:rPr lang="de-DE" dirty="0" smtClean="0"/>
+              <a:t> Urwaldmodellierung</a:t>
+            </a:r>
+          </a:p>
+          <a:p>
+            <a:pPr>
+              <a:buFontTx/>
+              <a:buChar char="-"/>
+            </a:pPr>
+            <a:r>
+              <a:rPr lang="de-DE" dirty="0" smtClean="0"/>
+              <a:t> Ü-Figur </a:t>
+            </a:r>
+            <a:r>
+              <a:rPr lang="de-DE" dirty="0" err="1" smtClean="0"/>
+              <a:t>Reintanz</a:t>
+            </a:r>
+            <a:endParaRPr lang="de-DE" dirty="0" smtClean="0"/>
+          </a:p>
+          <a:p>
+            <a:endParaRPr lang="de-DE" dirty="0" smtClean="0"/>
+          </a:p>
+          <a:p>
+            <a:endParaRPr lang="de-DE" dirty="0" smtClean="0"/>
+          </a:p>
+          <a:p>
+            <a:endParaRPr lang="de-DE" dirty="0" smtClean="0"/>
+          </a:p>
+          <a:p>
+            <a:r>
+              <a:rPr lang="de-DE" dirty="0" smtClean="0"/>
+              <a:t>- Urwaldmodellierung</a:t>
+            </a:r>
+          </a:p>
+          <a:p>
+            <a:pPr>
+              <a:buFontTx/>
+              <a:buChar char="-"/>
+            </a:pPr>
+            <a:r>
+              <a:rPr lang="de-DE" dirty="0" smtClean="0"/>
+              <a:t> Ü-Figur </a:t>
+            </a:r>
+            <a:r>
+              <a:rPr lang="de-DE" dirty="0" err="1" smtClean="0"/>
+              <a:t>Reintanz</a:t>
+            </a:r>
+            <a:endParaRPr lang="de-DE" dirty="0" smtClean="0"/>
+          </a:p>
+          <a:p>
+            <a:pPr>
+              <a:buFontTx/>
+              <a:buChar char="-"/>
+            </a:pPr>
+            <a:r>
+              <a:rPr lang="de-DE" dirty="0" smtClean="0"/>
+              <a:t> Ü-Figur Lippold</a:t>
+            </a:r>
+          </a:p>
+          <a:p>
+            <a:pPr>
+              <a:buFontTx/>
+              <a:buChar char="-"/>
+            </a:pPr>
+            <a:r>
+              <a:rPr lang="de-DE" dirty="0" smtClean="0"/>
+              <a:t> Banane</a:t>
+            </a:r>
+          </a:p>
+        </p:txBody>
+      </p:sp>
+      <p:sp>
+        <p:nvSpPr>
+          <p:cNvPr id="13" name="Textfeld 12"/>
+          <p:cNvSpPr txBox="1"/>
+          <p:nvPr/>
+        </p:nvSpPr>
+        <p:spPr>
+          <a:xfrm>
+            <a:off x="5796136" y="1907540"/>
+            <a:ext cx="2736304" cy="4801314"/>
+          </a:xfrm>
+          <a:prstGeom prst="rect">
+            <a:avLst/>
+          </a:prstGeom>
+          <a:noFill/>
+        </p:spPr>
+        <p:txBody>
+          <a:bodyPr wrap="square" rtlCol="0">
+            <a:spAutoFit/>
+          </a:bodyPr>
+          <a:lstStyle/>
+          <a:p>
+            <a:pPr>
+              <a:buFontTx/>
+              <a:buChar char="-"/>
+            </a:pPr>
+            <a:r>
+              <a:rPr lang="de-DE" dirty="0" smtClean="0"/>
+              <a:t> Kamera steht</a:t>
+            </a:r>
+          </a:p>
+          <a:p>
+            <a:pPr>
+              <a:buFontTx/>
+              <a:buChar char="-"/>
+            </a:pPr>
+            <a:r>
+              <a:rPr lang="de-DE" dirty="0" smtClean="0"/>
+              <a:t> Figur wird kleiner (fällt)</a:t>
+            </a:r>
+          </a:p>
+          <a:p>
+            <a:endParaRPr lang="de-DE" dirty="0" smtClean="0"/>
+          </a:p>
+          <a:p>
+            <a:endParaRPr lang="de-DE" dirty="0" smtClean="0"/>
+          </a:p>
+          <a:p>
+            <a:endParaRPr lang="de-DE" dirty="0" smtClean="0"/>
+          </a:p>
+          <a:p>
+            <a:endParaRPr lang="de-DE" dirty="0" smtClean="0"/>
+          </a:p>
+          <a:p>
+            <a:pPr>
+              <a:buFontTx/>
+              <a:buChar char="-"/>
+            </a:pPr>
+            <a:r>
+              <a:rPr lang="de-DE" dirty="0" smtClean="0"/>
+              <a:t> Kamera steht</a:t>
+            </a:r>
+          </a:p>
+          <a:p>
+            <a:pPr>
+              <a:buFontTx/>
+              <a:buChar char="-"/>
+            </a:pPr>
+            <a:r>
+              <a:rPr lang="de-DE" dirty="0" smtClean="0"/>
+              <a:t> Figur wird kleiner (fällt)</a:t>
+            </a:r>
+          </a:p>
+          <a:p>
+            <a:endParaRPr lang="de-DE" dirty="0" smtClean="0"/>
+          </a:p>
+          <a:p>
+            <a:endParaRPr lang="de-DE" dirty="0" smtClean="0"/>
+          </a:p>
+          <a:p>
+            <a:pPr>
+              <a:buFontTx/>
+              <a:buChar char="-"/>
+            </a:pPr>
+            <a:endParaRPr lang="de-DE" dirty="0" smtClean="0"/>
+          </a:p>
+          <a:p>
+            <a:pPr>
+              <a:buFontTx/>
+              <a:buChar char="-"/>
+            </a:pPr>
+            <a:r>
+              <a:rPr lang="de-DE" dirty="0" smtClean="0"/>
+              <a:t> Kamera folgt Blick der Ü-</a:t>
+            </a:r>
+          </a:p>
+          <a:p>
+            <a:r>
+              <a:rPr lang="de-DE" dirty="0" smtClean="0"/>
+              <a:t>   Figur </a:t>
+            </a:r>
+            <a:r>
+              <a:rPr lang="de-DE" dirty="0" err="1" smtClean="0"/>
+              <a:t>Reintanz</a:t>
+            </a:r>
+            <a:endParaRPr lang="de-DE" dirty="0" smtClean="0"/>
+          </a:p>
+          <a:p>
+            <a:pPr>
+              <a:buFontTx/>
+              <a:buChar char="-"/>
+            </a:pPr>
+            <a:r>
+              <a:rPr lang="de-DE" dirty="0" smtClean="0"/>
+              <a:t> Ü-Figur Lippold bewegt </a:t>
+            </a:r>
+          </a:p>
+          <a:p>
+            <a:r>
+              <a:rPr lang="de-DE" dirty="0" smtClean="0"/>
+              <a:t>  sich leicht </a:t>
+            </a:r>
+          </a:p>
+          <a:p>
+            <a:pPr>
+              <a:buFontTx/>
+              <a:buChar char="-"/>
+            </a:pPr>
+            <a:r>
+              <a:rPr lang="de-DE" dirty="0" smtClean="0"/>
+              <a:t> Ü-Figur </a:t>
+            </a:r>
+            <a:r>
+              <a:rPr lang="de-DE" dirty="0" err="1" smtClean="0"/>
+              <a:t>Reintanz</a:t>
+            </a:r>
+            <a:r>
+              <a:rPr lang="de-DE" dirty="0" smtClean="0"/>
+              <a:t> nähert </a:t>
+            </a:r>
+          </a:p>
+          <a:p>
+            <a:r>
+              <a:rPr lang="de-DE" dirty="0" smtClean="0"/>
+              <a:t>   sich Ü-Figur Lippold</a:t>
+            </a:r>
+          </a:p>
+        </p:txBody>
+      </p:sp>
       <p:pic>
         <p:nvPicPr>
-          <p:cNvPr id="7" name="Grafik 6" descr="2.JPG"/>
+          <p:cNvPr id="14" name="Grafik 13" descr="2.JPG"/>
           <p:cNvPicPr>
             <a:picLocks noChangeAspect="1"/>
           </p:cNvPicPr>
           <p:nvPr/>
         </p:nvPicPr>
         <p:blipFill>
-          <a:blip r:embed="rId3" cstate="print"/>
+          <a:blip r:embed="rId4" cstate="print"/>
           <a:stretch>
             <a:fillRect/>
           </a:stretch>
         </p:blipFill>
         <p:spPr>
           <a:xfrm>
-            <a:off x="395536" y="1844824"/>
-            <a:ext cx="2448917" cy="4320000"/>
+            <a:off x="323808" y="1939443"/>
+            <a:ext cx="2520000" cy="4430937"/>
           </a:xfrm>
           <a:prstGeom prst="rect">
             <a:avLst/>
@@ -5447,14 +5872,14 @@
       </p:pic>
       <p:sp>
         <p:nvSpPr>
-          <p:cNvPr id="8" name="Textfeld 7"/>
+          <p:cNvPr id="15" name="Textfeld 14"/>
           <p:cNvSpPr txBox="1"/>
           <p:nvPr/>
         </p:nvSpPr>
         <p:spPr>
           <a:xfrm>
-            <a:off x="2915816" y="1556792"/>
-            <a:ext cx="2736304" cy="369332"/>
+            <a:off x="0" y="1916832"/>
+            <a:ext cx="683568" cy="369332"/>
           </a:xfrm>
           <a:prstGeom prst="rect">
             <a:avLst/>
@@ -5468,23 +5893,31 @@
           <a:lstStyle/>
           <a:p>
             <a:r>
-              <a:rPr lang="de-DE" b="1" dirty="0" smtClean="0"/>
-              <a:t>Objekte</a:t>
-            </a:r>
-            <a:endParaRPr lang="de-DE" b="1" dirty="0"/>
-          </a:p>
-        </p:txBody>
-      </p:sp>
-      <p:sp>
-        <p:nvSpPr>
-          <p:cNvPr id="9" name="Textfeld 8"/>
+              <a:rPr lang="de-DE" dirty="0" smtClean="0">
+                <a:solidFill>
+                  <a:srgbClr val="FF0000"/>
+                </a:solidFill>
+              </a:rPr>
+              <a:t>#3</a:t>
+            </a:r>
+            <a:endParaRPr lang="de-DE" dirty="0">
+              <a:solidFill>
+                <a:srgbClr val="FF0000"/>
+              </a:solidFill>
+            </a:endParaRPr>
+          </a:p>
+        </p:txBody>
+      </p:sp>
+      <p:sp>
+        <p:nvSpPr>
+          <p:cNvPr id="16" name="Textfeld 15"/>
           <p:cNvSpPr txBox="1"/>
           <p:nvPr/>
         </p:nvSpPr>
         <p:spPr>
           <a:xfrm>
-            <a:off x="5796136" y="1556792"/>
-            <a:ext cx="2736304" cy="369332"/>
+            <a:off x="0" y="3419708"/>
+            <a:ext cx="683568" cy="369332"/>
           </a:xfrm>
           <a:prstGeom prst="rect">
             <a:avLst/>
@@ -5498,23 +5931,31 @@
           <a:lstStyle/>
           <a:p>
             <a:r>
-              <a:rPr lang="de-DE" b="1" dirty="0" smtClean="0"/>
-              <a:t>Animation</a:t>
-            </a:r>
-            <a:endParaRPr lang="de-DE" b="1" dirty="0"/>
-          </a:p>
-        </p:txBody>
-      </p:sp>
-      <p:sp>
-        <p:nvSpPr>
-          <p:cNvPr id="12" name="Textfeld 11"/>
+              <a:rPr lang="de-DE" dirty="0" smtClean="0">
+                <a:solidFill>
+                  <a:srgbClr val="FF0000"/>
+                </a:solidFill>
+              </a:rPr>
+              <a:t>#4</a:t>
+            </a:r>
+            <a:endParaRPr lang="de-DE" dirty="0">
+              <a:solidFill>
+                <a:srgbClr val="FF0000"/>
+              </a:solidFill>
+            </a:endParaRPr>
+          </a:p>
+        </p:txBody>
+      </p:sp>
+      <p:sp>
+        <p:nvSpPr>
+          <p:cNvPr id="17" name="Textfeld 16"/>
           <p:cNvSpPr txBox="1"/>
           <p:nvPr/>
         </p:nvSpPr>
         <p:spPr>
           <a:xfrm>
-            <a:off x="2915816" y="1907540"/>
-            <a:ext cx="2736304" cy="3970318"/>
+            <a:off x="0" y="4931876"/>
+            <a:ext cx="683568" cy="369332"/>
           </a:xfrm>
           <a:prstGeom prst="rect">
             <a:avLst/>
@@ -5527,231 +5968,19 @@
           </a:bodyPr>
           <a:lstStyle/>
           <a:p>
-            <a:pPr>
-              <a:buFontTx/>
-              <a:buChar char="-"/>
-            </a:pPr>
-            <a:r>
-              <a:rPr lang="de-DE" dirty="0" smtClean="0"/>
-              <a:t> einzelne Pixelelemente</a:t>
-            </a:r>
-          </a:p>
-          <a:p>
-            <a:pPr>
-              <a:buFontTx/>
-              <a:buChar char="-"/>
-            </a:pPr>
-            <a:r>
-              <a:rPr lang="de-DE" dirty="0" smtClean="0"/>
-              <a:t> Ü-Figur </a:t>
-            </a:r>
-            <a:r>
-              <a:rPr lang="de-DE" dirty="0" err="1" smtClean="0"/>
-              <a:t>Reintanz</a:t>
-            </a:r>
-            <a:endParaRPr lang="de-DE" dirty="0" smtClean="0"/>
-          </a:p>
-          <a:p>
-            <a:endParaRPr lang="de-DE" dirty="0" smtClean="0"/>
-          </a:p>
-          <a:p>
-            <a:endParaRPr lang="de-DE" dirty="0" smtClean="0"/>
-          </a:p>
-          <a:p>
-            <a:endParaRPr lang="de-DE" dirty="0" smtClean="0"/>
-          </a:p>
-          <a:p>
-            <a:endParaRPr lang="de-DE" dirty="0" smtClean="0"/>
-          </a:p>
-          <a:p>
-            <a:pPr>
-              <a:buFontTx/>
-              <a:buChar char="-"/>
-            </a:pPr>
-            <a:r>
-              <a:rPr lang="de-DE" dirty="0" smtClean="0"/>
-              <a:t> einzelne Pixelelemente</a:t>
-            </a:r>
-          </a:p>
-          <a:p>
-            <a:pPr>
-              <a:buFontTx/>
-              <a:buChar char="-"/>
-            </a:pPr>
-            <a:r>
-              <a:rPr lang="de-DE" dirty="0" smtClean="0"/>
-              <a:t> Ü-Figur </a:t>
-            </a:r>
-            <a:r>
-              <a:rPr lang="de-DE" dirty="0" err="1" smtClean="0"/>
-              <a:t>Reintanz</a:t>
-            </a:r>
-            <a:endParaRPr lang="de-DE" dirty="0" smtClean="0"/>
-          </a:p>
-          <a:p>
-            <a:pPr>
-              <a:buFontTx/>
-              <a:buChar char="-"/>
-            </a:pPr>
-            <a:r>
-              <a:rPr lang="de-DE" dirty="0" smtClean="0"/>
-              <a:t> Button</a:t>
-            </a:r>
-          </a:p>
-          <a:p>
-            <a:pPr>
-              <a:buFontTx/>
-              <a:buChar char="-"/>
-            </a:pPr>
-            <a:endParaRPr lang="de-DE" dirty="0" smtClean="0"/>
-          </a:p>
-          <a:p>
-            <a:pPr>
-              <a:buFontTx/>
-              <a:buChar char="-"/>
-            </a:pPr>
-            <a:endParaRPr lang="de-DE" dirty="0" smtClean="0"/>
-          </a:p>
-          <a:p>
-            <a:pPr>
-              <a:buFontTx/>
-              <a:buChar char="-"/>
-            </a:pPr>
-            <a:r>
-              <a:rPr lang="de-DE" dirty="0" smtClean="0"/>
-              <a:t> einzelne Pixelelemente</a:t>
-            </a:r>
-          </a:p>
-          <a:p>
-            <a:pPr>
-              <a:buFontTx/>
-              <a:buChar char="-"/>
-            </a:pPr>
-            <a:r>
-              <a:rPr lang="de-DE" dirty="0" smtClean="0"/>
-              <a:t> Ü-Figur </a:t>
-            </a:r>
-            <a:r>
-              <a:rPr lang="de-DE" dirty="0" err="1" smtClean="0"/>
-              <a:t>Reintanz</a:t>
-            </a:r>
-            <a:endParaRPr lang="de-DE" dirty="0" smtClean="0"/>
-          </a:p>
-          <a:p>
-            <a:pPr>
-              <a:buFontTx/>
-              <a:buChar char="-"/>
-            </a:pPr>
-            <a:r>
-              <a:rPr lang="de-DE" dirty="0" smtClean="0"/>
-              <a:t> Button</a:t>
-            </a:r>
-          </a:p>
-        </p:txBody>
-      </p:sp>
-      <p:sp>
-        <p:nvSpPr>
-          <p:cNvPr id="13" name="Textfeld 12"/>
-          <p:cNvSpPr txBox="1"/>
-          <p:nvPr/>
-        </p:nvSpPr>
-        <p:spPr>
-          <a:xfrm>
-            <a:off x="5796136" y="1907540"/>
-            <a:ext cx="2736304" cy="3416320"/>
-          </a:xfrm>
-          <a:prstGeom prst="rect">
-            <a:avLst/>
-          </a:prstGeom>
-          <a:noFill/>
-        </p:spPr>
-        <p:txBody>
-          <a:bodyPr wrap="square" rtlCol="0">
-            <a:spAutoFit/>
-          </a:bodyPr>
-          <a:lstStyle/>
-          <a:p>
-            <a:pPr>
-              <a:buFontTx/>
-              <a:buChar char="-"/>
-            </a:pPr>
-            <a:r>
-              <a:rPr lang="de-DE" dirty="0" smtClean="0"/>
-              <a:t> Ü-Figur bewegt sich </a:t>
-            </a:r>
-          </a:p>
-          <a:p>
-            <a:pPr>
-              <a:buFontTx/>
-              <a:buChar char="-"/>
-            </a:pPr>
-            <a:r>
-              <a:rPr lang="de-DE" dirty="0" smtClean="0"/>
-              <a:t> Kamera bewegt sich mit</a:t>
-            </a:r>
-          </a:p>
-          <a:p>
-            <a:endParaRPr lang="de-DE" dirty="0" smtClean="0"/>
-          </a:p>
-          <a:p>
-            <a:endParaRPr lang="de-DE" dirty="0" smtClean="0"/>
-          </a:p>
-          <a:p>
-            <a:endParaRPr lang="de-DE" dirty="0" smtClean="0"/>
-          </a:p>
-          <a:p>
-            <a:pPr>
-              <a:buFontTx/>
-              <a:buChar char="-"/>
-            </a:pPr>
-            <a:r>
-              <a:rPr lang="de-DE" dirty="0" smtClean="0"/>
-              <a:t> Ü-Figur bewegt sich </a:t>
-            </a:r>
-          </a:p>
-          <a:p>
-            <a:pPr>
-              <a:buFontTx/>
-              <a:buChar char="-"/>
-            </a:pPr>
-            <a:r>
-              <a:rPr lang="de-DE" dirty="0" smtClean="0"/>
-              <a:t> Kamera bewegt sich mit</a:t>
-            </a:r>
-          </a:p>
-          <a:p>
-            <a:endParaRPr lang="de-DE" dirty="0" smtClean="0"/>
-          </a:p>
-          <a:p>
-            <a:pPr>
-              <a:buFontTx/>
-              <a:buChar char="-"/>
-            </a:pPr>
-            <a:endParaRPr lang="de-DE" dirty="0" smtClean="0"/>
-          </a:p>
-          <a:p>
-            <a:pPr>
-              <a:buFontTx/>
-              <a:buChar char="-"/>
-            </a:pPr>
-            <a:endParaRPr lang="de-DE" dirty="0" smtClean="0"/>
-          </a:p>
-          <a:p>
-            <a:pPr>
-              <a:buFontTx/>
-              <a:buChar char="-"/>
-            </a:pPr>
-            <a:endParaRPr lang="de-DE" dirty="0" smtClean="0"/>
-          </a:p>
-          <a:p>
-            <a:pPr>
-              <a:buFontTx/>
-              <a:buChar char="-"/>
-            </a:pPr>
-            <a:r>
-              <a:rPr lang="de-DE" dirty="0" smtClean="0"/>
-              <a:t> Ü-Figur springt</a:t>
-            </a:r>
+            <a:r>
+              <a:rPr lang="de-DE" dirty="0" smtClean="0">
+                <a:solidFill>
+                  <a:srgbClr val="FF0000"/>
+                </a:solidFill>
+              </a:rPr>
+              <a:t>#5</a:t>
+            </a:r>
+            <a:endParaRPr lang="de-DE" dirty="0">
+              <a:solidFill>
+                <a:srgbClr val="FF0000"/>
+              </a:solidFill>
+            </a:endParaRPr>
           </a:p>
         </p:txBody>
       </p:sp>
@@ -5895,7 +6124,7 @@
           <p:nvPr/>
         </p:nvPicPr>
         <p:blipFill>
-          <a:blip r:embed="rId2" cstate="print"/>
+          <a:blip r:embed="rId3" cstate="print"/>
           <a:srcRect t="50868" b="20586"/>
           <a:stretch>
             <a:fillRect/>
@@ -5947,24 +6176,381 @@
           </a:p>
         </p:txBody>
       </p:sp>
+      <p:sp>
+        <p:nvSpPr>
+          <p:cNvPr id="8" name="Textfeld 7"/>
+          <p:cNvSpPr txBox="1"/>
+          <p:nvPr/>
+        </p:nvSpPr>
+        <p:spPr>
+          <a:xfrm>
+            <a:off x="2915816" y="1556792"/>
+            <a:ext cx="2736304" cy="369332"/>
+          </a:xfrm>
+          <a:prstGeom prst="rect">
+            <a:avLst/>
+          </a:prstGeom>
+          <a:noFill/>
+        </p:spPr>
+        <p:txBody>
+          <a:bodyPr wrap="square" rtlCol="0">
+            <a:spAutoFit/>
+          </a:bodyPr>
+          <a:lstStyle/>
+          <a:p>
+            <a:r>
+              <a:rPr lang="de-DE" b="1" dirty="0" smtClean="0"/>
+              <a:t>Szenen und Objekte</a:t>
+            </a:r>
+            <a:endParaRPr lang="de-DE" b="1" dirty="0"/>
+          </a:p>
+        </p:txBody>
+      </p:sp>
+      <p:sp>
+        <p:nvSpPr>
+          <p:cNvPr id="9" name="Textfeld 8"/>
+          <p:cNvSpPr txBox="1"/>
+          <p:nvPr/>
+        </p:nvSpPr>
+        <p:spPr>
+          <a:xfrm>
+            <a:off x="5796136" y="1556792"/>
+            <a:ext cx="2736304" cy="369332"/>
+          </a:xfrm>
+          <a:prstGeom prst="rect">
+            <a:avLst/>
+          </a:prstGeom>
+          <a:noFill/>
+        </p:spPr>
+        <p:txBody>
+          <a:bodyPr wrap="square" rtlCol="0">
+            <a:spAutoFit/>
+          </a:bodyPr>
+          <a:lstStyle/>
+          <a:p>
+            <a:r>
+              <a:rPr lang="de-DE" b="1" dirty="0" smtClean="0"/>
+              <a:t>Animation</a:t>
+            </a:r>
+            <a:endParaRPr lang="de-DE" b="1" dirty="0"/>
+          </a:p>
+        </p:txBody>
+      </p:sp>
+      <p:sp>
+        <p:nvSpPr>
+          <p:cNvPr id="12" name="Textfeld 11"/>
+          <p:cNvSpPr txBox="1"/>
+          <p:nvPr/>
+        </p:nvSpPr>
+        <p:spPr>
+          <a:xfrm>
+            <a:off x="2915816" y="1907540"/>
+            <a:ext cx="2736304" cy="4524315"/>
+          </a:xfrm>
+          <a:prstGeom prst="rect">
+            <a:avLst/>
+          </a:prstGeom>
+          <a:noFill/>
+        </p:spPr>
+        <p:txBody>
+          <a:bodyPr wrap="square" rtlCol="0">
+            <a:spAutoFit/>
+          </a:bodyPr>
+          <a:lstStyle/>
+          <a:p>
+            <a:r>
+              <a:rPr lang="de-DE" dirty="0" smtClean="0"/>
+              <a:t>- Urwaldmodellierung</a:t>
+            </a:r>
+          </a:p>
+          <a:p>
+            <a:pPr>
+              <a:buFontTx/>
+              <a:buChar char="-"/>
+            </a:pPr>
+            <a:r>
+              <a:rPr lang="de-DE" dirty="0" smtClean="0"/>
+              <a:t> Ü-Figur </a:t>
+            </a:r>
+            <a:r>
+              <a:rPr lang="de-DE" dirty="0" err="1" smtClean="0"/>
+              <a:t>Reintanz</a:t>
+            </a:r>
+            <a:endParaRPr lang="de-DE" dirty="0" smtClean="0"/>
+          </a:p>
+          <a:p>
+            <a:pPr>
+              <a:buFontTx/>
+              <a:buChar char="-"/>
+            </a:pPr>
+            <a:r>
+              <a:rPr lang="de-DE" dirty="0" smtClean="0"/>
+              <a:t> Ü-Figur Lippold</a:t>
+            </a:r>
+          </a:p>
+          <a:p>
+            <a:pPr>
+              <a:buFontTx/>
+              <a:buChar char="-"/>
+            </a:pPr>
+            <a:r>
+              <a:rPr lang="de-DE" dirty="0" smtClean="0"/>
+              <a:t> Banane</a:t>
+            </a:r>
+          </a:p>
+          <a:p>
+            <a:pPr>
+              <a:buFontTx/>
+              <a:buChar char="-"/>
+            </a:pPr>
+            <a:endParaRPr lang="de-DE" dirty="0" smtClean="0"/>
+          </a:p>
+          <a:p>
+            <a:pPr>
+              <a:buFontTx/>
+              <a:buChar char="-"/>
+            </a:pPr>
+            <a:endParaRPr lang="de-DE" dirty="0" smtClean="0"/>
+          </a:p>
+          <a:p>
+            <a:r>
+              <a:rPr lang="de-DE" dirty="0" smtClean="0"/>
+              <a:t>- Urwaldmodellierung</a:t>
+            </a:r>
+          </a:p>
+          <a:p>
+            <a:pPr>
+              <a:buFontTx/>
+              <a:buChar char="-"/>
+            </a:pPr>
+            <a:r>
+              <a:rPr lang="de-DE" dirty="0" smtClean="0"/>
+              <a:t> Ü-Figur </a:t>
+            </a:r>
+            <a:r>
+              <a:rPr lang="de-DE" dirty="0" err="1" smtClean="0"/>
+              <a:t>Reintanz</a:t>
+            </a:r>
+            <a:endParaRPr lang="de-DE" dirty="0" smtClean="0"/>
+          </a:p>
+          <a:p>
+            <a:pPr>
+              <a:buFontTx/>
+              <a:buChar char="-"/>
+            </a:pPr>
+            <a:r>
+              <a:rPr lang="de-DE" dirty="0" smtClean="0"/>
+              <a:t> Ü-Figur Lippold</a:t>
+            </a:r>
+          </a:p>
+          <a:p>
+            <a:r>
+              <a:rPr lang="de-DE" dirty="0" smtClean="0"/>
+              <a:t>- Banane</a:t>
+            </a:r>
+          </a:p>
+          <a:p>
+            <a:endParaRPr lang="de-DE" dirty="0" smtClean="0"/>
+          </a:p>
+          <a:p>
+            <a:r>
+              <a:rPr lang="de-DE" dirty="0" smtClean="0"/>
+              <a:t>- Urwaldmodellierung</a:t>
+            </a:r>
+          </a:p>
+          <a:p>
+            <a:pPr>
+              <a:buFontTx/>
+              <a:buChar char="-"/>
+            </a:pPr>
+            <a:r>
+              <a:rPr lang="de-DE" dirty="0" smtClean="0"/>
+              <a:t> Ü-Figur </a:t>
+            </a:r>
+            <a:r>
+              <a:rPr lang="de-DE" dirty="0" err="1" smtClean="0"/>
+              <a:t>Reintanz</a:t>
+            </a:r>
+            <a:endParaRPr lang="de-DE" dirty="0" smtClean="0"/>
+          </a:p>
+          <a:p>
+            <a:pPr>
+              <a:buFontTx/>
+              <a:buChar char="-"/>
+            </a:pPr>
+            <a:r>
+              <a:rPr lang="de-DE" dirty="0" smtClean="0"/>
+              <a:t> Ü-Figur Lippold</a:t>
+            </a:r>
+          </a:p>
+          <a:p>
+            <a:pPr>
+              <a:buFontTx/>
+              <a:buChar char="-"/>
+            </a:pPr>
+            <a:r>
+              <a:rPr lang="de-DE" dirty="0" smtClean="0"/>
+              <a:t> Banane</a:t>
+            </a:r>
+          </a:p>
+          <a:p>
+            <a:endParaRPr lang="de-DE" dirty="0" smtClean="0"/>
+          </a:p>
+        </p:txBody>
+      </p:sp>
+      <p:sp>
+        <p:nvSpPr>
+          <p:cNvPr id="13" name="Textfeld 12"/>
+          <p:cNvSpPr txBox="1"/>
+          <p:nvPr/>
+        </p:nvSpPr>
+        <p:spPr>
+          <a:xfrm>
+            <a:off x="5796136" y="1907540"/>
+            <a:ext cx="2736304" cy="3970318"/>
+          </a:xfrm>
+          <a:prstGeom prst="rect">
+            <a:avLst/>
+          </a:prstGeom>
+          <a:noFill/>
+        </p:spPr>
+        <p:txBody>
+          <a:bodyPr wrap="square" rtlCol="0">
+            <a:spAutoFit/>
+          </a:bodyPr>
+          <a:lstStyle/>
+          <a:p>
+            <a:pPr>
+              <a:buFontTx/>
+              <a:buChar char="-"/>
+            </a:pPr>
+            <a:r>
+              <a:rPr lang="de-DE" dirty="0" smtClean="0"/>
+              <a:t> Kamera steht</a:t>
+            </a:r>
+          </a:p>
+          <a:p>
+            <a:pPr>
+              <a:buFontTx/>
+              <a:buChar char="-"/>
+            </a:pPr>
+            <a:r>
+              <a:rPr lang="de-DE" dirty="0" smtClean="0"/>
+              <a:t> Ü-Figur </a:t>
+            </a:r>
+            <a:r>
+              <a:rPr lang="de-DE" dirty="0" err="1" smtClean="0"/>
+              <a:t>Reintanz</a:t>
+            </a:r>
+            <a:r>
+              <a:rPr lang="de-DE" dirty="0" smtClean="0"/>
+              <a:t> nähert </a:t>
+            </a:r>
+          </a:p>
+          <a:p>
+            <a:r>
+              <a:rPr lang="de-DE" dirty="0" smtClean="0"/>
+              <a:t>   sich Ü-Figur Lippold</a:t>
+            </a:r>
+          </a:p>
+          <a:p>
+            <a:endParaRPr lang="de-DE" dirty="0" smtClean="0"/>
+          </a:p>
+          <a:p>
+            <a:endParaRPr lang="de-DE" dirty="0" smtClean="0"/>
+          </a:p>
+          <a:p>
+            <a:pPr>
+              <a:buFontTx/>
+              <a:buChar char="-"/>
+            </a:pPr>
+            <a:r>
+              <a:rPr lang="de-DE" dirty="0" smtClean="0"/>
+              <a:t> Kamera schwenkt mit</a:t>
+            </a:r>
+          </a:p>
+          <a:p>
+            <a:r>
+              <a:rPr lang="de-DE" dirty="0" smtClean="0"/>
+              <a:t>   Ü-Figur Lippold</a:t>
+            </a:r>
+          </a:p>
+          <a:p>
+            <a:pPr>
+              <a:buFontTx/>
+              <a:buChar char="-"/>
+            </a:pPr>
+            <a:r>
+              <a:rPr lang="de-DE" dirty="0" smtClean="0"/>
+              <a:t> Ü-Figur </a:t>
+            </a:r>
+            <a:r>
+              <a:rPr lang="de-DE" dirty="0" err="1" smtClean="0"/>
+              <a:t>Reintanz</a:t>
+            </a:r>
+            <a:r>
+              <a:rPr lang="de-DE" dirty="0" smtClean="0"/>
+              <a:t> folgt </a:t>
+            </a:r>
+          </a:p>
+          <a:p>
+            <a:r>
+              <a:rPr lang="de-DE" dirty="0" smtClean="0"/>
+              <a:t>  langsam</a:t>
+            </a:r>
+          </a:p>
+          <a:p>
+            <a:endParaRPr lang="de-DE" dirty="0" smtClean="0"/>
+          </a:p>
+          <a:p>
+            <a:endParaRPr lang="de-DE" dirty="0" smtClean="0"/>
+          </a:p>
+          <a:p>
+            <a:pPr>
+              <a:buFontTx/>
+              <a:buChar char="-"/>
+            </a:pPr>
+            <a:r>
+              <a:rPr lang="de-DE" dirty="0" smtClean="0"/>
+              <a:t> Kamera steht</a:t>
+            </a:r>
+          </a:p>
+          <a:p>
+            <a:pPr>
+              <a:buFontTx/>
+              <a:buChar char="-"/>
+            </a:pPr>
+            <a:r>
+              <a:rPr lang="de-DE" dirty="0" smtClean="0"/>
+              <a:t> Ü-Figuren bewegen sich</a:t>
+            </a:r>
+          </a:p>
+          <a:p>
+            <a:r>
+              <a:rPr lang="de-DE" dirty="0" smtClean="0"/>
+              <a:t>   gegen den Horizont</a:t>
+            </a:r>
+          </a:p>
+        </p:txBody>
+      </p:sp>
       <p:pic>
         <p:nvPicPr>
-          <p:cNvPr id="7" name="Grafik 6" descr="3.JPG"/>
+          <p:cNvPr id="14" name="Grafik 13" descr="3.JPG"/>
           <p:cNvPicPr>
             <a:picLocks noChangeAspect="1"/>
           </p:cNvPicPr>
           <p:nvPr/>
         </p:nvPicPr>
         <p:blipFill>
-          <a:blip r:embed="rId3" cstate="print"/>
+          <a:blip r:embed="rId4" cstate="print"/>
           <a:stretch>
             <a:fillRect/>
           </a:stretch>
         </p:blipFill>
         <p:spPr>
           <a:xfrm>
-            <a:off x="251520" y="1845304"/>
-            <a:ext cx="2494163" cy="4320000"/>
+            <a:off x="395816" y="1916832"/>
+            <a:ext cx="2520000" cy="4372500"/>
           </a:xfrm>
           <a:prstGeom prst="rect">
             <a:avLst/>
@@ -5973,14 +6559,14 @@
       </p:pic>
       <p:sp>
         <p:nvSpPr>
-          <p:cNvPr id="8" name="Textfeld 7"/>
+          <p:cNvPr id="15" name="Textfeld 14"/>
           <p:cNvSpPr txBox="1"/>
           <p:nvPr/>
         </p:nvSpPr>
         <p:spPr>
           <a:xfrm>
-            <a:off x="2915816" y="1556792"/>
-            <a:ext cx="2736304" cy="369332"/>
+            <a:off x="0" y="1916832"/>
+            <a:ext cx="683568" cy="369332"/>
           </a:xfrm>
           <a:prstGeom prst="rect">
             <a:avLst/>
@@ -5994,23 +6580,31 @@
           <a:lstStyle/>
           <a:p>
             <a:r>
-              <a:rPr lang="de-DE" b="1" dirty="0" smtClean="0"/>
-              <a:t>Objekte</a:t>
-            </a:r>
-            <a:endParaRPr lang="de-DE" b="1" dirty="0"/>
-          </a:p>
-        </p:txBody>
-      </p:sp>
-      <p:sp>
-        <p:nvSpPr>
-          <p:cNvPr id="9" name="Textfeld 8"/>
+              <a:rPr lang="de-DE" dirty="0" smtClean="0">
+                <a:solidFill>
+                  <a:srgbClr val="FF0000"/>
+                </a:solidFill>
+              </a:rPr>
+              <a:t>#6</a:t>
+            </a:r>
+            <a:endParaRPr lang="de-DE" dirty="0">
+              <a:solidFill>
+                <a:srgbClr val="FF0000"/>
+              </a:solidFill>
+            </a:endParaRPr>
+          </a:p>
+        </p:txBody>
+      </p:sp>
+      <p:sp>
+        <p:nvSpPr>
+          <p:cNvPr id="16" name="Textfeld 15"/>
           <p:cNvSpPr txBox="1"/>
           <p:nvPr/>
         </p:nvSpPr>
         <p:spPr>
           <a:xfrm>
-            <a:off x="5796136" y="1556792"/>
-            <a:ext cx="2736304" cy="369332"/>
+            <a:off x="0" y="3419708"/>
+            <a:ext cx="683568" cy="369332"/>
           </a:xfrm>
           <a:prstGeom prst="rect">
             <a:avLst/>
@@ -6024,23 +6618,31 @@
           <a:lstStyle/>
           <a:p>
             <a:r>
-              <a:rPr lang="de-DE" b="1" dirty="0" smtClean="0"/>
-              <a:t>Animation</a:t>
-            </a:r>
-            <a:endParaRPr lang="de-DE" b="1" dirty="0"/>
-          </a:p>
-        </p:txBody>
-      </p:sp>
-      <p:sp>
-        <p:nvSpPr>
-          <p:cNvPr id="12" name="Textfeld 11"/>
+              <a:rPr lang="de-DE" dirty="0" smtClean="0">
+                <a:solidFill>
+                  <a:srgbClr val="FF0000"/>
+                </a:solidFill>
+              </a:rPr>
+              <a:t>#7</a:t>
+            </a:r>
+            <a:endParaRPr lang="de-DE" dirty="0">
+              <a:solidFill>
+                <a:srgbClr val="FF0000"/>
+              </a:solidFill>
+            </a:endParaRPr>
+          </a:p>
+        </p:txBody>
+      </p:sp>
+      <p:sp>
+        <p:nvSpPr>
+          <p:cNvPr id="17" name="Textfeld 16"/>
           <p:cNvSpPr txBox="1"/>
           <p:nvPr/>
         </p:nvSpPr>
         <p:spPr>
           <a:xfrm>
-            <a:off x="2915816" y="1907540"/>
-            <a:ext cx="2736304" cy="3970318"/>
+            <a:off x="0" y="4931876"/>
+            <a:ext cx="683568" cy="369332"/>
           </a:xfrm>
           <a:prstGeom prst="rect">
             <a:avLst/>
@@ -6053,178 +6655,19 @@
           </a:bodyPr>
           <a:lstStyle/>
           <a:p>
-            <a:pPr>
-              <a:buFontTx/>
-              <a:buChar char="-"/>
-            </a:pPr>
-            <a:r>
-              <a:rPr lang="de-DE" dirty="0" smtClean="0"/>
-              <a:t> Ü-Figur </a:t>
-            </a:r>
-            <a:r>
-              <a:rPr lang="de-DE" dirty="0" err="1" smtClean="0"/>
-              <a:t>Reintanz</a:t>
-            </a:r>
-            <a:endParaRPr lang="de-DE" dirty="0" smtClean="0"/>
-          </a:p>
-          <a:p>
-            <a:endParaRPr lang="de-DE" dirty="0" smtClean="0"/>
-          </a:p>
-          <a:p>
-            <a:endParaRPr lang="de-DE" dirty="0" smtClean="0"/>
-          </a:p>
-          <a:p>
-            <a:endParaRPr lang="de-DE" dirty="0" smtClean="0"/>
-          </a:p>
-          <a:p>
-            <a:endParaRPr lang="de-DE" dirty="0" smtClean="0"/>
-          </a:p>
-          <a:p>
-            <a:pPr>
-              <a:buFontTx/>
-              <a:buChar char="-"/>
-            </a:pPr>
-            <a:endParaRPr lang="de-DE" dirty="0" smtClean="0"/>
-          </a:p>
-          <a:p>
-            <a:pPr>
-              <a:buFontTx/>
-              <a:buChar char="-"/>
-            </a:pPr>
-            <a:r>
-              <a:rPr lang="de-DE" dirty="0" smtClean="0"/>
-              <a:t> Urwaldmodellierung</a:t>
-            </a:r>
-          </a:p>
-          <a:p>
-            <a:pPr>
-              <a:buFontTx/>
-              <a:buChar char="-"/>
-            </a:pPr>
-            <a:r>
-              <a:rPr lang="de-DE" dirty="0" smtClean="0"/>
-              <a:t> Ü-Figur </a:t>
-            </a:r>
-            <a:r>
-              <a:rPr lang="de-DE" dirty="0" err="1" smtClean="0"/>
-              <a:t>Reintanz</a:t>
-            </a:r>
-            <a:endParaRPr lang="de-DE" dirty="0" smtClean="0"/>
-          </a:p>
-          <a:p>
-            <a:endParaRPr lang="de-DE" dirty="0" smtClean="0"/>
-          </a:p>
-          <a:p>
-            <a:endParaRPr lang="de-DE" dirty="0" smtClean="0"/>
-          </a:p>
-          <a:p>
-            <a:endParaRPr lang="de-DE" dirty="0" smtClean="0"/>
-          </a:p>
-          <a:p>
-            <a:pPr>
-              <a:buFontTx/>
-              <a:buChar char="-"/>
-            </a:pPr>
-            <a:r>
-              <a:rPr lang="de-DE" dirty="0" smtClean="0"/>
-              <a:t> Urwald</a:t>
-            </a:r>
-          </a:p>
-          <a:p>
-            <a:pPr>
-              <a:buFontTx/>
-              <a:buChar char="-"/>
-            </a:pPr>
-            <a:r>
-              <a:rPr lang="de-DE" dirty="0" smtClean="0"/>
-              <a:t> Ü-Figur </a:t>
-            </a:r>
-            <a:r>
-              <a:rPr lang="de-DE" dirty="0" err="1" smtClean="0"/>
-              <a:t>Reintanz</a:t>
-            </a:r>
-            <a:endParaRPr lang="de-DE" dirty="0" smtClean="0"/>
-          </a:p>
-          <a:p>
-            <a:endParaRPr lang="de-DE" dirty="0" smtClean="0"/>
-          </a:p>
-        </p:txBody>
-      </p:sp>
-      <p:sp>
-        <p:nvSpPr>
-          <p:cNvPr id="13" name="Textfeld 12"/>
-          <p:cNvSpPr txBox="1"/>
-          <p:nvPr/>
-        </p:nvSpPr>
-        <p:spPr>
-          <a:xfrm>
-            <a:off x="5796136" y="1907540"/>
-            <a:ext cx="2736304" cy="3139321"/>
-          </a:xfrm>
-          <a:prstGeom prst="rect">
-            <a:avLst/>
-          </a:prstGeom>
-          <a:noFill/>
-        </p:spPr>
-        <p:txBody>
-          <a:bodyPr wrap="square" rtlCol="0">
-            <a:spAutoFit/>
-          </a:bodyPr>
-          <a:lstStyle/>
-          <a:p>
-            <a:pPr>
-              <a:buFontTx/>
-              <a:buChar char="-"/>
-            </a:pPr>
-            <a:r>
-              <a:rPr lang="de-DE" dirty="0" smtClean="0"/>
-              <a:t> Ü-Figur wird kleiner</a:t>
-            </a:r>
-          </a:p>
-          <a:p>
-            <a:endParaRPr lang="de-DE" dirty="0" smtClean="0"/>
-          </a:p>
-          <a:p>
-            <a:endParaRPr lang="de-DE" dirty="0" smtClean="0"/>
-          </a:p>
-          <a:p>
-            <a:endParaRPr lang="de-DE" dirty="0" smtClean="0"/>
-          </a:p>
-          <a:p>
-            <a:endParaRPr lang="de-DE" dirty="0" smtClean="0"/>
-          </a:p>
-          <a:p>
-            <a:pPr>
-              <a:buFontTx/>
-              <a:buChar char="-"/>
-            </a:pPr>
-            <a:r>
-              <a:rPr lang="de-DE" dirty="0" smtClean="0"/>
-              <a:t> Ü-Figur fällt hinab</a:t>
-            </a:r>
-          </a:p>
-          <a:p>
-            <a:endParaRPr lang="de-DE" dirty="0" smtClean="0"/>
-          </a:p>
-          <a:p>
-            <a:endParaRPr lang="de-DE" dirty="0" smtClean="0"/>
-          </a:p>
-          <a:p>
-            <a:pPr>
-              <a:buFontTx/>
-              <a:buChar char="-"/>
-            </a:pPr>
-            <a:endParaRPr lang="de-DE" dirty="0" smtClean="0"/>
-          </a:p>
-          <a:p>
-            <a:pPr>
-              <a:buFontTx/>
-              <a:buChar char="-"/>
-            </a:pPr>
-            <a:endParaRPr lang="de-DE" dirty="0" smtClean="0"/>
-          </a:p>
-          <a:p>
-            <a:endParaRPr lang="de-DE" dirty="0" smtClean="0"/>
+            <a:r>
+              <a:rPr lang="de-DE" dirty="0" smtClean="0">
+                <a:solidFill>
+                  <a:srgbClr val="FF0000"/>
+                </a:solidFill>
+              </a:rPr>
+              <a:t>#8</a:t>
+            </a:r>
+            <a:endParaRPr lang="de-DE" dirty="0">
+              <a:solidFill>
+                <a:srgbClr val="FF0000"/>
+              </a:solidFill>
+            </a:endParaRPr>
           </a:p>
         </p:txBody>
       </p:sp>
@@ -6368,7 +6811,7 @@
           <p:nvPr/>
         </p:nvPicPr>
         <p:blipFill>
-          <a:blip r:embed="rId2" cstate="print"/>
+          <a:blip r:embed="rId3" cstate="print"/>
           <a:srcRect t="50868" b="20586"/>
           <a:stretch>
             <a:fillRect/>
@@ -6420,24 +6863,368 @@
           </a:p>
         </p:txBody>
       </p:sp>
+      <p:sp>
+        <p:nvSpPr>
+          <p:cNvPr id="8" name="Textfeld 7"/>
+          <p:cNvSpPr txBox="1"/>
+          <p:nvPr/>
+        </p:nvSpPr>
+        <p:spPr>
+          <a:xfrm>
+            <a:off x="2915816" y="1556792"/>
+            <a:ext cx="2736304" cy="369332"/>
+          </a:xfrm>
+          <a:prstGeom prst="rect">
+            <a:avLst/>
+          </a:prstGeom>
+          <a:noFill/>
+        </p:spPr>
+        <p:txBody>
+          <a:bodyPr wrap="square" rtlCol="0">
+            <a:spAutoFit/>
+          </a:bodyPr>
+          <a:lstStyle/>
+          <a:p>
+            <a:r>
+              <a:rPr lang="de-DE" b="1" dirty="0" smtClean="0"/>
+              <a:t>Szenen und Objekte</a:t>
+            </a:r>
+            <a:endParaRPr lang="de-DE" b="1" dirty="0"/>
+          </a:p>
+        </p:txBody>
+      </p:sp>
+      <p:sp>
+        <p:nvSpPr>
+          <p:cNvPr id="9" name="Textfeld 8"/>
+          <p:cNvSpPr txBox="1"/>
+          <p:nvPr/>
+        </p:nvSpPr>
+        <p:spPr>
+          <a:xfrm>
+            <a:off x="5796136" y="1556792"/>
+            <a:ext cx="2736304" cy="369332"/>
+          </a:xfrm>
+          <a:prstGeom prst="rect">
+            <a:avLst/>
+          </a:prstGeom>
+          <a:noFill/>
+        </p:spPr>
+        <p:txBody>
+          <a:bodyPr wrap="square" rtlCol="0">
+            <a:spAutoFit/>
+          </a:bodyPr>
+          <a:lstStyle/>
+          <a:p>
+            <a:r>
+              <a:rPr lang="de-DE" b="1" dirty="0" smtClean="0"/>
+              <a:t>Animation</a:t>
+            </a:r>
+            <a:endParaRPr lang="de-DE" b="1" dirty="0"/>
+          </a:p>
+        </p:txBody>
+      </p:sp>
+      <p:sp>
+        <p:nvSpPr>
+          <p:cNvPr id="12" name="Textfeld 11"/>
+          <p:cNvSpPr txBox="1"/>
+          <p:nvPr/>
+        </p:nvSpPr>
+        <p:spPr>
+          <a:xfrm>
+            <a:off x="2915816" y="1907540"/>
+            <a:ext cx="2736304" cy="4524315"/>
+          </a:xfrm>
+          <a:prstGeom prst="rect">
+            <a:avLst/>
+          </a:prstGeom>
+          <a:noFill/>
+        </p:spPr>
+        <p:txBody>
+          <a:bodyPr wrap="square" rtlCol="0">
+            <a:spAutoFit/>
+          </a:bodyPr>
+          <a:lstStyle/>
+          <a:p>
+            <a:r>
+              <a:rPr lang="de-DE" dirty="0" smtClean="0"/>
+              <a:t>- Urwaldmodellierung</a:t>
+            </a:r>
+          </a:p>
+          <a:p>
+            <a:pPr>
+              <a:buFontTx/>
+              <a:buChar char="-"/>
+            </a:pPr>
+            <a:r>
+              <a:rPr lang="de-DE" dirty="0" smtClean="0"/>
+              <a:t> Ü-Figur Eisenacher</a:t>
+            </a:r>
+          </a:p>
+          <a:p>
+            <a:endParaRPr lang="de-DE" dirty="0" smtClean="0"/>
+          </a:p>
+          <a:p>
+            <a:endParaRPr lang="de-DE" dirty="0" smtClean="0"/>
+          </a:p>
+          <a:p>
+            <a:endParaRPr lang="de-DE" dirty="0" smtClean="0"/>
+          </a:p>
+          <a:p>
+            <a:endParaRPr lang="de-DE" dirty="0" smtClean="0"/>
+          </a:p>
+          <a:p>
+            <a:r>
+              <a:rPr lang="de-DE" dirty="0" smtClean="0"/>
+              <a:t>- Urwaldmodellierung</a:t>
+            </a:r>
+          </a:p>
+          <a:p>
+            <a:pPr>
+              <a:buFontTx/>
+              <a:buChar char="-"/>
+            </a:pPr>
+            <a:r>
+              <a:rPr lang="de-DE" dirty="0" smtClean="0"/>
+              <a:t> Ü-Figur </a:t>
+            </a:r>
+            <a:r>
+              <a:rPr lang="de-DE" dirty="0" err="1" smtClean="0"/>
+              <a:t>Reintanz</a:t>
+            </a:r>
+            <a:endParaRPr lang="de-DE" dirty="0" smtClean="0"/>
+          </a:p>
+          <a:p>
+            <a:pPr>
+              <a:buFontTx/>
+              <a:buChar char="-"/>
+            </a:pPr>
+            <a:r>
+              <a:rPr lang="de-DE" dirty="0" smtClean="0"/>
+              <a:t> Ü-Figur Lippold</a:t>
+            </a:r>
+          </a:p>
+          <a:p>
+            <a:pPr>
+              <a:buFontTx/>
+              <a:buChar char="-"/>
+            </a:pPr>
+            <a:r>
+              <a:rPr lang="de-DE" dirty="0" smtClean="0"/>
+              <a:t> Banane</a:t>
+            </a:r>
+          </a:p>
+          <a:p>
+            <a:pPr>
+              <a:buFontTx/>
+              <a:buChar char="-"/>
+            </a:pPr>
+            <a:endParaRPr lang="de-DE" dirty="0" smtClean="0"/>
+          </a:p>
+          <a:p>
+            <a:r>
+              <a:rPr lang="de-DE" dirty="0" smtClean="0"/>
+              <a:t>- Urwaldmodellierung</a:t>
+            </a:r>
+          </a:p>
+          <a:p>
+            <a:pPr>
+              <a:buFontTx/>
+              <a:buChar char="-"/>
+            </a:pPr>
+            <a:r>
+              <a:rPr lang="de-DE" dirty="0" smtClean="0"/>
+              <a:t> Ü-Figur </a:t>
+            </a:r>
+            <a:r>
+              <a:rPr lang="de-DE" dirty="0" err="1" smtClean="0"/>
+              <a:t>Reintanz</a:t>
+            </a:r>
+            <a:endParaRPr lang="de-DE" dirty="0" smtClean="0"/>
+          </a:p>
+          <a:p>
+            <a:pPr>
+              <a:buFontTx/>
+              <a:buChar char="-"/>
+            </a:pPr>
+            <a:r>
+              <a:rPr lang="de-DE" dirty="0" smtClean="0"/>
+              <a:t> Ü-Figur Lippold</a:t>
+            </a:r>
+          </a:p>
+          <a:p>
+            <a:r>
+              <a:rPr lang="de-DE" dirty="0" smtClean="0"/>
+              <a:t>- Banane</a:t>
+            </a:r>
+          </a:p>
+          <a:p>
+            <a:pPr>
+              <a:buFontTx/>
+              <a:buChar char="-"/>
+            </a:pPr>
+            <a:endParaRPr lang="de-DE" dirty="0" smtClean="0"/>
+          </a:p>
+        </p:txBody>
+      </p:sp>
+      <p:sp>
+        <p:nvSpPr>
+          <p:cNvPr id="13" name="Textfeld 12"/>
+          <p:cNvSpPr txBox="1"/>
+          <p:nvPr/>
+        </p:nvSpPr>
+        <p:spPr>
+          <a:xfrm>
+            <a:off x="5796136" y="1907540"/>
+            <a:ext cx="2736304" cy="4247317"/>
+          </a:xfrm>
+          <a:prstGeom prst="rect">
+            <a:avLst/>
+          </a:prstGeom>
+          <a:noFill/>
+        </p:spPr>
+        <p:txBody>
+          <a:bodyPr wrap="square" rtlCol="0">
+            <a:spAutoFit/>
+          </a:bodyPr>
+          <a:lstStyle/>
+          <a:p>
+            <a:pPr>
+              <a:buFontTx/>
+              <a:buChar char="-"/>
+            </a:pPr>
+            <a:r>
+              <a:rPr lang="de-DE" dirty="0" smtClean="0"/>
+              <a:t> Kamera filmt Ü-Figur</a:t>
+            </a:r>
+          </a:p>
+          <a:p>
+            <a:r>
+              <a:rPr lang="de-DE" dirty="0" smtClean="0"/>
+              <a:t>  Eisenacher, schwenkt </a:t>
+            </a:r>
+          </a:p>
+          <a:p>
+            <a:r>
+              <a:rPr lang="de-DE" dirty="0" smtClean="0"/>
+              <a:t>   nach oben</a:t>
+            </a:r>
+          </a:p>
+          <a:p>
+            <a:endParaRPr lang="de-DE" dirty="0" smtClean="0"/>
+          </a:p>
+          <a:p>
+            <a:endParaRPr lang="de-DE" dirty="0" smtClean="0"/>
+          </a:p>
+          <a:p>
+            <a:endParaRPr lang="de-DE" dirty="0" smtClean="0"/>
+          </a:p>
+          <a:p>
+            <a:pPr>
+              <a:buFontTx/>
+              <a:buChar char="-"/>
+            </a:pPr>
+            <a:r>
+              <a:rPr lang="de-DE" dirty="0" smtClean="0"/>
+              <a:t>Kameraschnitt auf</a:t>
+            </a:r>
+          </a:p>
+          <a:p>
+            <a:r>
+              <a:rPr lang="de-DE" dirty="0" smtClean="0"/>
+              <a:t>  Ü-Figuren R. &amp; L.</a:t>
+            </a:r>
+          </a:p>
+          <a:p>
+            <a:pPr>
+              <a:buFontTx/>
+              <a:buChar char="-"/>
+            </a:pPr>
+            <a:r>
+              <a:rPr lang="de-DE" dirty="0" smtClean="0"/>
+              <a:t>Ü-Figuren </a:t>
+            </a:r>
+            <a:r>
+              <a:rPr lang="de-DE" dirty="0" err="1" smtClean="0"/>
+              <a:t>Reintanz</a:t>
+            </a:r>
+            <a:r>
+              <a:rPr lang="de-DE" dirty="0" smtClean="0"/>
+              <a:t> +</a:t>
+            </a:r>
+          </a:p>
+          <a:p>
+            <a:r>
+              <a:rPr lang="de-DE" dirty="0" smtClean="0"/>
+              <a:t>   Lippold entfernen sich</a:t>
+            </a:r>
+          </a:p>
+          <a:p>
+            <a:pPr>
+              <a:buFontTx/>
+              <a:buChar char="-"/>
+            </a:pPr>
+            <a:endParaRPr lang="de-DE" dirty="0" smtClean="0"/>
+          </a:p>
+          <a:p>
+            <a:pPr>
+              <a:buFontTx/>
+              <a:buChar char="-"/>
+            </a:pPr>
+            <a:r>
+              <a:rPr lang="de-DE" dirty="0" smtClean="0"/>
+              <a:t> Ü-Figuren </a:t>
+            </a:r>
+            <a:r>
+              <a:rPr lang="de-DE" dirty="0" err="1" smtClean="0"/>
+              <a:t>Reintanz</a:t>
+            </a:r>
+            <a:r>
+              <a:rPr lang="de-DE" dirty="0" smtClean="0"/>
+              <a:t> + </a:t>
+            </a:r>
+          </a:p>
+          <a:p>
+            <a:r>
+              <a:rPr lang="de-DE" dirty="0" smtClean="0"/>
+              <a:t>   Lippold springen in Fluss</a:t>
+            </a:r>
+          </a:p>
+          <a:p>
+            <a:pPr>
+              <a:buFontTx/>
+              <a:buChar char="-"/>
+            </a:pPr>
+            <a:r>
+              <a:rPr lang="de-DE" dirty="0" smtClean="0"/>
+              <a:t> Kamera schwenkt mit </a:t>
+            </a:r>
+          </a:p>
+          <a:p>
+            <a:r>
+              <a:rPr lang="de-DE" dirty="0" smtClean="0"/>
+              <a:t>  Ü-Figuren R. &amp; L.</a:t>
+            </a:r>
+          </a:p>
+        </p:txBody>
+      </p:sp>
       <p:pic>
         <p:nvPicPr>
-          <p:cNvPr id="7" name="Grafik 6" descr="5.JPG"/>
+          <p:cNvPr id="14" name="Grafik 13" descr="4.JPG"/>
           <p:cNvPicPr>
             <a:picLocks noChangeAspect="1"/>
           </p:cNvPicPr>
           <p:nvPr/>
         </p:nvPicPr>
         <p:blipFill>
-          <a:blip r:embed="rId3" cstate="print"/>
+          <a:blip r:embed="rId4" cstate="print"/>
           <a:stretch>
             <a:fillRect/>
           </a:stretch>
         </p:blipFill>
         <p:spPr>
           <a:xfrm>
-            <a:off x="395536" y="1844824"/>
-            <a:ext cx="2459189" cy="4320000"/>
+            <a:off x="539832" y="1896073"/>
+            <a:ext cx="2520000" cy="4341239"/>
           </a:xfrm>
           <a:prstGeom prst="rect">
             <a:avLst/>
@@ -6446,14 +7233,14 @@
       </p:pic>
       <p:sp>
         <p:nvSpPr>
-          <p:cNvPr id="8" name="Textfeld 7"/>
+          <p:cNvPr id="15" name="Textfeld 14"/>
           <p:cNvSpPr txBox="1"/>
           <p:nvPr/>
         </p:nvSpPr>
         <p:spPr>
           <a:xfrm>
-            <a:off x="2915816" y="1556792"/>
-            <a:ext cx="2736304" cy="369332"/>
+            <a:off x="0" y="1916832"/>
+            <a:ext cx="683568" cy="369332"/>
           </a:xfrm>
           <a:prstGeom prst="rect">
             <a:avLst/>
@@ -6467,23 +7254,31 @@
           <a:lstStyle/>
           <a:p>
             <a:r>
-              <a:rPr lang="de-DE" b="1" dirty="0" smtClean="0"/>
-              <a:t>Objekte</a:t>
-            </a:r>
-            <a:endParaRPr lang="de-DE" b="1" dirty="0"/>
-          </a:p>
-        </p:txBody>
-      </p:sp>
-      <p:sp>
-        <p:nvSpPr>
-          <p:cNvPr id="9" name="Textfeld 8"/>
+              <a:rPr lang="de-DE" dirty="0" smtClean="0">
+                <a:solidFill>
+                  <a:srgbClr val="FF0000"/>
+                </a:solidFill>
+              </a:rPr>
+              <a:t>#9</a:t>
+            </a:r>
+            <a:endParaRPr lang="de-DE" dirty="0">
+              <a:solidFill>
+                <a:srgbClr val="FF0000"/>
+              </a:solidFill>
+            </a:endParaRPr>
+          </a:p>
+        </p:txBody>
+      </p:sp>
+      <p:sp>
+        <p:nvSpPr>
+          <p:cNvPr id="16" name="Textfeld 15"/>
           <p:cNvSpPr txBox="1"/>
           <p:nvPr/>
         </p:nvSpPr>
         <p:spPr>
           <a:xfrm>
-            <a:off x="5796136" y="1556792"/>
-            <a:ext cx="2736304" cy="369332"/>
+            <a:off x="0" y="3419708"/>
+            <a:ext cx="683568" cy="369332"/>
           </a:xfrm>
           <a:prstGeom prst="rect">
             <a:avLst/>
@@ -6497,23 +7292,31 @@
           <a:lstStyle/>
           <a:p>
             <a:r>
-              <a:rPr lang="de-DE" b="1" dirty="0" smtClean="0"/>
-              <a:t>Animation</a:t>
-            </a:r>
-            <a:endParaRPr lang="de-DE" b="1" dirty="0"/>
-          </a:p>
-        </p:txBody>
-      </p:sp>
-      <p:sp>
-        <p:nvSpPr>
-          <p:cNvPr id="12" name="Textfeld 11"/>
+              <a:rPr lang="de-DE" dirty="0" smtClean="0">
+                <a:solidFill>
+                  <a:srgbClr val="FF0000"/>
+                </a:solidFill>
+              </a:rPr>
+              <a:t>#10</a:t>
+            </a:r>
+            <a:endParaRPr lang="de-DE" dirty="0">
+              <a:solidFill>
+                <a:srgbClr val="FF0000"/>
+              </a:solidFill>
+            </a:endParaRPr>
+          </a:p>
+        </p:txBody>
+      </p:sp>
+      <p:sp>
+        <p:nvSpPr>
+          <p:cNvPr id="17" name="Textfeld 16"/>
           <p:cNvSpPr txBox="1"/>
           <p:nvPr/>
         </p:nvSpPr>
         <p:spPr>
           <a:xfrm>
-            <a:off x="2915816" y="1907540"/>
-            <a:ext cx="2736304" cy="4247317"/>
+            <a:off x="0" y="4931876"/>
+            <a:ext cx="683568" cy="369332"/>
           </a:xfrm>
           <a:prstGeom prst="rect">
             <a:avLst/>
@@ -6526,231 +7329,19 @@
           </a:bodyPr>
           <a:lstStyle/>
           <a:p>
-            <a:pPr>
-              <a:buFontTx/>
-              <a:buChar char="-"/>
-            </a:pPr>
-            <a:r>
-              <a:rPr lang="de-DE" dirty="0" smtClean="0"/>
-              <a:t> Ü-Figur </a:t>
-            </a:r>
-            <a:r>
-              <a:rPr lang="de-DE" dirty="0" err="1" smtClean="0"/>
-              <a:t>Reintanz</a:t>
-            </a:r>
-            <a:endParaRPr lang="de-DE" dirty="0" smtClean="0"/>
-          </a:p>
-          <a:p>
-            <a:pPr>
-              <a:buFontTx/>
-              <a:buChar char="-"/>
-            </a:pPr>
-            <a:r>
-              <a:rPr lang="de-DE" dirty="0" smtClean="0"/>
-              <a:t> Ü-Figur Lippold + Banane</a:t>
-            </a:r>
-          </a:p>
-          <a:p>
-            <a:pPr>
-              <a:buFontTx/>
-              <a:buChar char="-"/>
-            </a:pPr>
-            <a:r>
-              <a:rPr lang="de-DE" dirty="0" smtClean="0"/>
-              <a:t> Urwald</a:t>
-            </a:r>
-          </a:p>
-          <a:p>
-            <a:endParaRPr lang="de-DE" dirty="0" smtClean="0"/>
-          </a:p>
-          <a:p>
-            <a:endParaRPr lang="de-DE" dirty="0" smtClean="0"/>
-          </a:p>
-          <a:p>
-            <a:endParaRPr lang="de-DE" dirty="0" smtClean="0"/>
-          </a:p>
-          <a:p>
-            <a:r>
-              <a:rPr lang="de-DE" dirty="0" smtClean="0"/>
-              <a:t>- Ü-Figur </a:t>
-            </a:r>
-            <a:r>
-              <a:rPr lang="de-DE" dirty="0" err="1" smtClean="0"/>
-              <a:t>Reintanz</a:t>
-            </a:r>
-            <a:endParaRPr lang="de-DE" dirty="0" smtClean="0"/>
-          </a:p>
-          <a:p>
-            <a:pPr>
-              <a:buFontTx/>
-              <a:buChar char="-"/>
-            </a:pPr>
-            <a:r>
-              <a:rPr lang="de-DE" dirty="0" smtClean="0"/>
-              <a:t> Ü-Figur Lippold + Banane</a:t>
-            </a:r>
-          </a:p>
-          <a:p>
-            <a:pPr>
-              <a:buFontTx/>
-              <a:buChar char="-"/>
-            </a:pPr>
-            <a:r>
-              <a:rPr lang="de-DE" dirty="0" smtClean="0"/>
-              <a:t> Urwald</a:t>
-            </a:r>
-          </a:p>
-          <a:p>
-            <a:endParaRPr lang="de-DE" dirty="0" smtClean="0"/>
-          </a:p>
-          <a:p>
-            <a:endParaRPr lang="de-DE" dirty="0" smtClean="0"/>
-          </a:p>
-          <a:p>
-            <a:pPr>
-              <a:buFontTx/>
-              <a:buChar char="-"/>
-            </a:pPr>
-            <a:r>
-              <a:rPr lang="de-DE" dirty="0" smtClean="0"/>
-              <a:t> Ü-Figur </a:t>
-            </a:r>
-            <a:r>
-              <a:rPr lang="de-DE" dirty="0" err="1" smtClean="0"/>
-              <a:t>Reintanz</a:t>
-            </a:r>
-            <a:endParaRPr lang="de-DE" dirty="0" smtClean="0"/>
-          </a:p>
-          <a:p>
-            <a:pPr>
-              <a:buFontTx/>
-              <a:buChar char="-"/>
-            </a:pPr>
-            <a:r>
-              <a:rPr lang="de-DE" dirty="0" smtClean="0"/>
-              <a:t> Ü-Figur Lippold + Banane</a:t>
-            </a:r>
-          </a:p>
-          <a:p>
-            <a:pPr>
-              <a:buFontTx/>
-              <a:buChar char="-"/>
-            </a:pPr>
-            <a:r>
-              <a:rPr lang="de-DE" dirty="0" smtClean="0"/>
-              <a:t> Urwald</a:t>
-            </a:r>
-          </a:p>
-          <a:p>
-            <a:endParaRPr lang="de-DE" dirty="0" smtClean="0"/>
-          </a:p>
-        </p:txBody>
-      </p:sp>
-      <p:sp>
-        <p:nvSpPr>
-          <p:cNvPr id="13" name="Textfeld 12"/>
-          <p:cNvSpPr txBox="1"/>
-          <p:nvPr/>
-        </p:nvSpPr>
-        <p:spPr>
-          <a:xfrm>
-            <a:off x="5796136" y="1907540"/>
-            <a:ext cx="2736304" cy="3693319"/>
-          </a:xfrm>
-          <a:prstGeom prst="rect">
-            <a:avLst/>
-          </a:prstGeom>
-          <a:noFill/>
-        </p:spPr>
-        <p:txBody>
-          <a:bodyPr wrap="square" rtlCol="0">
-            <a:spAutoFit/>
-          </a:bodyPr>
-          <a:lstStyle/>
-          <a:p>
-            <a:pPr>
-              <a:buFontTx/>
-              <a:buChar char="-"/>
-            </a:pPr>
-            <a:r>
-              <a:rPr lang="de-DE" dirty="0" smtClean="0"/>
-              <a:t> Ü-Figuren entfernen sich </a:t>
-            </a:r>
-          </a:p>
-          <a:p>
-            <a:r>
-              <a:rPr lang="de-DE" dirty="0" smtClean="0"/>
-              <a:t>   (werden kleiner) </a:t>
-            </a:r>
-          </a:p>
-          <a:p>
-            <a:endParaRPr lang="de-DE" dirty="0" smtClean="0"/>
-          </a:p>
-          <a:p>
-            <a:endParaRPr lang="de-DE" dirty="0" smtClean="0"/>
-          </a:p>
-          <a:p>
-            <a:endParaRPr lang="de-DE" dirty="0" smtClean="0"/>
-          </a:p>
-          <a:p>
-            <a:endParaRPr lang="de-DE" dirty="0" smtClean="0"/>
-          </a:p>
-          <a:p>
-            <a:pPr>
-              <a:buFontTx/>
-              <a:buChar char="-"/>
-            </a:pPr>
-            <a:r>
-              <a:rPr lang="de-DE" dirty="0" smtClean="0"/>
-              <a:t> Ü-Figur Lippold stoppt</a:t>
-            </a:r>
-          </a:p>
-          <a:p>
-            <a:pPr>
-              <a:buFontTx/>
-              <a:buChar char="-"/>
-            </a:pPr>
-            <a:r>
-              <a:rPr lang="de-DE" dirty="0" smtClean="0"/>
-              <a:t> Zusammenstoß Figuren</a:t>
-            </a:r>
-          </a:p>
-          <a:p>
-            <a:pPr>
-              <a:buFontTx/>
-              <a:buChar char="-"/>
-            </a:pPr>
-            <a:endParaRPr lang="de-DE" dirty="0" smtClean="0"/>
-          </a:p>
-          <a:p>
-            <a:pPr>
-              <a:buFontTx/>
-              <a:buChar char="-"/>
-            </a:pPr>
-            <a:endParaRPr lang="de-DE" dirty="0" smtClean="0"/>
-          </a:p>
-          <a:p>
-            <a:pPr>
-              <a:buFontTx/>
-              <a:buChar char="-"/>
-            </a:pPr>
-            <a:endParaRPr lang="de-DE" dirty="0" smtClean="0"/>
-          </a:p>
-          <a:p>
-            <a:pPr>
-              <a:buFontTx/>
-              <a:buChar char="-"/>
-            </a:pPr>
-            <a:r>
-              <a:rPr lang="de-DE" dirty="0" smtClean="0"/>
-              <a:t> Ü-Figuren schauen hinter </a:t>
-            </a:r>
-          </a:p>
-          <a:p>
-            <a:r>
-              <a:rPr lang="de-DE" dirty="0" smtClean="0"/>
-              <a:t>   Fels hervor</a:t>
-            </a:r>
+            <a:r>
+              <a:rPr lang="de-DE" dirty="0" smtClean="0">
+                <a:solidFill>
+                  <a:srgbClr val="FF0000"/>
+                </a:solidFill>
+              </a:rPr>
+              <a:t>#11</a:t>
+            </a:r>
+            <a:endParaRPr lang="de-DE" dirty="0">
+              <a:solidFill>
+                <a:srgbClr val="FF0000"/>
+              </a:solidFill>
+            </a:endParaRPr>
           </a:p>
         </p:txBody>
       </p:sp>
@@ -6894,7 +7485,7 @@
           <p:nvPr/>
         </p:nvPicPr>
         <p:blipFill>
-          <a:blip r:embed="rId2" cstate="print"/>
+          <a:blip r:embed="rId3" cstate="print"/>
           <a:srcRect t="50868" b="20586"/>
           <a:stretch>
             <a:fillRect/>
@@ -6946,24 +7537,358 @@
           </a:p>
         </p:txBody>
       </p:sp>
+      <p:sp>
+        <p:nvSpPr>
+          <p:cNvPr id="8" name="Textfeld 7"/>
+          <p:cNvSpPr txBox="1"/>
+          <p:nvPr/>
+        </p:nvSpPr>
+        <p:spPr>
+          <a:xfrm>
+            <a:off x="3059832" y="1556792"/>
+            <a:ext cx="2736304" cy="369332"/>
+          </a:xfrm>
+          <a:prstGeom prst="rect">
+            <a:avLst/>
+          </a:prstGeom>
+          <a:noFill/>
+        </p:spPr>
+        <p:txBody>
+          <a:bodyPr wrap="square" rtlCol="0">
+            <a:spAutoFit/>
+          </a:bodyPr>
+          <a:lstStyle/>
+          <a:p>
+            <a:r>
+              <a:rPr lang="de-DE" b="1" dirty="0" smtClean="0"/>
+              <a:t>Szenen und Objekte</a:t>
+            </a:r>
+            <a:endParaRPr lang="de-DE" b="1" dirty="0"/>
+          </a:p>
+        </p:txBody>
+      </p:sp>
+      <p:sp>
+        <p:nvSpPr>
+          <p:cNvPr id="9" name="Textfeld 8"/>
+          <p:cNvSpPr txBox="1"/>
+          <p:nvPr/>
+        </p:nvSpPr>
+        <p:spPr>
+          <a:xfrm>
+            <a:off x="5940152" y="1556792"/>
+            <a:ext cx="2736304" cy="369332"/>
+          </a:xfrm>
+          <a:prstGeom prst="rect">
+            <a:avLst/>
+          </a:prstGeom>
+          <a:noFill/>
+        </p:spPr>
+        <p:txBody>
+          <a:bodyPr wrap="square" rtlCol="0">
+            <a:spAutoFit/>
+          </a:bodyPr>
+          <a:lstStyle/>
+          <a:p>
+            <a:r>
+              <a:rPr lang="de-DE" b="1" dirty="0" smtClean="0"/>
+              <a:t>Animation</a:t>
+            </a:r>
+            <a:endParaRPr lang="de-DE" b="1" dirty="0"/>
+          </a:p>
+        </p:txBody>
+      </p:sp>
+      <p:sp>
+        <p:nvSpPr>
+          <p:cNvPr id="12" name="Textfeld 11"/>
+          <p:cNvSpPr txBox="1"/>
+          <p:nvPr/>
+        </p:nvSpPr>
+        <p:spPr>
+          <a:xfrm>
+            <a:off x="3059832" y="1907540"/>
+            <a:ext cx="2736304" cy="4247317"/>
+          </a:xfrm>
+          <a:prstGeom prst="rect">
+            <a:avLst/>
+          </a:prstGeom>
+          <a:noFill/>
+        </p:spPr>
+        <p:txBody>
+          <a:bodyPr wrap="square" rtlCol="0">
+            <a:spAutoFit/>
+          </a:bodyPr>
+          <a:lstStyle/>
+          <a:p>
+            <a:r>
+              <a:rPr lang="de-DE" dirty="0" smtClean="0"/>
+              <a:t>- Urwaldmodellierung</a:t>
+            </a:r>
+          </a:p>
+          <a:p>
+            <a:pPr>
+              <a:buFontTx/>
+              <a:buChar char="-"/>
+            </a:pPr>
+            <a:r>
+              <a:rPr lang="de-DE" dirty="0" smtClean="0"/>
+              <a:t> Ü-Figur </a:t>
+            </a:r>
+            <a:r>
+              <a:rPr lang="de-DE" dirty="0" err="1" smtClean="0"/>
+              <a:t>Reintanz</a:t>
+            </a:r>
+            <a:endParaRPr lang="de-DE" dirty="0" smtClean="0"/>
+          </a:p>
+          <a:p>
+            <a:pPr>
+              <a:buFontTx/>
+              <a:buChar char="-"/>
+            </a:pPr>
+            <a:r>
+              <a:rPr lang="de-DE" dirty="0" smtClean="0"/>
+              <a:t> Ü-Figur Lippold</a:t>
+            </a:r>
+          </a:p>
+          <a:p>
+            <a:r>
+              <a:rPr lang="de-DE" dirty="0" smtClean="0"/>
+              <a:t>- Banane</a:t>
+            </a:r>
+          </a:p>
+          <a:p>
+            <a:endParaRPr lang="de-DE" dirty="0" smtClean="0"/>
+          </a:p>
+          <a:p>
+            <a:endParaRPr lang="de-DE" dirty="0" smtClean="0"/>
+          </a:p>
+          <a:p>
+            <a:r>
+              <a:rPr lang="de-DE" dirty="0" smtClean="0"/>
+              <a:t>- Pixelwelt</a:t>
+            </a:r>
+          </a:p>
+          <a:p>
+            <a:pPr>
+              <a:buFontTx/>
+              <a:buChar char="-"/>
+            </a:pPr>
+            <a:r>
+              <a:rPr lang="de-DE" dirty="0" smtClean="0"/>
+              <a:t> Ü-Figur </a:t>
+            </a:r>
+            <a:r>
+              <a:rPr lang="de-DE" dirty="0" err="1" smtClean="0"/>
+              <a:t>Reintanz</a:t>
+            </a:r>
+            <a:endParaRPr lang="de-DE" dirty="0" smtClean="0"/>
+          </a:p>
+          <a:p>
+            <a:pPr>
+              <a:buFontTx/>
+              <a:buChar char="-"/>
+            </a:pPr>
+            <a:r>
+              <a:rPr lang="de-DE" dirty="0" smtClean="0"/>
+              <a:t> Ü-Figur Lippold</a:t>
+            </a:r>
+          </a:p>
+          <a:p>
+            <a:pPr>
+              <a:buFontTx/>
+              <a:buChar char="-"/>
+            </a:pPr>
+            <a:endParaRPr lang="de-DE" dirty="0" smtClean="0"/>
+          </a:p>
+          <a:p>
+            <a:pPr>
+              <a:buFontTx/>
+              <a:buChar char="-"/>
+            </a:pPr>
+            <a:endParaRPr lang="de-DE" dirty="0" smtClean="0"/>
+          </a:p>
+          <a:p>
+            <a:r>
+              <a:rPr lang="de-DE" dirty="0" smtClean="0"/>
+              <a:t>- Pixelwelt</a:t>
+            </a:r>
+          </a:p>
+          <a:p>
+            <a:pPr>
+              <a:buFontTx/>
+              <a:buChar char="-"/>
+            </a:pPr>
+            <a:r>
+              <a:rPr lang="de-DE" dirty="0" smtClean="0"/>
+              <a:t> Ü-Figur </a:t>
+            </a:r>
+            <a:r>
+              <a:rPr lang="de-DE" dirty="0" err="1" smtClean="0"/>
+              <a:t>Reintanz</a:t>
+            </a:r>
+            <a:endParaRPr lang="de-DE" dirty="0" smtClean="0"/>
+          </a:p>
+          <a:p>
+            <a:pPr>
+              <a:buFontTx/>
+              <a:buChar char="-"/>
+            </a:pPr>
+            <a:r>
+              <a:rPr lang="de-DE" dirty="0" smtClean="0"/>
+              <a:t> Ü-Figur Lippold</a:t>
+            </a:r>
+          </a:p>
+          <a:p>
+            <a:pPr>
+              <a:buFontTx/>
+              <a:buChar char="-"/>
+            </a:pPr>
+            <a:r>
+              <a:rPr lang="de-DE" dirty="0" smtClean="0"/>
+              <a:t> Banane</a:t>
+            </a:r>
+          </a:p>
+        </p:txBody>
+      </p:sp>
+      <p:sp>
+        <p:nvSpPr>
+          <p:cNvPr id="13" name="Textfeld 12"/>
+          <p:cNvSpPr txBox="1"/>
+          <p:nvPr/>
+        </p:nvSpPr>
+        <p:spPr>
+          <a:xfrm>
+            <a:off x="5940152" y="1907540"/>
+            <a:ext cx="2736304" cy="4247317"/>
+          </a:xfrm>
+          <a:prstGeom prst="rect">
+            <a:avLst/>
+          </a:prstGeom>
+          <a:noFill/>
+        </p:spPr>
+        <p:txBody>
+          <a:bodyPr wrap="square" rtlCol="0">
+            <a:spAutoFit/>
+          </a:bodyPr>
+          <a:lstStyle/>
+          <a:p>
+            <a:pPr>
+              <a:buFontTx/>
+              <a:buChar char="-"/>
+            </a:pPr>
+            <a:r>
+              <a:rPr lang="de-DE" dirty="0" smtClean="0"/>
+              <a:t> Kamera folgt den</a:t>
+            </a:r>
+          </a:p>
+          <a:p>
+            <a:r>
+              <a:rPr lang="de-DE" dirty="0" smtClean="0"/>
+              <a:t>   Ü-Figuren R. &amp; L.</a:t>
+            </a:r>
+          </a:p>
+          <a:p>
+            <a:pPr>
+              <a:buFontTx/>
+              <a:buChar char="-"/>
+            </a:pPr>
+            <a:r>
+              <a:rPr lang="de-DE" dirty="0" smtClean="0"/>
+              <a:t> Ü-Figuren fallen </a:t>
+            </a:r>
+          </a:p>
+          <a:p>
+            <a:r>
+              <a:rPr lang="de-DE" dirty="0" smtClean="0"/>
+              <a:t>   Wasserfall hinab</a:t>
+            </a:r>
+          </a:p>
+          <a:p>
+            <a:endParaRPr lang="de-DE" dirty="0" smtClean="0"/>
+          </a:p>
+          <a:p>
+            <a:endParaRPr lang="de-DE" dirty="0" smtClean="0"/>
+          </a:p>
+          <a:p>
+            <a:pPr>
+              <a:buFontTx/>
+              <a:buChar char="-"/>
+            </a:pPr>
+            <a:r>
+              <a:rPr lang="de-DE" dirty="0" smtClean="0"/>
+              <a:t> Ü-Figuren R. &amp; L. </a:t>
+            </a:r>
+          </a:p>
+          <a:p>
+            <a:r>
+              <a:rPr lang="de-DE" dirty="0" smtClean="0"/>
+              <a:t>  fallen in Pixelwelt</a:t>
+            </a:r>
+          </a:p>
+          <a:p>
+            <a:endParaRPr lang="de-DE" dirty="0" smtClean="0"/>
+          </a:p>
+          <a:p>
+            <a:endParaRPr lang="de-DE" dirty="0" smtClean="0"/>
+          </a:p>
+          <a:p>
+            <a:endParaRPr lang="de-DE" dirty="0" smtClean="0"/>
+          </a:p>
+          <a:p>
+            <a:pPr>
+              <a:buFontTx/>
+              <a:buChar char="-"/>
+            </a:pPr>
+            <a:r>
+              <a:rPr lang="de-DE" dirty="0" smtClean="0"/>
+              <a:t> Kameraschnitt auf die </a:t>
+            </a:r>
+          </a:p>
+          <a:p>
+            <a:r>
+              <a:rPr lang="de-DE" dirty="0" smtClean="0"/>
+              <a:t>   Ü-Figuren</a:t>
+            </a:r>
+          </a:p>
+          <a:p>
+            <a:pPr>
+              <a:buFontTx/>
+              <a:buChar char="-"/>
+            </a:pPr>
+            <a:r>
+              <a:rPr lang="de-DE" dirty="0" smtClean="0"/>
+              <a:t> Ü-Figuren stehen da</a:t>
+            </a:r>
+          </a:p>
+          <a:p>
+            <a:pPr>
+              <a:buFontTx/>
+              <a:buChar char="-"/>
+            </a:pPr>
+            <a:r>
+              <a:rPr lang="de-DE" dirty="0" smtClean="0"/>
+              <a:t> Banane fällt hinab</a:t>
+            </a:r>
+          </a:p>
+        </p:txBody>
+      </p:sp>
       <p:pic>
         <p:nvPicPr>
-          <p:cNvPr id="7" name="Grafik 6" descr="4.JPG"/>
+          <p:cNvPr id="14" name="Grafik 13" descr="5.JPG"/>
           <p:cNvPicPr>
             <a:picLocks noChangeAspect="1"/>
           </p:cNvPicPr>
           <p:nvPr/>
         </p:nvPicPr>
         <p:blipFill>
-          <a:blip r:embed="rId3" cstate="print"/>
+          <a:blip r:embed="rId4" cstate="print"/>
           <a:stretch>
             <a:fillRect/>
           </a:stretch>
         </p:blipFill>
         <p:spPr>
           <a:xfrm>
-            <a:off x="467544" y="1844824"/>
-            <a:ext cx="2459811" cy="4320000"/>
+            <a:off x="467824" y="1916832"/>
+            <a:ext cx="2520000" cy="4393381"/>
           </a:xfrm>
           <a:prstGeom prst="rect">
             <a:avLst/>
@@ -6972,14 +7897,14 @@
       </p:pic>
       <p:sp>
         <p:nvSpPr>
-          <p:cNvPr id="8" name="Textfeld 7"/>
+          <p:cNvPr id="15" name="Textfeld 14"/>
           <p:cNvSpPr txBox="1"/>
           <p:nvPr/>
         </p:nvSpPr>
         <p:spPr>
           <a:xfrm>
-            <a:off x="2915816" y="1556792"/>
-            <a:ext cx="2736304" cy="369332"/>
+            <a:off x="0" y="1916832"/>
+            <a:ext cx="683568" cy="369332"/>
           </a:xfrm>
           <a:prstGeom prst="rect">
             <a:avLst/>
@@ -6993,23 +7918,31 @@
           <a:lstStyle/>
           <a:p>
             <a:r>
-              <a:rPr lang="de-DE" b="1" dirty="0" smtClean="0"/>
-              <a:t>Objekte</a:t>
-            </a:r>
-            <a:endParaRPr lang="de-DE" b="1" dirty="0"/>
-          </a:p>
-        </p:txBody>
-      </p:sp>
-      <p:sp>
-        <p:nvSpPr>
-          <p:cNvPr id="9" name="Textfeld 8"/>
+              <a:rPr lang="de-DE" dirty="0" smtClean="0">
+                <a:solidFill>
+                  <a:srgbClr val="FF0000"/>
+                </a:solidFill>
+              </a:rPr>
+              <a:t>#12</a:t>
+            </a:r>
+            <a:endParaRPr lang="de-DE" dirty="0">
+              <a:solidFill>
+                <a:srgbClr val="FF0000"/>
+              </a:solidFill>
+            </a:endParaRPr>
+          </a:p>
+        </p:txBody>
+      </p:sp>
+      <p:sp>
+        <p:nvSpPr>
+          <p:cNvPr id="16" name="Textfeld 15"/>
           <p:cNvSpPr txBox="1"/>
           <p:nvPr/>
         </p:nvSpPr>
         <p:spPr>
           <a:xfrm>
-            <a:off x="5796136" y="1556792"/>
-            <a:ext cx="2736304" cy="369332"/>
+            <a:off x="0" y="3419708"/>
+            <a:ext cx="683568" cy="369332"/>
           </a:xfrm>
           <a:prstGeom prst="rect">
             <a:avLst/>
@@ -7023,23 +7956,31 @@
           <a:lstStyle/>
           <a:p>
             <a:r>
-              <a:rPr lang="de-DE" b="1" dirty="0" smtClean="0"/>
-              <a:t>Animation</a:t>
-            </a:r>
-            <a:endParaRPr lang="de-DE" b="1" dirty="0"/>
-          </a:p>
-        </p:txBody>
-      </p:sp>
-      <p:sp>
-        <p:nvSpPr>
-          <p:cNvPr id="12" name="Textfeld 11"/>
+              <a:rPr lang="de-DE" dirty="0" smtClean="0">
+                <a:solidFill>
+                  <a:srgbClr val="FF0000"/>
+                </a:solidFill>
+              </a:rPr>
+              <a:t>#13</a:t>
+            </a:r>
+            <a:endParaRPr lang="de-DE" dirty="0">
+              <a:solidFill>
+                <a:srgbClr val="FF0000"/>
+              </a:solidFill>
+            </a:endParaRPr>
+          </a:p>
+        </p:txBody>
+      </p:sp>
+      <p:sp>
+        <p:nvSpPr>
+          <p:cNvPr id="17" name="Textfeld 16"/>
           <p:cNvSpPr txBox="1"/>
           <p:nvPr/>
         </p:nvSpPr>
         <p:spPr>
           <a:xfrm>
-            <a:off x="2915816" y="1907540"/>
-            <a:ext cx="2736304" cy="4247317"/>
+            <a:off x="0" y="4931876"/>
+            <a:ext cx="683568" cy="369332"/>
           </a:xfrm>
           <a:prstGeom prst="rect">
             <a:avLst/>
@@ -7052,262 +7993,19 @@
           </a:bodyPr>
           <a:lstStyle/>
           <a:p>
-            <a:pPr>
-              <a:buFontTx/>
-              <a:buChar char="-"/>
-            </a:pPr>
-            <a:r>
-              <a:rPr lang="de-DE" dirty="0" smtClean="0"/>
-              <a:t> Ü-Figur </a:t>
-            </a:r>
-            <a:r>
-              <a:rPr lang="de-DE" dirty="0" err="1" smtClean="0"/>
-              <a:t>Reintanz</a:t>
-            </a:r>
-            <a:endParaRPr lang="de-DE" dirty="0" smtClean="0"/>
-          </a:p>
-          <a:p>
-            <a:pPr>
-              <a:buFontTx/>
-              <a:buChar char="-"/>
-            </a:pPr>
-            <a:r>
-              <a:rPr lang="de-DE" dirty="0" smtClean="0"/>
-              <a:t> Ü-Figur Lippold</a:t>
-            </a:r>
-          </a:p>
-          <a:p>
-            <a:pPr>
-              <a:buFontTx/>
-              <a:buChar char="-"/>
-            </a:pPr>
-            <a:r>
-              <a:rPr lang="de-DE" dirty="0" smtClean="0"/>
-              <a:t> Urwald</a:t>
-            </a:r>
-          </a:p>
-          <a:p>
-            <a:endParaRPr lang="de-DE" dirty="0" smtClean="0"/>
-          </a:p>
-          <a:p>
-            <a:endParaRPr lang="de-DE" dirty="0" smtClean="0"/>
-          </a:p>
-          <a:p>
-            <a:endParaRPr lang="de-DE" dirty="0" smtClean="0"/>
-          </a:p>
-          <a:p>
-            <a:pPr>
-              <a:buFontTx/>
-              <a:buChar char="-"/>
-            </a:pPr>
-            <a:r>
-              <a:rPr lang="de-DE" dirty="0" smtClean="0"/>
-              <a:t> Ü-Figur </a:t>
-            </a:r>
-            <a:r>
-              <a:rPr lang="de-DE" dirty="0" err="1" smtClean="0"/>
-              <a:t>Reintanz</a:t>
-            </a:r>
-            <a:endParaRPr lang="de-DE" dirty="0" smtClean="0"/>
-          </a:p>
-          <a:p>
-            <a:pPr>
-              <a:buFontTx/>
-              <a:buChar char="-"/>
-            </a:pPr>
-            <a:r>
-              <a:rPr lang="de-DE" dirty="0" smtClean="0"/>
-              <a:t> Ü-Figur Lippold + Banane</a:t>
-            </a:r>
-          </a:p>
-          <a:p>
-            <a:pPr>
-              <a:buFontTx/>
-              <a:buChar char="-"/>
-            </a:pPr>
-            <a:r>
-              <a:rPr lang="de-DE" dirty="0" smtClean="0"/>
-              <a:t> Urwald</a:t>
-            </a:r>
-          </a:p>
-          <a:p>
-            <a:endParaRPr lang="de-DE" dirty="0" smtClean="0"/>
-          </a:p>
-          <a:p>
-            <a:pPr>
-              <a:buFontTx/>
-              <a:buChar char="-"/>
-            </a:pPr>
-            <a:endParaRPr lang="de-DE" dirty="0" smtClean="0"/>
-          </a:p>
-          <a:p>
-            <a:pPr>
-              <a:buFontTx/>
-              <a:buChar char="-"/>
-            </a:pPr>
-            <a:endParaRPr lang="de-DE" dirty="0" smtClean="0"/>
-          </a:p>
-          <a:p>
-            <a:pPr>
-              <a:buFontTx/>
-              <a:buChar char="-"/>
-            </a:pPr>
-            <a:r>
-              <a:rPr lang="de-DE" dirty="0" smtClean="0"/>
-              <a:t> Ü-Figur Lippold + Banane</a:t>
-            </a:r>
-          </a:p>
-          <a:p>
-            <a:pPr>
-              <a:buFontTx/>
-              <a:buChar char="-"/>
-            </a:pPr>
-            <a:r>
-              <a:rPr lang="de-DE" dirty="0" smtClean="0"/>
-              <a:t> Urwald</a:t>
-            </a:r>
-          </a:p>
-          <a:p>
-            <a:endParaRPr lang="de-DE" dirty="0" smtClean="0"/>
-          </a:p>
-        </p:txBody>
-      </p:sp>
-      <p:sp>
-        <p:nvSpPr>
-          <p:cNvPr id="13" name="Textfeld 12"/>
-          <p:cNvSpPr txBox="1"/>
-          <p:nvPr/>
-        </p:nvSpPr>
-        <p:spPr>
-          <a:xfrm>
-            <a:off x="5796136" y="1907540"/>
-            <a:ext cx="2736304" cy="3970318"/>
-          </a:xfrm>
-          <a:prstGeom prst="rect">
-            <a:avLst/>
-          </a:prstGeom>
-          <a:noFill/>
-        </p:spPr>
-        <p:txBody>
-          <a:bodyPr wrap="square" rtlCol="0">
-            <a:spAutoFit/>
-          </a:bodyPr>
-          <a:lstStyle/>
-          <a:p>
-            <a:pPr>
-              <a:buFontTx/>
-              <a:buChar char="-"/>
-            </a:pPr>
-            <a:r>
-              <a:rPr lang="de-DE" dirty="0" smtClean="0"/>
-              <a:t> Ü-Figur </a:t>
-            </a:r>
-            <a:r>
-              <a:rPr lang="de-DE" dirty="0" err="1" smtClean="0"/>
-              <a:t>Reintanz</a:t>
-            </a:r>
-            <a:r>
-              <a:rPr lang="de-DE" dirty="0" smtClean="0"/>
-              <a:t> nähert    </a:t>
-            </a:r>
-          </a:p>
-          <a:p>
-            <a:r>
-              <a:rPr lang="de-DE" dirty="0" smtClean="0"/>
-              <a:t>  sich </a:t>
-            </a:r>
-            <a:r>
-              <a:rPr lang="de-DE" dirty="0" err="1" smtClean="0"/>
-              <a:t>Minion</a:t>
-            </a:r>
-            <a:endParaRPr lang="de-DE" dirty="0" smtClean="0"/>
-          </a:p>
-          <a:p>
-            <a:pPr>
-              <a:buFontTx/>
-              <a:buChar char="-"/>
-            </a:pPr>
-            <a:r>
-              <a:rPr lang="de-DE" dirty="0" smtClean="0"/>
-              <a:t> Kamera bewegt sich mit</a:t>
-            </a:r>
-          </a:p>
-          <a:p>
-            <a:endParaRPr lang="de-DE" dirty="0" smtClean="0"/>
-          </a:p>
-          <a:p>
-            <a:endParaRPr lang="de-DE" dirty="0" smtClean="0"/>
-          </a:p>
-          <a:p>
-            <a:endParaRPr lang="de-DE" dirty="0" smtClean="0"/>
-          </a:p>
-          <a:p>
-            <a:pPr>
-              <a:buFontTx/>
-              <a:buChar char="-"/>
-            </a:pPr>
-            <a:r>
-              <a:rPr lang="de-DE" dirty="0" smtClean="0"/>
-              <a:t> Ü-Figur </a:t>
-            </a:r>
-            <a:r>
-              <a:rPr lang="de-DE" dirty="0" err="1" smtClean="0"/>
-              <a:t>Reintanz</a:t>
-            </a:r>
-            <a:r>
-              <a:rPr lang="de-DE" dirty="0" smtClean="0"/>
-              <a:t> nähert </a:t>
-            </a:r>
-          </a:p>
-          <a:p>
-            <a:r>
-              <a:rPr lang="de-DE" dirty="0" smtClean="0"/>
-              <a:t>   sich weiter </a:t>
-            </a:r>
-          </a:p>
-          <a:p>
-            <a:pPr>
-              <a:buFontTx/>
-              <a:buChar char="-"/>
-            </a:pPr>
-            <a:endParaRPr lang="de-DE" dirty="0" smtClean="0"/>
-          </a:p>
-          <a:p>
-            <a:pPr>
-              <a:buFontTx/>
-              <a:buChar char="-"/>
-            </a:pPr>
-            <a:endParaRPr lang="de-DE" dirty="0" smtClean="0"/>
-          </a:p>
-          <a:p>
-            <a:pPr>
-              <a:buFontTx/>
-              <a:buChar char="-"/>
-            </a:pPr>
-            <a:endParaRPr lang="de-DE" dirty="0" smtClean="0"/>
-          </a:p>
-          <a:p>
-            <a:pPr>
-              <a:buFontTx/>
-              <a:buChar char="-"/>
-            </a:pPr>
-            <a:endParaRPr lang="de-DE" dirty="0" smtClean="0"/>
-          </a:p>
-          <a:p>
-            <a:pPr>
-              <a:buFontTx/>
-              <a:buChar char="-"/>
-            </a:pPr>
-            <a:r>
-              <a:rPr lang="de-DE" dirty="0" smtClean="0"/>
-              <a:t> Ü-Figur Lippold „rennt“ </a:t>
-            </a:r>
-          </a:p>
-          <a:p>
-            <a:r>
-              <a:rPr lang="de-DE" dirty="0" smtClean="0"/>
-              <a:t>  davon</a:t>
-            </a:r>
+            <a:r>
+              <a:rPr lang="de-DE" dirty="0" smtClean="0">
+                <a:solidFill>
+                  <a:srgbClr val="FF0000"/>
+                </a:solidFill>
+              </a:rPr>
+              <a:t>#15</a:t>
+            </a:r>
+            <a:endParaRPr lang="de-DE" dirty="0">
+              <a:solidFill>
+                <a:srgbClr val="FF0000"/>
+              </a:solidFill>
+            </a:endParaRPr>
           </a:p>
         </p:txBody>
       </p:sp>
@@ -7451,7 +8149,7 @@
           <p:nvPr/>
         </p:nvPicPr>
         <p:blipFill>
-          <a:blip r:embed="rId2" cstate="print"/>
+          <a:blip r:embed="rId3" cstate="print"/>
           <a:srcRect t="50868" b="20586"/>
           <a:stretch>
             <a:fillRect/>
@@ -7503,24 +8201,191 @@
           </a:p>
         </p:txBody>
       </p:sp>
+      <p:sp>
+        <p:nvSpPr>
+          <p:cNvPr id="8" name="Textfeld 7"/>
+          <p:cNvSpPr txBox="1"/>
+          <p:nvPr/>
+        </p:nvSpPr>
+        <p:spPr>
+          <a:xfrm>
+            <a:off x="3131840" y="1556792"/>
+            <a:ext cx="2736304" cy="369332"/>
+          </a:xfrm>
+          <a:prstGeom prst="rect">
+            <a:avLst/>
+          </a:prstGeom>
+          <a:noFill/>
+        </p:spPr>
+        <p:txBody>
+          <a:bodyPr wrap="square" rtlCol="0">
+            <a:spAutoFit/>
+          </a:bodyPr>
+          <a:lstStyle/>
+          <a:p>
+            <a:r>
+              <a:rPr lang="de-DE" b="1" dirty="0" smtClean="0"/>
+              <a:t>Szenen und Objekte</a:t>
+            </a:r>
+            <a:endParaRPr lang="de-DE" b="1" dirty="0"/>
+          </a:p>
+        </p:txBody>
+      </p:sp>
+      <p:sp>
+        <p:nvSpPr>
+          <p:cNvPr id="9" name="Textfeld 8"/>
+          <p:cNvSpPr txBox="1"/>
+          <p:nvPr/>
+        </p:nvSpPr>
+        <p:spPr>
+          <a:xfrm>
+            <a:off x="6012160" y="1556792"/>
+            <a:ext cx="2736304" cy="369332"/>
+          </a:xfrm>
+          <a:prstGeom prst="rect">
+            <a:avLst/>
+          </a:prstGeom>
+          <a:noFill/>
+        </p:spPr>
+        <p:txBody>
+          <a:bodyPr wrap="square" rtlCol="0">
+            <a:spAutoFit/>
+          </a:bodyPr>
+          <a:lstStyle/>
+          <a:p>
+            <a:r>
+              <a:rPr lang="de-DE" b="1" dirty="0" smtClean="0"/>
+              <a:t>Animation</a:t>
+            </a:r>
+            <a:endParaRPr lang="de-DE" b="1" dirty="0"/>
+          </a:p>
+        </p:txBody>
+      </p:sp>
+      <p:sp>
+        <p:nvSpPr>
+          <p:cNvPr id="12" name="Textfeld 11"/>
+          <p:cNvSpPr txBox="1"/>
+          <p:nvPr/>
+        </p:nvSpPr>
+        <p:spPr>
+          <a:xfrm>
+            <a:off x="3131840" y="1907540"/>
+            <a:ext cx="2736304" cy="369332"/>
+          </a:xfrm>
+          <a:prstGeom prst="rect">
+            <a:avLst/>
+          </a:prstGeom>
+          <a:noFill/>
+        </p:spPr>
+        <p:txBody>
+          <a:bodyPr wrap="square" rtlCol="0">
+            <a:spAutoFit/>
+          </a:bodyPr>
+          <a:lstStyle/>
+          <a:p>
+            <a:pPr>
+              <a:buFontTx/>
+              <a:buChar char="-"/>
+            </a:pPr>
+            <a:r>
+              <a:rPr lang="de-DE" dirty="0" smtClean="0"/>
+              <a:t> Banane</a:t>
+            </a:r>
+          </a:p>
+        </p:txBody>
+      </p:sp>
+      <p:sp>
+        <p:nvSpPr>
+          <p:cNvPr id="13" name="Textfeld 12"/>
+          <p:cNvSpPr txBox="1"/>
+          <p:nvPr/>
+        </p:nvSpPr>
+        <p:spPr>
+          <a:xfrm>
+            <a:off x="6012160" y="1907540"/>
+            <a:ext cx="2736304" cy="2031325"/>
+          </a:xfrm>
+          <a:prstGeom prst="rect">
+            <a:avLst/>
+          </a:prstGeom>
+          <a:noFill/>
+        </p:spPr>
+        <p:txBody>
+          <a:bodyPr wrap="square" rtlCol="0">
+            <a:spAutoFit/>
+          </a:bodyPr>
+          <a:lstStyle/>
+          <a:p>
+            <a:pPr>
+              <a:buFontTx/>
+              <a:buChar char="-"/>
+            </a:pPr>
+            <a:r>
+              <a:rPr lang="de-DE" dirty="0" smtClean="0"/>
+              <a:t> Kameraschnitt, </a:t>
+            </a:r>
+          </a:p>
+          <a:p>
+            <a:r>
+              <a:rPr lang="de-DE" dirty="0" smtClean="0"/>
+              <a:t>   </a:t>
+            </a:r>
+            <a:r>
+              <a:rPr lang="de-DE" dirty="0" err="1" smtClean="0"/>
+              <a:t>Eyeperspektive</a:t>
+            </a:r>
+            <a:r>
+              <a:rPr lang="de-DE" dirty="0" smtClean="0"/>
+              <a:t>:</a:t>
+            </a:r>
+          </a:p>
+          <a:p>
+            <a:r>
+              <a:rPr lang="de-DE" dirty="0" smtClean="0"/>
+              <a:t>   Ü-Figur L. </a:t>
+            </a:r>
+          </a:p>
+          <a:p>
+            <a:r>
+              <a:rPr lang="de-DE" dirty="0" smtClean="0"/>
+              <a:t>   blickt Banane hinterher </a:t>
+            </a:r>
+          </a:p>
+          <a:p>
+            <a:r>
+              <a:rPr lang="de-DE" dirty="0" smtClean="0"/>
+              <a:t>   ins schwarz</a:t>
+            </a:r>
+          </a:p>
+          <a:p>
+            <a:endParaRPr lang="de-DE" dirty="0" smtClean="0"/>
+          </a:p>
+          <a:p>
+            <a:r>
+              <a:rPr lang="de-DE" dirty="0" smtClean="0"/>
+              <a:t>-&gt; Übergang Abspann</a:t>
+            </a:r>
+          </a:p>
+        </p:txBody>
+      </p:sp>
       <p:pic>
         <p:nvPicPr>
-          <p:cNvPr id="7" name="Grafik 6" descr="6.JPG"/>
+          <p:cNvPr id="14" name="Grafik 13" descr="6.JPG"/>
           <p:cNvPicPr>
             <a:picLocks noChangeAspect="1"/>
           </p:cNvPicPr>
           <p:nvPr/>
         </p:nvPicPr>
         <p:blipFill>
-          <a:blip r:embed="rId3" cstate="print"/>
+          <a:blip r:embed="rId4" cstate="print"/>
           <a:stretch>
             <a:fillRect/>
           </a:stretch>
         </p:blipFill>
         <p:spPr>
           <a:xfrm>
-            <a:off x="395536" y="1844824"/>
-            <a:ext cx="2437297" cy="4320000"/>
+            <a:off x="539832" y="1916832"/>
+            <a:ext cx="2520000" cy="1379431"/>
           </a:xfrm>
           <a:prstGeom prst="rect">
             <a:avLst/>
@@ -7529,14 +8394,14 @@
       </p:pic>
       <p:sp>
         <p:nvSpPr>
-          <p:cNvPr id="8" name="Textfeld 7"/>
+          <p:cNvPr id="15" name="Textfeld 14"/>
           <p:cNvSpPr txBox="1"/>
           <p:nvPr/>
         </p:nvSpPr>
         <p:spPr>
           <a:xfrm>
-            <a:off x="2915816" y="1556792"/>
-            <a:ext cx="2736304" cy="369332"/>
+            <a:off x="0" y="1916832"/>
+            <a:ext cx="683568" cy="369332"/>
           </a:xfrm>
           <a:prstGeom prst="rect">
             <a:avLst/>
@@ -7550,274 +8415,18 @@
           <a:lstStyle/>
           <a:p>
             <a:r>
-              <a:rPr lang="de-DE" b="1" dirty="0" smtClean="0"/>
-              <a:t>Objekte</a:t>
-            </a:r>
-            <a:endParaRPr lang="de-DE" b="1" dirty="0"/>
-          </a:p>
-        </p:txBody>
-      </p:sp>
-      <p:sp>
-        <p:nvSpPr>
-          <p:cNvPr id="9" name="Textfeld 8"/>
-          <p:cNvSpPr txBox="1"/>
-          <p:nvPr/>
-        </p:nvSpPr>
-        <p:spPr>
-          <a:xfrm>
-            <a:off x="5796136" y="1556792"/>
-            <a:ext cx="2736304" cy="369332"/>
-          </a:xfrm>
-          <a:prstGeom prst="rect">
-            <a:avLst/>
-          </a:prstGeom>
-          <a:noFill/>
-        </p:spPr>
-        <p:txBody>
-          <a:bodyPr wrap="square" rtlCol="0">
-            <a:spAutoFit/>
-          </a:bodyPr>
-          <a:lstStyle/>
-          <a:p>
-            <a:r>
-              <a:rPr lang="de-DE" b="1" dirty="0" smtClean="0"/>
-              <a:t>Animation</a:t>
-            </a:r>
-            <a:endParaRPr lang="de-DE" b="1" dirty="0"/>
-          </a:p>
-        </p:txBody>
-      </p:sp>
-      <p:sp>
-        <p:nvSpPr>
-          <p:cNvPr id="12" name="Textfeld 11"/>
-          <p:cNvSpPr txBox="1"/>
-          <p:nvPr/>
-        </p:nvSpPr>
-        <p:spPr>
-          <a:xfrm>
-            <a:off x="2915816" y="1907540"/>
-            <a:ext cx="2736304" cy="3970318"/>
-          </a:xfrm>
-          <a:prstGeom prst="rect">
-            <a:avLst/>
-          </a:prstGeom>
-          <a:noFill/>
-        </p:spPr>
-        <p:txBody>
-          <a:bodyPr wrap="square" rtlCol="0">
-            <a:spAutoFit/>
-          </a:bodyPr>
-          <a:lstStyle/>
-          <a:p>
-            <a:pPr>
-              <a:buFontTx/>
-              <a:buChar char="-"/>
-            </a:pPr>
-            <a:r>
-              <a:rPr lang="de-DE" dirty="0" smtClean="0"/>
-              <a:t> Ü-Figuren</a:t>
-            </a:r>
-          </a:p>
-          <a:p>
-            <a:pPr>
-              <a:buFontTx/>
-              <a:buChar char="-"/>
-            </a:pPr>
-            <a:r>
-              <a:rPr lang="de-DE" dirty="0" smtClean="0"/>
-              <a:t> Urwald</a:t>
-            </a:r>
-          </a:p>
-          <a:p>
-            <a:endParaRPr lang="de-DE" dirty="0" smtClean="0"/>
-          </a:p>
-          <a:p>
-            <a:endParaRPr lang="de-DE" dirty="0" smtClean="0"/>
-          </a:p>
-          <a:p>
-            <a:endParaRPr lang="de-DE" dirty="0" smtClean="0"/>
-          </a:p>
-          <a:p>
-            <a:pPr>
-              <a:buFontTx/>
-              <a:buChar char="-"/>
-            </a:pPr>
-            <a:r>
-              <a:rPr lang="de-DE" smtClean="0"/>
-              <a:t> </a:t>
-            </a:r>
-            <a:r>
-              <a:rPr lang="de-DE" dirty="0" smtClean="0"/>
-              <a:t>Ü-Figuren</a:t>
-            </a:r>
-          </a:p>
-          <a:p>
-            <a:pPr>
-              <a:buFontTx/>
-              <a:buChar char="-"/>
-            </a:pPr>
-            <a:r>
-              <a:rPr lang="de-DE" dirty="0" smtClean="0"/>
-              <a:t> Urwald</a:t>
-            </a:r>
-          </a:p>
-          <a:p>
-            <a:pPr>
-              <a:buFontTx/>
-              <a:buChar char="-"/>
-            </a:pPr>
-            <a:endParaRPr lang="de-DE" dirty="0" smtClean="0"/>
-          </a:p>
-          <a:p>
-            <a:pPr>
-              <a:buFontTx/>
-              <a:buChar char="-"/>
-            </a:pPr>
-            <a:endParaRPr lang="de-DE" dirty="0" smtClean="0"/>
-          </a:p>
-          <a:p>
-            <a:pPr>
-              <a:buFontTx/>
-              <a:buChar char="-"/>
-            </a:pPr>
-            <a:endParaRPr lang="de-DE" dirty="0" smtClean="0"/>
-          </a:p>
-          <a:p>
-            <a:endParaRPr lang="de-DE" dirty="0" smtClean="0"/>
-          </a:p>
-          <a:p>
-            <a:pPr>
-              <a:buFontTx/>
-              <a:buChar char="-"/>
-            </a:pPr>
-            <a:r>
-              <a:rPr lang="de-DE" dirty="0" smtClean="0"/>
-              <a:t> Ü-Figuren</a:t>
-            </a:r>
-          </a:p>
-          <a:p>
-            <a:pPr>
-              <a:buFontTx/>
-              <a:buChar char="-"/>
-            </a:pPr>
-            <a:r>
-              <a:rPr lang="de-DE" dirty="0" smtClean="0"/>
-              <a:t> Urwald</a:t>
-            </a:r>
-          </a:p>
-          <a:p>
-            <a:endParaRPr lang="de-DE" dirty="0" smtClean="0"/>
-          </a:p>
-        </p:txBody>
-      </p:sp>
-      <p:sp>
-        <p:nvSpPr>
-          <p:cNvPr id="13" name="Textfeld 12"/>
-          <p:cNvSpPr txBox="1"/>
-          <p:nvPr/>
-        </p:nvSpPr>
-        <p:spPr>
-          <a:xfrm>
-            <a:off x="5796136" y="1907540"/>
-            <a:ext cx="2736304" cy="3693319"/>
-          </a:xfrm>
-          <a:prstGeom prst="rect">
-            <a:avLst/>
-          </a:prstGeom>
-          <a:noFill/>
-        </p:spPr>
-        <p:txBody>
-          <a:bodyPr wrap="square" rtlCol="0">
-            <a:spAutoFit/>
-          </a:bodyPr>
-          <a:lstStyle/>
-          <a:p>
-            <a:pPr>
-              <a:buFontTx/>
-              <a:buChar char="-"/>
-            </a:pPr>
-            <a:r>
-              <a:rPr lang="de-DE" dirty="0" smtClean="0"/>
-              <a:t> Ü-Figur Eisenacher </a:t>
-            </a:r>
-          </a:p>
-          <a:p>
-            <a:r>
-              <a:rPr lang="de-DE" dirty="0" smtClean="0"/>
-              <a:t>   bewegt sich (trinkt)</a:t>
-            </a:r>
-          </a:p>
-          <a:p>
-            <a:endParaRPr lang="de-DE" dirty="0" smtClean="0"/>
-          </a:p>
-          <a:p>
-            <a:endParaRPr lang="de-DE" dirty="0" smtClean="0"/>
-          </a:p>
-          <a:p>
-            <a:endParaRPr lang="de-DE" dirty="0" smtClean="0"/>
-          </a:p>
-          <a:p>
-            <a:pPr>
-              <a:buFontTx/>
-              <a:buChar char="-"/>
-            </a:pPr>
-            <a:r>
-              <a:rPr lang="de-DE" dirty="0" smtClean="0"/>
-              <a:t> Ü-Figuren Lippold / </a:t>
-            </a:r>
-          </a:p>
-          <a:p>
-            <a:r>
-              <a:rPr lang="de-DE" dirty="0" smtClean="0"/>
-              <a:t>   </a:t>
-            </a:r>
-            <a:r>
-              <a:rPr lang="de-DE" dirty="0" err="1" smtClean="0"/>
-              <a:t>Reintanz</a:t>
-            </a:r>
-            <a:r>
-              <a:rPr lang="de-DE" dirty="0" smtClean="0"/>
-              <a:t> bewegen sich   </a:t>
-            </a:r>
-          </a:p>
-          <a:p>
-            <a:r>
-              <a:rPr lang="de-DE" dirty="0" smtClean="0"/>
-              <a:t>   auf andere Figur zu</a:t>
-            </a:r>
-          </a:p>
-          <a:p>
-            <a:endParaRPr lang="de-DE" dirty="0" smtClean="0"/>
-          </a:p>
-          <a:p>
-            <a:endParaRPr lang="de-DE" dirty="0" smtClean="0"/>
-          </a:p>
-          <a:p>
-            <a:pPr>
-              <a:buFontTx/>
-              <a:buChar char="-"/>
-            </a:pPr>
-            <a:endParaRPr lang="de-DE" dirty="0" smtClean="0"/>
-          </a:p>
-          <a:p>
-            <a:pPr>
-              <a:buFontTx/>
-              <a:buChar char="-"/>
-            </a:pPr>
-            <a:r>
-              <a:rPr lang="de-DE" dirty="0" smtClean="0"/>
-              <a:t> Ü-Figuren entfernen sich</a:t>
-            </a:r>
-          </a:p>
-          <a:p>
-            <a:pPr>
-              <a:buFontTx/>
-              <a:buChar char="-"/>
-            </a:pPr>
-            <a:r>
-              <a:rPr lang="de-DE" dirty="0" smtClean="0"/>
-              <a:t> Kamera folgt ihnen</a:t>
-            </a:r>
+              <a:rPr lang="de-DE" dirty="0" smtClean="0">
+                <a:solidFill>
+                  <a:srgbClr val="FF0000"/>
+                </a:solidFill>
+              </a:rPr>
+              <a:t>#13</a:t>
+            </a:r>
+            <a:endParaRPr lang="de-DE" dirty="0">
+              <a:solidFill>
+                <a:srgbClr val="FF0000"/>
+              </a:solidFill>
+            </a:endParaRPr>
           </a:p>
         </p:txBody>
       </p:sp>
@@ -7941,7 +8550,7 @@
                     <a:schemeClr val="bg1"/>
                   </a:solidFill>
                 </a:rPr>
-                <a:t>08</a:t>
+                <a:t>10</a:t>
               </a:r>
               <a:endParaRPr lang="de-DE" dirty="0">
                 <a:solidFill>
@@ -7998,12 +8607,12 @@
           <a:lstStyle/>
           <a:p>
             <a:r>
-              <a:rPr lang="de-DE" dirty="0" err="1" smtClean="0">
+              <a:rPr lang="de-DE" dirty="0" smtClean="0">
                 <a:solidFill>
                   <a:schemeClr val="bg1"/>
                 </a:solidFill>
               </a:rPr>
-              <a:t>Storyboard</a:t>
+              <a:t>Zeitplanung</a:t>
             </a:r>
             <a:endParaRPr lang="de-DE" dirty="0">
               <a:solidFill>
@@ -8015,288 +8624,36 @@
       </p:sp>
       <p:pic>
         <p:nvPicPr>
-          <p:cNvPr id="7" name="Grafik 6" descr="7.JPG"/>
+          <p:cNvPr id="1026" name="Picture 2"/>
           <p:cNvPicPr>
-            <a:picLocks noChangeAspect="1"/>
+            <a:picLocks noChangeAspect="1" noChangeArrowheads="1"/>
           </p:cNvPicPr>
           <p:nvPr/>
         </p:nvPicPr>
         <p:blipFill>
           <a:blip r:embed="rId3" cstate="print"/>
+          <a:srcRect l="6197" t="16400" r="37104" b="9051"/>
           <a:stretch>
             <a:fillRect/>
           </a:stretch>
         </p:blipFill>
-        <p:spPr>
-          <a:xfrm>
-            <a:off x="323528" y="1916832"/>
-            <a:ext cx="2556055" cy="4320000"/>
-          </a:xfrm>
-          <a:prstGeom prst="rect">
-            <a:avLst/>
-          </a:prstGeom>
-        </p:spPr>
-      </p:pic>
-      <p:sp>
-        <p:nvSpPr>
-          <p:cNvPr id="8" name="Textfeld 7"/>
-          <p:cNvSpPr txBox="1"/>
-          <p:nvPr/>
-        </p:nvSpPr>
-        <p:spPr>
-          <a:xfrm>
-            <a:off x="2915816" y="1556792"/>
-            <a:ext cx="2736304" cy="369332"/>
+        <p:spPr bwMode="auto">
+          <a:xfrm>
+            <a:off x="1403648" y="1556792"/>
+            <a:ext cx="6912768" cy="5112568"/>
           </a:xfrm>
           <a:prstGeom prst="rect">
             <a:avLst/>
           </a:prstGeom>
           <a:noFill/>
-        </p:spPr>
-        <p:txBody>
-          <a:bodyPr wrap="square" rtlCol="0">
-            <a:spAutoFit/>
-          </a:bodyPr>
-          <a:lstStyle/>
-          <a:p>
-            <a:r>
-              <a:rPr lang="de-DE" b="1" dirty="0" smtClean="0"/>
-              <a:t>Objekte</a:t>
-            </a:r>
-            <a:endParaRPr lang="de-DE" b="1" dirty="0"/>
-          </a:p>
-        </p:txBody>
-      </p:sp>
-      <p:sp>
-        <p:nvSpPr>
-          <p:cNvPr id="9" name="Textfeld 8"/>
-          <p:cNvSpPr txBox="1"/>
-          <p:nvPr/>
-        </p:nvSpPr>
-        <p:spPr>
-          <a:xfrm>
-            <a:off x="5796136" y="1556792"/>
-            <a:ext cx="2736304" cy="369332"/>
-          </a:xfrm>
-          <a:prstGeom prst="rect">
-            <a:avLst/>
-          </a:prstGeom>
-          <a:noFill/>
-        </p:spPr>
-        <p:txBody>
-          <a:bodyPr wrap="square" rtlCol="0">
-            <a:spAutoFit/>
-          </a:bodyPr>
-          <a:lstStyle/>
-          <a:p>
-            <a:r>
-              <a:rPr lang="de-DE" b="1" dirty="0" smtClean="0"/>
-              <a:t>Animation</a:t>
-            </a:r>
-            <a:endParaRPr lang="de-DE" b="1" dirty="0"/>
-          </a:p>
-        </p:txBody>
-      </p:sp>
-      <p:sp>
-        <p:nvSpPr>
-          <p:cNvPr id="12" name="Textfeld 11"/>
-          <p:cNvSpPr txBox="1"/>
-          <p:nvPr/>
-        </p:nvSpPr>
-        <p:spPr>
-          <a:xfrm>
-            <a:off x="2915816" y="1907540"/>
-            <a:ext cx="2736304" cy="3693319"/>
-          </a:xfrm>
-          <a:prstGeom prst="rect">
-            <a:avLst/>
-          </a:prstGeom>
-          <a:noFill/>
-        </p:spPr>
-        <p:txBody>
-          <a:bodyPr wrap="square" rtlCol="0">
-            <a:spAutoFit/>
-          </a:bodyPr>
-          <a:lstStyle/>
-          <a:p>
-            <a:pPr>
-              <a:buFontTx/>
-              <a:buChar char="-"/>
-            </a:pPr>
-            <a:r>
-              <a:rPr lang="de-DE" dirty="0" smtClean="0"/>
-              <a:t> Urwald</a:t>
-            </a:r>
-          </a:p>
-          <a:p>
-            <a:pPr>
-              <a:buFontTx/>
-              <a:buChar char="-"/>
-            </a:pPr>
-            <a:r>
-              <a:rPr lang="de-DE" dirty="0" smtClean="0"/>
-              <a:t> 9 ¾ Baum</a:t>
-            </a:r>
-          </a:p>
-          <a:p>
-            <a:endParaRPr lang="de-DE" dirty="0" smtClean="0"/>
-          </a:p>
-          <a:p>
-            <a:endParaRPr lang="de-DE" dirty="0" smtClean="0"/>
-          </a:p>
-          <a:p>
-            <a:endParaRPr lang="de-DE" dirty="0" smtClean="0"/>
-          </a:p>
-          <a:p>
-            <a:endParaRPr lang="de-DE" dirty="0" smtClean="0"/>
-          </a:p>
-          <a:p>
-            <a:pPr>
-              <a:buFontTx/>
-              <a:buChar char="-"/>
-            </a:pPr>
-            <a:r>
-              <a:rPr lang="de-DE" dirty="0" smtClean="0"/>
-              <a:t> Urwald</a:t>
-            </a:r>
-          </a:p>
-          <a:p>
-            <a:pPr>
-              <a:buFontTx/>
-              <a:buChar char="-"/>
-            </a:pPr>
-            <a:r>
-              <a:rPr lang="de-DE" dirty="0" smtClean="0"/>
-              <a:t> 9 ¾ Baum</a:t>
-            </a:r>
-          </a:p>
-          <a:p>
-            <a:pPr>
-              <a:buFontTx/>
-              <a:buChar char="-"/>
-            </a:pPr>
-            <a:r>
-              <a:rPr lang="de-DE" dirty="0" smtClean="0"/>
-              <a:t> Ü-Figuren</a:t>
-            </a:r>
-          </a:p>
-          <a:p>
-            <a:pPr>
-              <a:buFontTx/>
-              <a:buChar char="-"/>
-            </a:pPr>
-            <a:endParaRPr lang="de-DE" dirty="0" smtClean="0"/>
-          </a:p>
-          <a:p>
-            <a:pPr>
-              <a:buFontTx/>
-              <a:buChar char="-"/>
-            </a:pPr>
-            <a:endParaRPr lang="de-DE" dirty="0" smtClean="0"/>
-          </a:p>
-          <a:p>
-            <a:pPr>
-              <a:buFontTx/>
-              <a:buChar char="-"/>
-            </a:pPr>
-            <a:endParaRPr lang="de-DE" dirty="0" smtClean="0"/>
-          </a:p>
-          <a:p>
-            <a:pPr>
-              <a:buFontTx/>
-              <a:buChar char="-"/>
-            </a:pPr>
-            <a:r>
-              <a:rPr lang="de-DE" dirty="0" smtClean="0"/>
-              <a:t> Ü-Figur Lippold</a:t>
-            </a:r>
-          </a:p>
-        </p:txBody>
-      </p:sp>
-      <p:sp>
-        <p:nvSpPr>
-          <p:cNvPr id="13" name="Textfeld 12"/>
-          <p:cNvSpPr txBox="1"/>
-          <p:nvPr/>
-        </p:nvSpPr>
-        <p:spPr>
-          <a:xfrm>
-            <a:off x="5796136" y="1907540"/>
-            <a:ext cx="2736304" cy="3970318"/>
-          </a:xfrm>
-          <a:prstGeom prst="rect">
-            <a:avLst/>
-          </a:prstGeom>
-          <a:noFill/>
-        </p:spPr>
-        <p:txBody>
-          <a:bodyPr wrap="square" rtlCol="0">
-            <a:spAutoFit/>
-          </a:bodyPr>
-          <a:lstStyle/>
-          <a:p>
-            <a:endParaRPr lang="de-DE" dirty="0" smtClean="0"/>
-          </a:p>
-          <a:p>
-            <a:endParaRPr lang="de-DE" dirty="0" smtClean="0"/>
-          </a:p>
-          <a:p>
-            <a:endParaRPr lang="de-DE" dirty="0" smtClean="0"/>
-          </a:p>
-          <a:p>
-            <a:endParaRPr lang="de-DE" dirty="0" smtClean="0"/>
-          </a:p>
-          <a:p>
-            <a:endParaRPr lang="de-DE" dirty="0" smtClean="0"/>
-          </a:p>
-          <a:p>
-            <a:endParaRPr lang="de-DE" dirty="0" smtClean="0"/>
-          </a:p>
-          <a:p>
-            <a:pPr>
-              <a:buFontTx/>
-              <a:buChar char="-"/>
-            </a:pPr>
-            <a:r>
-              <a:rPr lang="de-DE" dirty="0" smtClean="0"/>
-              <a:t> Ü-Figuren gehen in das </a:t>
-            </a:r>
-          </a:p>
-          <a:p>
-            <a:r>
-              <a:rPr lang="de-DE" dirty="0" smtClean="0"/>
-              <a:t>   Loch im Baum</a:t>
-            </a:r>
-          </a:p>
-          <a:p>
-            <a:endParaRPr lang="de-DE" dirty="0" smtClean="0"/>
-          </a:p>
-          <a:p>
-            <a:pPr>
-              <a:buFontTx/>
-              <a:buChar char="-"/>
-            </a:pPr>
-            <a:endParaRPr lang="de-DE" dirty="0" smtClean="0"/>
-          </a:p>
-          <a:p>
-            <a:pPr>
-              <a:buFontTx/>
-              <a:buChar char="-"/>
-            </a:pPr>
-            <a:endParaRPr lang="de-DE" dirty="0" smtClean="0"/>
-          </a:p>
-          <a:p>
-            <a:pPr>
-              <a:buFontTx/>
-              <a:buChar char="-"/>
-            </a:pPr>
-            <a:r>
-              <a:rPr lang="de-DE" dirty="0" smtClean="0"/>
-              <a:t> Ü-Figur Lippold verschwindet im schwarzen</a:t>
-            </a:r>
-          </a:p>
-        </p:txBody>
-      </p:sp>
+          <a:ln w="9525">
+            <a:noFill/>
+            <a:miter lim="800000"/>
+            <a:headEnd/>
+            <a:tailEnd/>
+          </a:ln>
+        </p:spPr>
+      </p:pic>
     </p:spTree>
   </p:cSld>
   <p:clrMapOvr>

--- a/00_Organsiatorisches/Pixie‘s großes Abenteuer.pptx
+++ b/00_Organsiatorisches/Pixie‘s großes Abenteuer.pptx
@@ -520,9 +520,158 @@
             </a:r>
             <a:r>
               <a:rPr lang="de-DE" dirty="0" smtClean="0"/>
-              <a:t> stehen links vor den Bildern</a:t>
-            </a:r>
-            <a:endParaRPr lang="de-DE" dirty="0"/>
+              <a:t> stehen links vor den Bildern (#0)</a:t>
+            </a:r>
+          </a:p>
+          <a:p>
+            <a:endParaRPr lang="de-DE" dirty="0" smtClean="0"/>
+          </a:p>
+          <a:p>
+            <a:r>
+              <a:rPr lang="de-DE" dirty="0" smtClean="0"/>
+              <a:t>*</a:t>
+            </a:r>
+          </a:p>
+          <a:p>
+            <a:r>
+              <a:rPr lang="de-DE" dirty="0" smtClean="0"/>
+              <a:t>Objekte in der Pixelwelt-Szene:</a:t>
+            </a:r>
+          </a:p>
+          <a:p>
+            <a:pPr>
+              <a:buFontTx/>
+              <a:buChar char="-"/>
+            </a:pPr>
+            <a:r>
+              <a:rPr lang="de-DE" baseline="0" dirty="0" smtClean="0"/>
+              <a:t>einzelne Pixelelemente</a:t>
+            </a:r>
+          </a:p>
+          <a:p>
+            <a:pPr>
+              <a:buFontTx/>
+              <a:buChar char="-"/>
+            </a:pPr>
+            <a:endParaRPr lang="de-DE" baseline="0" dirty="0" smtClean="0"/>
+          </a:p>
+          <a:p>
+            <a:r>
+              <a:rPr lang="de-DE" dirty="0" smtClean="0"/>
+              <a:t>Objekte in der Urwald-Szene:</a:t>
+            </a:r>
+          </a:p>
+          <a:p>
+            <a:pPr>
+              <a:buFontTx/>
+              <a:buChar char="-"/>
+            </a:pPr>
+            <a:r>
+              <a:rPr lang="de-DE" baseline="0" dirty="0" smtClean="0"/>
+              <a:t> Bäume</a:t>
+            </a:r>
+          </a:p>
+          <a:p>
+            <a:pPr>
+              <a:buFontTx/>
+              <a:buChar char="-"/>
+            </a:pPr>
+            <a:r>
+              <a:rPr lang="de-DE" baseline="0" dirty="0" smtClean="0"/>
+              <a:t> Pflanzen</a:t>
+            </a:r>
+          </a:p>
+          <a:p>
+            <a:pPr>
+              <a:buFontTx/>
+              <a:buChar char="-"/>
+            </a:pPr>
+            <a:r>
+              <a:rPr lang="de-DE" baseline="0" dirty="0" smtClean="0"/>
+              <a:t> Vögel</a:t>
+            </a:r>
+          </a:p>
+          <a:p>
+            <a:pPr>
+              <a:buFontTx/>
+              <a:buChar char="-"/>
+            </a:pPr>
+            <a:r>
+              <a:rPr lang="de-DE" baseline="0" dirty="0" smtClean="0"/>
+              <a:t> Tiere</a:t>
+            </a:r>
+          </a:p>
+          <a:p>
+            <a:pPr>
+              <a:buFontTx/>
+              <a:buChar char="-"/>
+            </a:pPr>
+            <a:r>
+              <a:rPr lang="de-DE" baseline="0" dirty="0" smtClean="0"/>
+              <a:t> Fluss </a:t>
+            </a:r>
+          </a:p>
+          <a:p>
+            <a:pPr>
+              <a:buFontTx/>
+              <a:buChar char="-"/>
+            </a:pPr>
+            <a:r>
+              <a:rPr lang="de-DE" baseline="0" dirty="0" smtClean="0"/>
+              <a:t> Wasserfall</a:t>
+            </a:r>
+          </a:p>
+          <a:p>
+            <a:pPr>
+              <a:buFontTx/>
+              <a:buChar char="-"/>
+            </a:pPr>
+            <a:r>
+              <a:rPr lang="de-DE" baseline="0" dirty="0" smtClean="0"/>
+              <a:t> Berge</a:t>
+            </a:r>
+          </a:p>
+          <a:p>
+            <a:pPr>
+              <a:buFontTx/>
+              <a:buChar char="-"/>
+            </a:pPr>
+            <a:r>
+              <a:rPr lang="de-DE" baseline="0" dirty="0" smtClean="0"/>
+              <a:t> Felsen</a:t>
+            </a:r>
+          </a:p>
+          <a:p>
+            <a:pPr>
+              <a:buFontTx/>
+              <a:buChar char="-"/>
+            </a:pPr>
+            <a:r>
+              <a:rPr lang="de-DE" baseline="0" dirty="0" smtClean="0"/>
+              <a:t> Gras</a:t>
+            </a:r>
+            <a:endParaRPr lang="de-DE" dirty="0" smtClean="0"/>
+          </a:p>
+          <a:p>
+            <a:pPr>
+              <a:buFontTx/>
+              <a:buChar char="-"/>
+            </a:pPr>
+            <a:endParaRPr lang="de-DE" dirty="0" smtClean="0"/>
+          </a:p>
+          <a:p>
+            <a:pPr>
+              <a:buFontTx/>
+              <a:buChar char="-"/>
+            </a:pPr>
+            <a:endParaRPr lang="de-DE" baseline="0" dirty="0" smtClean="0"/>
+          </a:p>
+          <a:p>
+            <a:pPr>
+              <a:buFontTx/>
+              <a:buChar char="-"/>
+            </a:pPr>
+            <a:endParaRPr lang="de-DE" baseline="0" dirty="0" smtClean="0"/>
           </a:p>
         </p:txBody>
       </p:sp>
@@ -604,34 +753,164 @@
           </a:bodyPr>
           <a:lstStyle/>
           <a:p>
-            <a:pPr marL="0" marR="0" indent="0" algn="l" defTabSz="914400" rtl="0" eaLnBrk="1" fontAlgn="auto" latinLnBrk="0" hangingPunct="1">
-              <a:lnSpc>
-                <a:spcPct val="100000"/>
-              </a:lnSpc>
-              <a:spcBef>
-                <a:spcPts val="0"/>
-              </a:spcBef>
-              <a:spcAft>
-                <a:spcPts val="0"/>
-              </a:spcAft>
-              <a:buClrTx/>
-              <a:buSzTx/>
-              <a:buFontTx/>
-              <a:buNone/>
-              <a:tabLst/>
-              <a:defRPr/>
-            </a:pPr>
             <a:r>
               <a:rPr lang="de-DE" dirty="0" err="1" smtClean="0"/>
               <a:t>Shots</a:t>
             </a:r>
             <a:r>
               <a:rPr lang="de-DE" dirty="0" smtClean="0"/>
-              <a:t> stehen links vor den Bildern</a:t>
-            </a:r>
-          </a:p>
-          <a:p>
-            <a:endParaRPr lang="de-DE" dirty="0"/>
+              <a:t> stehen links vor den Bildern (#0)</a:t>
+            </a:r>
+          </a:p>
+          <a:p>
+            <a:endParaRPr lang="de-DE" dirty="0" smtClean="0"/>
+          </a:p>
+          <a:p>
+            <a:r>
+              <a:rPr lang="de-DE" dirty="0" smtClean="0"/>
+              <a:t>*</a:t>
+            </a:r>
+          </a:p>
+          <a:p>
+            <a:r>
+              <a:rPr lang="de-DE" dirty="0" smtClean="0"/>
+              <a:t>Objekte in der Pixelwelt-Szene:</a:t>
+            </a:r>
+          </a:p>
+          <a:p>
+            <a:pPr>
+              <a:buFontTx/>
+              <a:buChar char="-"/>
+            </a:pPr>
+            <a:r>
+              <a:rPr lang="de-DE" baseline="0" dirty="0" smtClean="0"/>
+              <a:t>einzelne Pixelelemente</a:t>
+            </a:r>
+          </a:p>
+          <a:p>
+            <a:pPr>
+              <a:buFontTx/>
+              <a:buChar char="-"/>
+            </a:pPr>
+            <a:endParaRPr lang="de-DE" baseline="0" dirty="0" smtClean="0"/>
+          </a:p>
+          <a:p>
+            <a:r>
+              <a:rPr lang="de-DE" dirty="0" smtClean="0"/>
+              <a:t>Objekte in der Urwald-Szene:</a:t>
+            </a:r>
+          </a:p>
+          <a:p>
+            <a:pPr>
+              <a:buFontTx/>
+              <a:buChar char="-"/>
+            </a:pPr>
+            <a:r>
+              <a:rPr lang="de-DE" baseline="0" dirty="0" smtClean="0"/>
+              <a:t> Bäume</a:t>
+            </a:r>
+          </a:p>
+          <a:p>
+            <a:pPr>
+              <a:buFontTx/>
+              <a:buChar char="-"/>
+            </a:pPr>
+            <a:r>
+              <a:rPr lang="de-DE" baseline="0" dirty="0" smtClean="0"/>
+              <a:t> Pflanzen</a:t>
+            </a:r>
+          </a:p>
+          <a:p>
+            <a:pPr>
+              <a:buFontTx/>
+              <a:buChar char="-"/>
+            </a:pPr>
+            <a:r>
+              <a:rPr lang="de-DE" baseline="0" dirty="0" smtClean="0"/>
+              <a:t> Vögel</a:t>
+            </a:r>
+          </a:p>
+          <a:p>
+            <a:pPr>
+              <a:buFontTx/>
+              <a:buChar char="-"/>
+            </a:pPr>
+            <a:r>
+              <a:rPr lang="de-DE" baseline="0" dirty="0" smtClean="0"/>
+              <a:t> Tiere</a:t>
+            </a:r>
+          </a:p>
+          <a:p>
+            <a:pPr>
+              <a:buFontTx/>
+              <a:buChar char="-"/>
+            </a:pPr>
+            <a:r>
+              <a:rPr lang="de-DE" baseline="0" dirty="0" smtClean="0"/>
+              <a:t> Fluss </a:t>
+            </a:r>
+          </a:p>
+          <a:p>
+            <a:pPr>
+              <a:buFontTx/>
+              <a:buChar char="-"/>
+            </a:pPr>
+            <a:r>
+              <a:rPr lang="de-DE" baseline="0" dirty="0" smtClean="0"/>
+              <a:t> Wasserfall</a:t>
+            </a:r>
+          </a:p>
+          <a:p>
+            <a:pPr>
+              <a:buFontTx/>
+              <a:buChar char="-"/>
+            </a:pPr>
+            <a:r>
+              <a:rPr lang="de-DE" baseline="0" dirty="0" smtClean="0"/>
+              <a:t> Berge</a:t>
+            </a:r>
+          </a:p>
+          <a:p>
+            <a:pPr>
+              <a:buFontTx/>
+              <a:buChar char="-"/>
+            </a:pPr>
+            <a:r>
+              <a:rPr lang="de-DE" baseline="0" dirty="0" smtClean="0"/>
+              <a:t> Felsen</a:t>
+            </a:r>
+          </a:p>
+          <a:p>
+            <a:pPr>
+              <a:buFontTx/>
+              <a:buChar char="-"/>
+            </a:pPr>
+            <a:r>
+              <a:rPr lang="de-DE" baseline="0" dirty="0" smtClean="0"/>
+              <a:t> Gras</a:t>
+            </a:r>
+            <a:endParaRPr lang="de-DE" dirty="0" smtClean="0"/>
+          </a:p>
+          <a:p>
+            <a:pPr>
+              <a:buFontTx/>
+              <a:buChar char="-"/>
+            </a:pPr>
+            <a:endParaRPr lang="de-DE" dirty="0" smtClean="0"/>
+          </a:p>
+          <a:p>
+            <a:pPr>
+              <a:buFontTx/>
+              <a:buChar char="-"/>
+            </a:pPr>
+            <a:endParaRPr lang="de-DE" baseline="0" dirty="0" smtClean="0"/>
+          </a:p>
+          <a:p>
+            <a:pPr>
+              <a:buFontTx/>
+              <a:buChar char="-"/>
+            </a:pPr>
+            <a:endParaRPr lang="de-DE" baseline="0" dirty="0" smtClean="0"/>
           </a:p>
         </p:txBody>
       </p:sp>
@@ -713,34 +992,164 @@
           </a:bodyPr>
           <a:lstStyle/>
           <a:p>
-            <a:pPr marL="0" marR="0" indent="0" algn="l" defTabSz="914400" rtl="0" eaLnBrk="1" fontAlgn="auto" latinLnBrk="0" hangingPunct="1">
-              <a:lnSpc>
-                <a:spcPct val="100000"/>
-              </a:lnSpc>
-              <a:spcBef>
-                <a:spcPts val="0"/>
-              </a:spcBef>
-              <a:spcAft>
-                <a:spcPts val="0"/>
-              </a:spcAft>
-              <a:buClrTx/>
-              <a:buSzTx/>
-              <a:buFontTx/>
-              <a:buNone/>
-              <a:tabLst/>
-              <a:defRPr/>
-            </a:pPr>
             <a:r>
               <a:rPr lang="de-DE" dirty="0" err="1" smtClean="0"/>
               <a:t>Shots</a:t>
             </a:r>
             <a:r>
               <a:rPr lang="de-DE" dirty="0" smtClean="0"/>
-              <a:t> stehen links vor den Bildern</a:t>
-            </a:r>
-          </a:p>
-          <a:p>
-            <a:endParaRPr lang="de-DE" dirty="0"/>
+              <a:t> stehen links vor den Bildern (#0)</a:t>
+            </a:r>
+          </a:p>
+          <a:p>
+            <a:endParaRPr lang="de-DE" dirty="0" smtClean="0"/>
+          </a:p>
+          <a:p>
+            <a:r>
+              <a:rPr lang="de-DE" dirty="0" smtClean="0"/>
+              <a:t>*</a:t>
+            </a:r>
+          </a:p>
+          <a:p>
+            <a:r>
+              <a:rPr lang="de-DE" dirty="0" smtClean="0"/>
+              <a:t>Objekte in der Pixelwelt-Szene:</a:t>
+            </a:r>
+          </a:p>
+          <a:p>
+            <a:pPr>
+              <a:buFontTx/>
+              <a:buChar char="-"/>
+            </a:pPr>
+            <a:r>
+              <a:rPr lang="de-DE" baseline="0" dirty="0" smtClean="0"/>
+              <a:t>einzelne Pixelelemente</a:t>
+            </a:r>
+          </a:p>
+          <a:p>
+            <a:pPr>
+              <a:buFontTx/>
+              <a:buChar char="-"/>
+            </a:pPr>
+            <a:endParaRPr lang="de-DE" baseline="0" dirty="0" smtClean="0"/>
+          </a:p>
+          <a:p>
+            <a:r>
+              <a:rPr lang="de-DE" dirty="0" smtClean="0"/>
+              <a:t>Objekte in der Urwald-Szene:</a:t>
+            </a:r>
+          </a:p>
+          <a:p>
+            <a:pPr>
+              <a:buFontTx/>
+              <a:buChar char="-"/>
+            </a:pPr>
+            <a:r>
+              <a:rPr lang="de-DE" baseline="0" dirty="0" smtClean="0"/>
+              <a:t> Bäume</a:t>
+            </a:r>
+          </a:p>
+          <a:p>
+            <a:pPr>
+              <a:buFontTx/>
+              <a:buChar char="-"/>
+            </a:pPr>
+            <a:r>
+              <a:rPr lang="de-DE" baseline="0" dirty="0" smtClean="0"/>
+              <a:t> Pflanzen</a:t>
+            </a:r>
+          </a:p>
+          <a:p>
+            <a:pPr>
+              <a:buFontTx/>
+              <a:buChar char="-"/>
+            </a:pPr>
+            <a:r>
+              <a:rPr lang="de-DE" baseline="0" dirty="0" smtClean="0"/>
+              <a:t> Vögel</a:t>
+            </a:r>
+          </a:p>
+          <a:p>
+            <a:pPr>
+              <a:buFontTx/>
+              <a:buChar char="-"/>
+            </a:pPr>
+            <a:r>
+              <a:rPr lang="de-DE" baseline="0" dirty="0" smtClean="0"/>
+              <a:t> Tiere</a:t>
+            </a:r>
+          </a:p>
+          <a:p>
+            <a:pPr>
+              <a:buFontTx/>
+              <a:buChar char="-"/>
+            </a:pPr>
+            <a:r>
+              <a:rPr lang="de-DE" baseline="0" dirty="0" smtClean="0"/>
+              <a:t> Fluss </a:t>
+            </a:r>
+          </a:p>
+          <a:p>
+            <a:pPr>
+              <a:buFontTx/>
+              <a:buChar char="-"/>
+            </a:pPr>
+            <a:r>
+              <a:rPr lang="de-DE" baseline="0" dirty="0" smtClean="0"/>
+              <a:t> Wasserfall</a:t>
+            </a:r>
+          </a:p>
+          <a:p>
+            <a:pPr>
+              <a:buFontTx/>
+              <a:buChar char="-"/>
+            </a:pPr>
+            <a:r>
+              <a:rPr lang="de-DE" baseline="0" dirty="0" smtClean="0"/>
+              <a:t> Berge</a:t>
+            </a:r>
+          </a:p>
+          <a:p>
+            <a:pPr>
+              <a:buFontTx/>
+              <a:buChar char="-"/>
+            </a:pPr>
+            <a:r>
+              <a:rPr lang="de-DE" baseline="0" dirty="0" smtClean="0"/>
+              <a:t> Felsen</a:t>
+            </a:r>
+          </a:p>
+          <a:p>
+            <a:pPr>
+              <a:buFontTx/>
+              <a:buChar char="-"/>
+            </a:pPr>
+            <a:r>
+              <a:rPr lang="de-DE" baseline="0" dirty="0" smtClean="0"/>
+              <a:t> Gras</a:t>
+            </a:r>
+            <a:endParaRPr lang="de-DE" dirty="0" smtClean="0"/>
+          </a:p>
+          <a:p>
+            <a:pPr>
+              <a:buFontTx/>
+              <a:buChar char="-"/>
+            </a:pPr>
+            <a:endParaRPr lang="de-DE" dirty="0" smtClean="0"/>
+          </a:p>
+          <a:p>
+            <a:pPr>
+              <a:buFontTx/>
+              <a:buChar char="-"/>
+            </a:pPr>
+            <a:endParaRPr lang="de-DE" baseline="0" dirty="0" smtClean="0"/>
+          </a:p>
+          <a:p>
+            <a:pPr>
+              <a:buFontTx/>
+              <a:buChar char="-"/>
+            </a:pPr>
+            <a:endParaRPr lang="de-DE" baseline="0" dirty="0" smtClean="0"/>
           </a:p>
         </p:txBody>
       </p:sp>
@@ -822,34 +1231,164 @@
           </a:bodyPr>
           <a:lstStyle/>
           <a:p>
-            <a:pPr marL="0" marR="0" indent="0" algn="l" defTabSz="914400" rtl="0" eaLnBrk="1" fontAlgn="auto" latinLnBrk="0" hangingPunct="1">
-              <a:lnSpc>
-                <a:spcPct val="100000"/>
-              </a:lnSpc>
-              <a:spcBef>
-                <a:spcPts val="0"/>
-              </a:spcBef>
-              <a:spcAft>
-                <a:spcPts val="0"/>
-              </a:spcAft>
-              <a:buClrTx/>
-              <a:buSzTx/>
-              <a:buFontTx/>
-              <a:buNone/>
-              <a:tabLst/>
-              <a:defRPr/>
-            </a:pPr>
             <a:r>
               <a:rPr lang="de-DE" dirty="0" err="1" smtClean="0"/>
               <a:t>Shots</a:t>
             </a:r>
             <a:r>
               <a:rPr lang="de-DE" dirty="0" smtClean="0"/>
-              <a:t> stehen links vor den Bildern</a:t>
-            </a:r>
-          </a:p>
-          <a:p>
-            <a:endParaRPr lang="de-DE" dirty="0"/>
+              <a:t> stehen links vor den Bildern (#0)</a:t>
+            </a:r>
+          </a:p>
+          <a:p>
+            <a:endParaRPr lang="de-DE" dirty="0" smtClean="0"/>
+          </a:p>
+          <a:p>
+            <a:r>
+              <a:rPr lang="de-DE" dirty="0" smtClean="0"/>
+              <a:t>*</a:t>
+            </a:r>
+          </a:p>
+          <a:p>
+            <a:r>
+              <a:rPr lang="de-DE" dirty="0" smtClean="0"/>
+              <a:t>Objekte in der Pixelwelt-Szene:</a:t>
+            </a:r>
+          </a:p>
+          <a:p>
+            <a:pPr>
+              <a:buFontTx/>
+              <a:buChar char="-"/>
+            </a:pPr>
+            <a:r>
+              <a:rPr lang="de-DE" baseline="0" dirty="0" smtClean="0"/>
+              <a:t>einzelne Pixelelemente</a:t>
+            </a:r>
+          </a:p>
+          <a:p>
+            <a:pPr>
+              <a:buFontTx/>
+              <a:buChar char="-"/>
+            </a:pPr>
+            <a:endParaRPr lang="de-DE" baseline="0" dirty="0" smtClean="0"/>
+          </a:p>
+          <a:p>
+            <a:r>
+              <a:rPr lang="de-DE" dirty="0" smtClean="0"/>
+              <a:t>Objekte in der Urwald-Szene:</a:t>
+            </a:r>
+          </a:p>
+          <a:p>
+            <a:pPr>
+              <a:buFontTx/>
+              <a:buChar char="-"/>
+            </a:pPr>
+            <a:r>
+              <a:rPr lang="de-DE" baseline="0" dirty="0" smtClean="0"/>
+              <a:t> Bäume</a:t>
+            </a:r>
+          </a:p>
+          <a:p>
+            <a:pPr>
+              <a:buFontTx/>
+              <a:buChar char="-"/>
+            </a:pPr>
+            <a:r>
+              <a:rPr lang="de-DE" baseline="0" dirty="0" smtClean="0"/>
+              <a:t> Pflanzen</a:t>
+            </a:r>
+          </a:p>
+          <a:p>
+            <a:pPr>
+              <a:buFontTx/>
+              <a:buChar char="-"/>
+            </a:pPr>
+            <a:r>
+              <a:rPr lang="de-DE" baseline="0" dirty="0" smtClean="0"/>
+              <a:t> Vögel</a:t>
+            </a:r>
+          </a:p>
+          <a:p>
+            <a:pPr>
+              <a:buFontTx/>
+              <a:buChar char="-"/>
+            </a:pPr>
+            <a:r>
+              <a:rPr lang="de-DE" baseline="0" dirty="0" smtClean="0"/>
+              <a:t> Tiere</a:t>
+            </a:r>
+          </a:p>
+          <a:p>
+            <a:pPr>
+              <a:buFontTx/>
+              <a:buChar char="-"/>
+            </a:pPr>
+            <a:r>
+              <a:rPr lang="de-DE" baseline="0" dirty="0" smtClean="0"/>
+              <a:t> Fluss </a:t>
+            </a:r>
+          </a:p>
+          <a:p>
+            <a:pPr>
+              <a:buFontTx/>
+              <a:buChar char="-"/>
+            </a:pPr>
+            <a:r>
+              <a:rPr lang="de-DE" baseline="0" dirty="0" smtClean="0"/>
+              <a:t> Wasserfall</a:t>
+            </a:r>
+          </a:p>
+          <a:p>
+            <a:pPr>
+              <a:buFontTx/>
+              <a:buChar char="-"/>
+            </a:pPr>
+            <a:r>
+              <a:rPr lang="de-DE" baseline="0" dirty="0" smtClean="0"/>
+              <a:t> Berge</a:t>
+            </a:r>
+          </a:p>
+          <a:p>
+            <a:pPr>
+              <a:buFontTx/>
+              <a:buChar char="-"/>
+            </a:pPr>
+            <a:r>
+              <a:rPr lang="de-DE" baseline="0" dirty="0" smtClean="0"/>
+              <a:t> Felsen</a:t>
+            </a:r>
+          </a:p>
+          <a:p>
+            <a:pPr>
+              <a:buFontTx/>
+              <a:buChar char="-"/>
+            </a:pPr>
+            <a:r>
+              <a:rPr lang="de-DE" baseline="0" dirty="0" smtClean="0"/>
+              <a:t> Gras</a:t>
+            </a:r>
+            <a:endParaRPr lang="de-DE" dirty="0" smtClean="0"/>
+          </a:p>
+          <a:p>
+            <a:pPr>
+              <a:buFontTx/>
+              <a:buChar char="-"/>
+            </a:pPr>
+            <a:endParaRPr lang="de-DE" dirty="0" smtClean="0"/>
+          </a:p>
+          <a:p>
+            <a:pPr>
+              <a:buFontTx/>
+              <a:buChar char="-"/>
+            </a:pPr>
+            <a:endParaRPr lang="de-DE" baseline="0" dirty="0" smtClean="0"/>
+          </a:p>
+          <a:p>
+            <a:pPr>
+              <a:buFontTx/>
+              <a:buChar char="-"/>
+            </a:pPr>
+            <a:endParaRPr lang="de-DE" baseline="0" dirty="0" smtClean="0"/>
           </a:p>
         </p:txBody>
       </p:sp>
@@ -931,34 +1470,164 @@
           </a:bodyPr>
           <a:lstStyle/>
           <a:p>
-            <a:pPr marL="0" marR="0" indent="0" algn="l" defTabSz="914400" rtl="0" eaLnBrk="1" fontAlgn="auto" latinLnBrk="0" hangingPunct="1">
-              <a:lnSpc>
-                <a:spcPct val="100000"/>
-              </a:lnSpc>
-              <a:spcBef>
-                <a:spcPts val="0"/>
-              </a:spcBef>
-              <a:spcAft>
-                <a:spcPts val="0"/>
-              </a:spcAft>
-              <a:buClrTx/>
-              <a:buSzTx/>
-              <a:buFontTx/>
-              <a:buNone/>
-              <a:tabLst/>
-              <a:defRPr/>
-            </a:pPr>
             <a:r>
               <a:rPr lang="de-DE" dirty="0" err="1" smtClean="0"/>
               <a:t>Shots</a:t>
             </a:r>
             <a:r>
               <a:rPr lang="de-DE" dirty="0" smtClean="0"/>
-              <a:t> stehen links vor den Bildern</a:t>
-            </a:r>
-          </a:p>
-          <a:p>
-            <a:endParaRPr lang="de-DE" dirty="0"/>
+              <a:t> stehen links vor den Bildern (#0)</a:t>
+            </a:r>
+          </a:p>
+          <a:p>
+            <a:endParaRPr lang="de-DE" dirty="0" smtClean="0"/>
+          </a:p>
+          <a:p>
+            <a:r>
+              <a:rPr lang="de-DE" dirty="0" smtClean="0"/>
+              <a:t>*</a:t>
+            </a:r>
+          </a:p>
+          <a:p>
+            <a:r>
+              <a:rPr lang="de-DE" dirty="0" smtClean="0"/>
+              <a:t>Objekte in der Pixelwelt-Szene:</a:t>
+            </a:r>
+          </a:p>
+          <a:p>
+            <a:pPr>
+              <a:buFontTx/>
+              <a:buChar char="-"/>
+            </a:pPr>
+            <a:r>
+              <a:rPr lang="de-DE" baseline="0" dirty="0" smtClean="0"/>
+              <a:t>einzelne Pixelelemente</a:t>
+            </a:r>
+          </a:p>
+          <a:p>
+            <a:pPr>
+              <a:buFontTx/>
+              <a:buChar char="-"/>
+            </a:pPr>
+            <a:endParaRPr lang="de-DE" baseline="0" dirty="0" smtClean="0"/>
+          </a:p>
+          <a:p>
+            <a:r>
+              <a:rPr lang="de-DE" dirty="0" smtClean="0"/>
+              <a:t>Objekte in der Urwald-Szene:</a:t>
+            </a:r>
+          </a:p>
+          <a:p>
+            <a:pPr>
+              <a:buFontTx/>
+              <a:buChar char="-"/>
+            </a:pPr>
+            <a:r>
+              <a:rPr lang="de-DE" baseline="0" dirty="0" smtClean="0"/>
+              <a:t> Bäume</a:t>
+            </a:r>
+          </a:p>
+          <a:p>
+            <a:pPr>
+              <a:buFontTx/>
+              <a:buChar char="-"/>
+            </a:pPr>
+            <a:r>
+              <a:rPr lang="de-DE" baseline="0" dirty="0" smtClean="0"/>
+              <a:t> Pflanzen</a:t>
+            </a:r>
+          </a:p>
+          <a:p>
+            <a:pPr>
+              <a:buFontTx/>
+              <a:buChar char="-"/>
+            </a:pPr>
+            <a:r>
+              <a:rPr lang="de-DE" baseline="0" dirty="0" smtClean="0"/>
+              <a:t> Vögel</a:t>
+            </a:r>
+          </a:p>
+          <a:p>
+            <a:pPr>
+              <a:buFontTx/>
+              <a:buChar char="-"/>
+            </a:pPr>
+            <a:r>
+              <a:rPr lang="de-DE" baseline="0" dirty="0" smtClean="0"/>
+              <a:t> Tiere</a:t>
+            </a:r>
+          </a:p>
+          <a:p>
+            <a:pPr>
+              <a:buFontTx/>
+              <a:buChar char="-"/>
+            </a:pPr>
+            <a:r>
+              <a:rPr lang="de-DE" baseline="0" dirty="0" smtClean="0"/>
+              <a:t> Fluss </a:t>
+            </a:r>
+          </a:p>
+          <a:p>
+            <a:pPr>
+              <a:buFontTx/>
+              <a:buChar char="-"/>
+            </a:pPr>
+            <a:r>
+              <a:rPr lang="de-DE" baseline="0" dirty="0" smtClean="0"/>
+              <a:t> Wasserfall</a:t>
+            </a:r>
+          </a:p>
+          <a:p>
+            <a:pPr>
+              <a:buFontTx/>
+              <a:buChar char="-"/>
+            </a:pPr>
+            <a:r>
+              <a:rPr lang="de-DE" baseline="0" dirty="0" smtClean="0"/>
+              <a:t> Berge</a:t>
+            </a:r>
+          </a:p>
+          <a:p>
+            <a:pPr>
+              <a:buFontTx/>
+              <a:buChar char="-"/>
+            </a:pPr>
+            <a:r>
+              <a:rPr lang="de-DE" baseline="0" dirty="0" smtClean="0"/>
+              <a:t> Felsen</a:t>
+            </a:r>
+          </a:p>
+          <a:p>
+            <a:pPr>
+              <a:buFontTx/>
+              <a:buChar char="-"/>
+            </a:pPr>
+            <a:r>
+              <a:rPr lang="de-DE" baseline="0" dirty="0" smtClean="0"/>
+              <a:t> Gras</a:t>
+            </a:r>
+            <a:endParaRPr lang="de-DE" dirty="0" smtClean="0"/>
+          </a:p>
+          <a:p>
+            <a:pPr>
+              <a:buFontTx/>
+              <a:buChar char="-"/>
+            </a:pPr>
+            <a:endParaRPr lang="de-DE" dirty="0" smtClean="0"/>
+          </a:p>
+          <a:p>
+            <a:pPr>
+              <a:buFontTx/>
+              <a:buChar char="-"/>
+            </a:pPr>
+            <a:endParaRPr lang="de-DE" baseline="0" dirty="0" smtClean="0"/>
+          </a:p>
+          <a:p>
+            <a:pPr>
+              <a:buFontTx/>
+              <a:buChar char="-"/>
+            </a:pPr>
+            <a:endParaRPr lang="de-DE" baseline="0" dirty="0" smtClean="0"/>
           </a:p>
         </p:txBody>
       </p:sp>
@@ -1040,34 +1709,17 @@
           </a:bodyPr>
           <a:lstStyle/>
           <a:p>
-            <a:pPr marL="0" marR="0" indent="0" algn="l" defTabSz="914400" rtl="0" eaLnBrk="1" fontAlgn="auto" latinLnBrk="0" hangingPunct="1">
-              <a:lnSpc>
-                <a:spcPct val="100000"/>
-              </a:lnSpc>
-              <a:spcBef>
-                <a:spcPts val="0"/>
-              </a:spcBef>
-              <a:spcAft>
-                <a:spcPts val="0"/>
-              </a:spcAft>
-              <a:buClrTx/>
-              <a:buSzTx/>
-              <a:buFontTx/>
-              <a:buNone/>
-              <a:tabLst/>
-              <a:defRPr/>
-            </a:pPr>
             <a:r>
               <a:rPr lang="de-DE" dirty="0" err="1" smtClean="0"/>
               <a:t>Shots</a:t>
             </a:r>
             <a:r>
               <a:rPr lang="de-DE" dirty="0" smtClean="0"/>
-              <a:t> stehen links vor den Bildern</a:t>
-            </a:r>
-          </a:p>
-          <a:p>
-            <a:endParaRPr lang="de-DE" dirty="0"/>
+              <a:t> stehen links vor den Bildern (#0)</a:t>
+            </a:r>
+          </a:p>
+          <a:p>
+            <a:endParaRPr lang="de-DE" dirty="0" smtClean="0"/>
           </a:p>
         </p:txBody>
       </p:sp>
@@ -4375,7 +5027,7 @@
         <p:spPr>
           <a:xfrm>
             <a:off x="288032" y="1968510"/>
-            <a:ext cx="8676456" cy="3662541"/>
+            <a:ext cx="8676456" cy="4585871"/>
           </a:xfrm>
           <a:prstGeom prst="rect">
             <a:avLst/>
@@ -4399,14 +5051,11 @@
           <a:p>
             <a:r>
               <a:rPr lang="de-DE" sz="2000" dirty="0" smtClean="0"/>
-              <a:t>Aufgrund falscher Planung kann es zu Engpässen kommen.</a:t>
+              <a:t>Aufgrund falscher Planung kann es zu Engpässen bei der Umsetzung der angestrebten Qualitätsziele kommen.</a:t>
             </a:r>
           </a:p>
           <a:p>
             <a:endParaRPr lang="de-DE" sz="2000" dirty="0"/>
-          </a:p>
-          <a:p>
-            <a:endParaRPr lang="de-DE" sz="2000" dirty="0" smtClean="0"/>
           </a:p>
           <a:p>
             <a:endParaRPr lang="de-DE" sz="2000" dirty="0" smtClean="0"/>
@@ -4423,7 +5072,16 @@
           <a:p>
             <a:r>
               <a:rPr lang="de-DE" sz="2000" dirty="0" smtClean="0"/>
-              <a:t>Es wird vorher festgelegt, wo bei Engpässen Abstriche gemacht werden können. Was bedeutet, dass z.B. ein Modell nicht so detailliert ausgearbeitet wird wie vorher geplant. </a:t>
+              <a:t>Es wird vorher festgelegt, wo bei Engpässen Abstriche gemacht werden können. An welchen Stellen Zeit und Arbeitsaufwand im Notfall eingespart werden können.</a:t>
+            </a:r>
+          </a:p>
+          <a:p>
+            <a:endParaRPr lang="de-DE" sz="2000" dirty="0" smtClean="0"/>
+          </a:p>
+          <a:p>
+            <a:r>
+              <a:rPr lang="de-DE" sz="2000" dirty="0" smtClean="0"/>
+              <a:t>Was bedeutet, dass z.B. ein Modell nicht so detailliert ausgearbeitet wird wie vorher geplant. </a:t>
             </a:r>
             <a:endParaRPr lang="de-DE" sz="2000" dirty="0"/>
           </a:p>
@@ -4525,8 +5183,8 @@
         </p:nvSpPr>
         <p:spPr>
           <a:xfrm>
-            <a:off x="539552" y="2420888"/>
-            <a:ext cx="7848872" cy="3046988"/>
+            <a:off x="611560" y="2204864"/>
+            <a:ext cx="7848872" cy="3539430"/>
           </a:xfrm>
           <a:prstGeom prst="rect">
             <a:avLst/>
@@ -4539,6 +5197,7 @@
           </a:bodyPr>
           <a:lstStyle/>
           <a:p>
+            <a:pPr algn="ctr"/>
             <a:r>
               <a:rPr lang="de-DE" sz="3200" dirty="0" err="1" smtClean="0"/>
               <a:t>Pixie</a:t>
@@ -4549,6 +5208,11 @@
             </a:r>
           </a:p>
           <a:p>
+            <a:pPr algn="ctr"/>
+            <a:endParaRPr lang="de-DE" sz="3200" dirty="0" smtClean="0"/>
+          </a:p>
+          <a:p>
+            <a:pPr algn="ctr"/>
             <a:r>
               <a:rPr lang="de-DE" sz="3200" dirty="0" smtClean="0"/>
               <a:t>Durch einen besonderen Umstand gelangt </a:t>
@@ -4563,21 +5227,14 @@
             </a:r>
           </a:p>
           <a:p>
-            <a:r>
-              <a:rPr lang="de-DE" sz="3200" dirty="0" err="1" smtClean="0"/>
-              <a:t>Pixie</a:t>
-            </a:r>
+            <a:pPr algn="ctr"/>
+            <a:endParaRPr lang="de-DE" sz="3200" dirty="0" smtClean="0"/>
+          </a:p>
+          <a:p>
+            <a:pPr algn="ctr"/>
             <a:r>
               <a:rPr lang="de-DE" sz="3200" dirty="0" smtClean="0"/>
-              <a:t> lernt in dieser Welt neue Freunde kennen, welche helfen möchten, dass </a:t>
-            </a:r>
-            <a:r>
-              <a:rPr lang="de-DE" sz="3200" dirty="0" err="1" smtClean="0"/>
-              <a:t>Pixie</a:t>
-            </a:r>
-            <a:r>
-              <a:rPr lang="de-DE" sz="3200" dirty="0" smtClean="0"/>
-              <a:t> zurück in die Heimat findet.</a:t>
+              <a:t>Dort trifft er fremde Gestalten und gerät in eine merkwürdige Verfolgungsjagd.</a:t>
             </a:r>
             <a:endParaRPr lang="de-DE" sz="3200" dirty="0"/>
           </a:p>
@@ -4882,7 +5539,7 @@
         </p:nvSpPr>
         <p:spPr>
           <a:xfrm>
-            <a:off x="2915816" y="1556792"/>
+            <a:off x="2987824" y="1556792"/>
             <a:ext cx="2736304" cy="369332"/>
           </a:xfrm>
           <a:prstGeom prst="rect">
@@ -4912,7 +5569,7 @@
         </p:nvSpPr>
         <p:spPr>
           <a:xfrm>
-            <a:off x="5796136" y="1556792"/>
+            <a:off x="5868144" y="1556792"/>
             <a:ext cx="2736304" cy="369332"/>
           </a:xfrm>
           <a:prstGeom prst="rect">
@@ -4942,7 +5599,7 @@
         </p:nvSpPr>
         <p:spPr>
           <a:xfrm>
-            <a:off x="2915816" y="1907540"/>
+            <a:off x="2987824" y="1907540"/>
             <a:ext cx="2736304" cy="3970318"/>
           </a:xfrm>
           <a:prstGeom prst="rect">
@@ -4958,7 +5615,7 @@
           <a:p>
             <a:r>
               <a:rPr lang="de-DE" dirty="0" smtClean="0"/>
-              <a:t>- Pixelwelt</a:t>
+              <a:t>Pixelwelt-Szene*</a:t>
             </a:r>
           </a:p>
           <a:p>
@@ -4977,13 +5634,9 @@
             <a:endParaRPr lang="de-DE" dirty="0" smtClean="0"/>
           </a:p>
           <a:p>
-            <a:pPr>
-              <a:buFontTx/>
-              <a:buChar char="-"/>
-            </a:pPr>
-            <a:r>
-              <a:rPr lang="de-DE" dirty="0" smtClean="0"/>
-              <a:t> Pixelwelt</a:t>
+            <a:r>
+              <a:rPr lang="de-DE" dirty="0" smtClean="0"/>
+              <a:t>Pixelwelt-Szene*</a:t>
             </a:r>
           </a:p>
           <a:p>
@@ -5019,13 +5672,9 @@
             <a:endParaRPr lang="de-DE" dirty="0" smtClean="0"/>
           </a:p>
           <a:p>
-            <a:pPr>
-              <a:buFontTx/>
-              <a:buChar char="-"/>
-            </a:pPr>
-            <a:r>
-              <a:rPr lang="de-DE" dirty="0" smtClean="0"/>
-              <a:t> Pixelwelt</a:t>
+            <a:r>
+              <a:rPr lang="de-DE" dirty="0" smtClean="0"/>
+              <a:t>Pixelwelt-Szene*</a:t>
             </a:r>
           </a:p>
           <a:p>
@@ -5056,7 +5705,7 @@
         </p:nvSpPr>
         <p:spPr>
           <a:xfrm>
-            <a:off x="5796136" y="1907540"/>
+            <a:off x="5868144" y="1907540"/>
             <a:ext cx="2736304" cy="4247317"/>
           </a:xfrm>
           <a:prstGeom prst="rect">
@@ -5188,7 +5837,7 @@
         </p:blipFill>
         <p:spPr>
           <a:xfrm>
-            <a:off x="323528" y="1897427"/>
+            <a:off x="395816" y="1897427"/>
             <a:ext cx="2520000" cy="4411893"/>
           </a:xfrm>
           <a:prstGeom prst="rect">
@@ -5262,7 +5911,7 @@
                   <a:srgbClr val="FF0000"/>
                 </a:solidFill>
               </a:rPr>
-              <a:t>#2</a:t>
+              <a:t>#1</a:t>
             </a:r>
             <a:endParaRPr lang="de-DE" dirty="0">
               <a:solidFill>
@@ -5300,7 +5949,7 @@
                   <a:srgbClr val="FF0000"/>
                 </a:solidFill>
               </a:rPr>
-              <a:t>#3</a:t>
+              <a:t>#2</a:t>
             </a:r>
             <a:endParaRPr lang="de-DE" dirty="0">
               <a:solidFill>
@@ -5510,7 +6159,7 @@
         </p:nvSpPr>
         <p:spPr>
           <a:xfrm>
-            <a:off x="2915816" y="1556792"/>
+            <a:off x="2987824" y="1556792"/>
             <a:ext cx="2736304" cy="369332"/>
           </a:xfrm>
           <a:prstGeom prst="rect">
@@ -5540,7 +6189,7 @@
         </p:nvSpPr>
         <p:spPr>
           <a:xfrm>
-            <a:off x="5796136" y="1556792"/>
+            <a:off x="5868144" y="1556792"/>
             <a:ext cx="2736304" cy="369332"/>
           </a:xfrm>
           <a:prstGeom prst="rect">
@@ -5570,7 +6219,7 @@
         </p:nvSpPr>
         <p:spPr>
           <a:xfrm>
-            <a:off x="2915816" y="1907540"/>
+            <a:off x="2987824" y="1907540"/>
             <a:ext cx="2736304" cy="4247317"/>
           </a:xfrm>
           <a:prstGeom prst="rect">
@@ -5584,13 +6233,9 @@
           </a:bodyPr>
           <a:lstStyle/>
           <a:p>
-            <a:pPr>
-              <a:buFontTx/>
-              <a:buChar char="-"/>
-            </a:pPr>
-            <a:r>
-              <a:rPr lang="de-DE" dirty="0" smtClean="0"/>
-              <a:t> Pixelwelt</a:t>
+            <a:r>
+              <a:rPr lang="de-DE" dirty="0" smtClean="0"/>
+              <a:t>Pixelwelt-Szene*</a:t>
             </a:r>
           </a:p>
           <a:p>
@@ -5621,13 +6266,9 @@
             <a:endParaRPr lang="de-DE" dirty="0" smtClean="0"/>
           </a:p>
           <a:p>
-            <a:pPr>
-              <a:buFontTx/>
-              <a:buChar char="-"/>
-            </a:pPr>
-            <a:r>
-              <a:rPr lang="de-DE" dirty="0" smtClean="0"/>
-              <a:t> Urwaldmodellierung</a:t>
+            <a:r>
+              <a:rPr lang="de-DE" dirty="0" smtClean="0"/>
+              <a:t>Urwald-Szene*</a:t>
             </a:r>
           </a:p>
           <a:p>
@@ -5657,7 +6298,7 @@
           <a:p>
             <a:r>
               <a:rPr lang="de-DE" dirty="0" smtClean="0"/>
-              <a:t>- Urwaldmodellierung</a:t>
+              <a:t>Urwald-Szene*</a:t>
             </a:r>
           </a:p>
           <a:p>
@@ -5705,7 +6346,7 @@
         </p:nvSpPr>
         <p:spPr>
           <a:xfrm>
-            <a:off x="5796136" y="1907540"/>
+            <a:off x="5868144" y="1907540"/>
             <a:ext cx="2736304" cy="4801314"/>
           </a:xfrm>
           <a:prstGeom prst="rect">
@@ -5862,7 +6503,7 @@
         </p:blipFill>
         <p:spPr>
           <a:xfrm>
-            <a:off x="323808" y="1939443"/>
+            <a:off x="395816" y="1939443"/>
             <a:ext cx="2520000" cy="4430937"/>
           </a:xfrm>
           <a:prstGeom prst="rect">
@@ -5879,6 +6520,44 @@
         <p:spPr>
           <a:xfrm>
             <a:off x="0" y="1916832"/>
+            <a:ext cx="683568" cy="369332"/>
+          </a:xfrm>
+          <a:prstGeom prst="rect">
+            <a:avLst/>
+          </a:prstGeom>
+          <a:noFill/>
+        </p:spPr>
+        <p:txBody>
+          <a:bodyPr wrap="square" rtlCol="0">
+            <a:spAutoFit/>
+          </a:bodyPr>
+          <a:lstStyle/>
+          <a:p>
+            <a:r>
+              <a:rPr lang="de-DE" dirty="0" smtClean="0">
+                <a:solidFill>
+                  <a:srgbClr val="FF0000"/>
+                </a:solidFill>
+              </a:rPr>
+              <a:t>#2</a:t>
+            </a:r>
+            <a:endParaRPr lang="de-DE" dirty="0">
+              <a:solidFill>
+                <a:srgbClr val="FF0000"/>
+              </a:solidFill>
+            </a:endParaRPr>
+          </a:p>
+        </p:txBody>
+      </p:sp>
+      <p:sp>
+        <p:nvSpPr>
+          <p:cNvPr id="16" name="Textfeld 15"/>
+          <p:cNvSpPr txBox="1"/>
+          <p:nvPr/>
+        </p:nvSpPr>
+        <p:spPr>
+          <a:xfrm>
+            <a:off x="0" y="3419708"/>
             <a:ext cx="683568" cy="369332"/>
           </a:xfrm>
           <a:prstGeom prst="rect">
@@ -5910,13 +6589,13 @@
       </p:sp>
       <p:sp>
         <p:nvSpPr>
-          <p:cNvPr id="16" name="Textfeld 15"/>
+          <p:cNvPr id="17" name="Textfeld 16"/>
           <p:cNvSpPr txBox="1"/>
           <p:nvPr/>
         </p:nvSpPr>
         <p:spPr>
           <a:xfrm>
-            <a:off x="0" y="3419708"/>
+            <a:off x="0" y="4931876"/>
             <a:ext cx="683568" cy="369332"/>
           </a:xfrm>
           <a:prstGeom prst="rect">
@@ -5937,44 +6616,6 @@
                 </a:solidFill>
               </a:rPr>
               <a:t>#4</a:t>
-            </a:r>
-            <a:endParaRPr lang="de-DE" dirty="0">
-              <a:solidFill>
-                <a:srgbClr val="FF0000"/>
-              </a:solidFill>
-            </a:endParaRPr>
-          </a:p>
-        </p:txBody>
-      </p:sp>
-      <p:sp>
-        <p:nvSpPr>
-          <p:cNvPr id="17" name="Textfeld 16"/>
-          <p:cNvSpPr txBox="1"/>
-          <p:nvPr/>
-        </p:nvSpPr>
-        <p:spPr>
-          <a:xfrm>
-            <a:off x="0" y="4931876"/>
-            <a:ext cx="683568" cy="369332"/>
-          </a:xfrm>
-          <a:prstGeom prst="rect">
-            <a:avLst/>
-          </a:prstGeom>
-          <a:noFill/>
-        </p:spPr>
-        <p:txBody>
-          <a:bodyPr wrap="square" rtlCol="0">
-            <a:spAutoFit/>
-          </a:bodyPr>
-          <a:lstStyle/>
-          <a:p>
-            <a:r>
-              <a:rPr lang="de-DE" dirty="0" smtClean="0">
-                <a:solidFill>
-                  <a:srgbClr val="FF0000"/>
-                </a:solidFill>
-              </a:rPr>
-              <a:t>#5</a:t>
             </a:r>
             <a:endParaRPr lang="de-DE" dirty="0">
               <a:solidFill>
@@ -6184,7 +6825,7 @@
         </p:nvSpPr>
         <p:spPr>
           <a:xfrm>
-            <a:off x="2915816" y="1556792"/>
+            <a:off x="2987824" y="1556792"/>
             <a:ext cx="2736304" cy="369332"/>
           </a:xfrm>
           <a:prstGeom prst="rect">
@@ -6214,7 +6855,7 @@
         </p:nvSpPr>
         <p:spPr>
           <a:xfrm>
-            <a:off x="5796136" y="1556792"/>
+            <a:off x="5868144" y="1556792"/>
             <a:ext cx="2736304" cy="369332"/>
           </a:xfrm>
           <a:prstGeom prst="rect">
@@ -6244,7 +6885,7 @@
         </p:nvSpPr>
         <p:spPr>
           <a:xfrm>
-            <a:off x="2915816" y="1907540"/>
+            <a:off x="2987824" y="1907540"/>
             <a:ext cx="2736304" cy="4524315"/>
           </a:xfrm>
           <a:prstGeom prst="rect">
@@ -6260,7 +6901,7 @@
           <a:p>
             <a:r>
               <a:rPr lang="de-DE" dirty="0" smtClean="0"/>
-              <a:t>- Urwaldmodellierung</a:t>
+              <a:t>Urwald-Szene*</a:t>
             </a:r>
           </a:p>
           <a:p>
@@ -6315,7 +6956,7 @@
           <a:p>
             <a:r>
               <a:rPr lang="de-DE" dirty="0" smtClean="0"/>
-              <a:t>- Urwaldmodellierung</a:t>
+              <a:t>Urwald-Szene*</a:t>
             </a:r>
           </a:p>
           <a:p>
@@ -6355,7 +6996,7 @@
           <a:p>
             <a:r>
               <a:rPr lang="de-DE" dirty="0" smtClean="0"/>
-              <a:t>- Urwaldmodellierung</a:t>
+              <a:t>Urwald-Szene*</a:t>
             </a:r>
           </a:p>
           <a:p>
@@ -6406,7 +7047,7 @@
         </p:nvSpPr>
         <p:spPr>
           <a:xfrm>
-            <a:off x="5796136" y="1907540"/>
+            <a:off x="5868144" y="1907540"/>
             <a:ext cx="2736304" cy="3970318"/>
           </a:xfrm>
           <a:prstGeom prst="rect">
@@ -6585,7 +7226,7 @@
                   <a:srgbClr val="FF0000"/>
                 </a:solidFill>
               </a:rPr>
-              <a:t>#6</a:t>
+              <a:t>#5</a:t>
             </a:r>
             <a:endParaRPr lang="de-DE" dirty="0">
               <a:solidFill>
@@ -6604,6 +7245,44 @@
         <p:spPr>
           <a:xfrm>
             <a:off x="0" y="3419708"/>
+            <a:ext cx="683568" cy="369332"/>
+          </a:xfrm>
+          <a:prstGeom prst="rect">
+            <a:avLst/>
+          </a:prstGeom>
+          <a:noFill/>
+        </p:spPr>
+        <p:txBody>
+          <a:bodyPr wrap="square" rtlCol="0">
+            <a:spAutoFit/>
+          </a:bodyPr>
+          <a:lstStyle/>
+          <a:p>
+            <a:r>
+              <a:rPr lang="de-DE" dirty="0" smtClean="0">
+                <a:solidFill>
+                  <a:srgbClr val="FF0000"/>
+                </a:solidFill>
+              </a:rPr>
+              <a:t>#6</a:t>
+            </a:r>
+            <a:endParaRPr lang="de-DE" dirty="0">
+              <a:solidFill>
+                <a:srgbClr val="FF0000"/>
+              </a:solidFill>
+            </a:endParaRPr>
+          </a:p>
+        </p:txBody>
+      </p:sp>
+      <p:sp>
+        <p:nvSpPr>
+          <p:cNvPr id="17" name="Textfeld 16"/>
+          <p:cNvSpPr txBox="1"/>
+          <p:nvPr/>
+        </p:nvSpPr>
+        <p:spPr>
+          <a:xfrm>
+            <a:off x="0" y="4931876"/>
             <a:ext cx="683568" cy="369332"/>
           </a:xfrm>
           <a:prstGeom prst="rect">
@@ -6624,44 +7303,6 @@
                 </a:solidFill>
               </a:rPr>
               <a:t>#7</a:t>
-            </a:r>
-            <a:endParaRPr lang="de-DE" dirty="0">
-              <a:solidFill>
-                <a:srgbClr val="FF0000"/>
-              </a:solidFill>
-            </a:endParaRPr>
-          </a:p>
-        </p:txBody>
-      </p:sp>
-      <p:sp>
-        <p:nvSpPr>
-          <p:cNvPr id="17" name="Textfeld 16"/>
-          <p:cNvSpPr txBox="1"/>
-          <p:nvPr/>
-        </p:nvSpPr>
-        <p:spPr>
-          <a:xfrm>
-            <a:off x="0" y="4931876"/>
-            <a:ext cx="683568" cy="369332"/>
-          </a:xfrm>
-          <a:prstGeom prst="rect">
-            <a:avLst/>
-          </a:prstGeom>
-          <a:noFill/>
-        </p:spPr>
-        <p:txBody>
-          <a:bodyPr wrap="square" rtlCol="0">
-            <a:spAutoFit/>
-          </a:bodyPr>
-          <a:lstStyle/>
-          <a:p>
-            <a:r>
-              <a:rPr lang="de-DE" dirty="0" smtClean="0">
-                <a:solidFill>
-                  <a:srgbClr val="FF0000"/>
-                </a:solidFill>
-              </a:rPr>
-              <a:t>#8</a:t>
             </a:r>
             <a:endParaRPr lang="de-DE" dirty="0">
               <a:solidFill>
@@ -6871,7 +7512,7 @@
         </p:nvSpPr>
         <p:spPr>
           <a:xfrm>
-            <a:off x="2915816" y="1556792"/>
+            <a:off x="3059832" y="1556792"/>
             <a:ext cx="2736304" cy="369332"/>
           </a:xfrm>
           <a:prstGeom prst="rect">
@@ -6901,7 +7542,7 @@
         </p:nvSpPr>
         <p:spPr>
           <a:xfrm>
-            <a:off x="5796136" y="1556792"/>
+            <a:off x="5940152" y="1556792"/>
             <a:ext cx="2736304" cy="369332"/>
           </a:xfrm>
           <a:prstGeom prst="rect">
@@ -6931,7 +7572,7 @@
         </p:nvSpPr>
         <p:spPr>
           <a:xfrm>
-            <a:off x="2915816" y="1907540"/>
+            <a:off x="3059832" y="1907540"/>
             <a:ext cx="2736304" cy="4524315"/>
           </a:xfrm>
           <a:prstGeom prst="rect">
@@ -6947,7 +7588,7 @@
           <a:p>
             <a:r>
               <a:rPr lang="de-DE" dirty="0" smtClean="0"/>
-              <a:t>- Urwaldmodellierung</a:t>
+              <a:t>Urwald-Szene*</a:t>
             </a:r>
           </a:p>
           <a:p>
@@ -6970,22 +7611,15 @@
             <a:endParaRPr lang="de-DE" dirty="0" smtClean="0"/>
           </a:p>
           <a:p>
-            <a:endParaRPr lang="de-DE" dirty="0" smtClean="0"/>
-          </a:p>
-          <a:p>
-            <a:r>
-              <a:rPr lang="de-DE" dirty="0" smtClean="0"/>
-              <a:t>- Urwaldmodellierung</a:t>
-            </a:r>
-          </a:p>
-          <a:p>
-            <a:pPr>
-              <a:buFontTx/>
-              <a:buChar char="-"/>
-            </a:pPr>
-            <a:r>
-              <a:rPr lang="de-DE" dirty="0" smtClean="0"/>
-              <a:t> Ü-Figur </a:t>
+            <a:r>
+              <a:rPr lang="de-DE" dirty="0" smtClean="0"/>
+              <a:t>Urwald-Szene*</a:t>
+            </a:r>
+          </a:p>
+          <a:p>
+            <a:r>
+              <a:rPr lang="de-DE" dirty="0" smtClean="0"/>
+              <a:t>- Ü-Figur </a:t>
             </a:r>
             <a:r>
               <a:rPr lang="de-DE" dirty="0" err="1" smtClean="0"/>
@@ -7021,9 +7655,16 @@
             <a:endParaRPr lang="de-DE" dirty="0" smtClean="0"/>
           </a:p>
           <a:p>
-            <a:r>
-              <a:rPr lang="de-DE" dirty="0" smtClean="0"/>
-              <a:t>- Urwaldmodellierung</a:t>
+            <a:pPr>
+              <a:buFontTx/>
+              <a:buChar char="-"/>
+            </a:pPr>
+            <a:endParaRPr lang="de-DE" dirty="0" smtClean="0"/>
+          </a:p>
+          <a:p>
+            <a:r>
+              <a:rPr lang="de-DE" dirty="0" smtClean="0"/>
+              <a:t>Urwald-Szene*</a:t>
             </a:r>
           </a:p>
           <a:p>
@@ -7074,7 +7715,7 @@
         </p:nvSpPr>
         <p:spPr>
           <a:xfrm>
-            <a:off x="5796136" y="1907540"/>
+            <a:off x="5940152" y="1907540"/>
             <a:ext cx="2736304" cy="4247317"/>
           </a:xfrm>
           <a:prstGeom prst="rect">
@@ -7116,9 +7757,6 @@
             <a:endParaRPr lang="de-DE" dirty="0" smtClean="0"/>
           </a:p>
           <a:p>
-            <a:endParaRPr lang="de-DE" dirty="0" smtClean="0"/>
-          </a:p>
-          <a:p>
             <a:pPr>
               <a:buFontTx/>
               <a:buChar char="-"/>
@@ -7157,6 +7795,13 @@
               <a:rPr lang="de-DE" dirty="0" smtClean="0"/>
               <a:t>   Lippold entfernen sich</a:t>
             </a:r>
+          </a:p>
+          <a:p>
+            <a:pPr>
+              <a:buFontTx/>
+              <a:buChar char="-"/>
+            </a:pPr>
+            <a:endParaRPr lang="de-DE" dirty="0" smtClean="0"/>
           </a:p>
           <a:p>
             <a:pPr>
@@ -7223,7 +7868,7 @@
         </p:blipFill>
         <p:spPr>
           <a:xfrm>
-            <a:off x="539832" y="1896073"/>
+            <a:off x="467544" y="1896073"/>
             <a:ext cx="2520000" cy="4341239"/>
           </a:xfrm>
           <a:prstGeom prst="rect">
@@ -7240,6 +7885,44 @@
         <p:spPr>
           <a:xfrm>
             <a:off x="0" y="1916832"/>
+            <a:ext cx="683568" cy="369332"/>
+          </a:xfrm>
+          <a:prstGeom prst="rect">
+            <a:avLst/>
+          </a:prstGeom>
+          <a:noFill/>
+        </p:spPr>
+        <p:txBody>
+          <a:bodyPr wrap="square" rtlCol="0">
+            <a:spAutoFit/>
+          </a:bodyPr>
+          <a:lstStyle/>
+          <a:p>
+            <a:r>
+              <a:rPr lang="de-DE" dirty="0" smtClean="0">
+                <a:solidFill>
+                  <a:srgbClr val="FF0000"/>
+                </a:solidFill>
+              </a:rPr>
+              <a:t>#8</a:t>
+            </a:r>
+            <a:endParaRPr lang="de-DE" dirty="0">
+              <a:solidFill>
+                <a:srgbClr val="FF0000"/>
+              </a:solidFill>
+            </a:endParaRPr>
+          </a:p>
+        </p:txBody>
+      </p:sp>
+      <p:sp>
+        <p:nvSpPr>
+          <p:cNvPr id="16" name="Textfeld 15"/>
+          <p:cNvSpPr txBox="1"/>
+          <p:nvPr/>
+        </p:nvSpPr>
+        <p:spPr>
+          <a:xfrm>
+            <a:off x="0" y="3419708"/>
             <a:ext cx="683568" cy="369332"/>
           </a:xfrm>
           <a:prstGeom prst="rect">
@@ -7271,13 +7954,13 @@
       </p:sp>
       <p:sp>
         <p:nvSpPr>
-          <p:cNvPr id="16" name="Textfeld 15"/>
+          <p:cNvPr id="17" name="Textfeld 16"/>
           <p:cNvSpPr txBox="1"/>
           <p:nvPr/>
         </p:nvSpPr>
         <p:spPr>
           <a:xfrm>
-            <a:off x="0" y="3419708"/>
+            <a:off x="0" y="4931876"/>
             <a:ext cx="683568" cy="369332"/>
           </a:xfrm>
           <a:prstGeom prst="rect">
@@ -7298,44 +7981,6 @@
                 </a:solidFill>
               </a:rPr>
               <a:t>#10</a:t>
-            </a:r>
-            <a:endParaRPr lang="de-DE" dirty="0">
-              <a:solidFill>
-                <a:srgbClr val="FF0000"/>
-              </a:solidFill>
-            </a:endParaRPr>
-          </a:p>
-        </p:txBody>
-      </p:sp>
-      <p:sp>
-        <p:nvSpPr>
-          <p:cNvPr id="17" name="Textfeld 16"/>
-          <p:cNvSpPr txBox="1"/>
-          <p:nvPr/>
-        </p:nvSpPr>
-        <p:spPr>
-          <a:xfrm>
-            <a:off x="0" y="4931876"/>
-            <a:ext cx="683568" cy="369332"/>
-          </a:xfrm>
-          <a:prstGeom prst="rect">
-            <a:avLst/>
-          </a:prstGeom>
-          <a:noFill/>
-        </p:spPr>
-        <p:txBody>
-          <a:bodyPr wrap="square" rtlCol="0">
-            <a:spAutoFit/>
-          </a:bodyPr>
-          <a:lstStyle/>
-          <a:p>
-            <a:r>
-              <a:rPr lang="de-DE" dirty="0" smtClean="0">
-                <a:solidFill>
-                  <a:srgbClr val="FF0000"/>
-                </a:solidFill>
-              </a:rPr>
-              <a:t>#11</a:t>
             </a:r>
             <a:endParaRPr lang="de-DE" dirty="0">
               <a:solidFill>
@@ -7545,7 +8190,7 @@
         </p:nvSpPr>
         <p:spPr>
           <a:xfrm>
-            <a:off x="3059832" y="1556792"/>
+            <a:off x="3131840" y="1556792"/>
             <a:ext cx="2736304" cy="369332"/>
           </a:xfrm>
           <a:prstGeom prst="rect">
@@ -7575,7 +8220,7 @@
         </p:nvSpPr>
         <p:spPr>
           <a:xfrm>
-            <a:off x="5940152" y="1556792"/>
+            <a:off x="6012160" y="1556792"/>
             <a:ext cx="2736304" cy="369332"/>
           </a:xfrm>
           <a:prstGeom prst="rect">
@@ -7605,7 +8250,7 @@
         </p:nvSpPr>
         <p:spPr>
           <a:xfrm>
-            <a:off x="3059832" y="1907540"/>
+            <a:off x="3131840" y="1907540"/>
             <a:ext cx="2736304" cy="4247317"/>
           </a:xfrm>
           <a:prstGeom prst="rect">
@@ -7621,7 +8266,7 @@
           <a:p>
             <a:r>
               <a:rPr lang="de-DE" dirty="0" smtClean="0"/>
-              <a:t>- Urwaldmodellierung</a:t>
+              <a:t>Urwald-Szene*</a:t>
             </a:r>
           </a:p>
           <a:p>
@@ -7664,7 +8309,7 @@
           <a:p>
             <a:r>
               <a:rPr lang="de-DE" dirty="0" smtClean="0"/>
-              <a:t>- Pixelwelt</a:t>
+              <a:t>Pixelwelt-Szene*</a:t>
             </a:r>
           </a:p>
           <a:p>
@@ -7709,7 +8354,7 @@
           <a:p>
             <a:r>
               <a:rPr lang="de-DE" dirty="0" smtClean="0"/>
-              <a:t>- Pixelwelt</a:t>
+              <a:t>Urwald-Szene*</a:t>
             </a:r>
           </a:p>
           <a:p>
@@ -7757,7 +8402,7 @@
         </p:nvSpPr>
         <p:spPr>
           <a:xfrm>
-            <a:off x="5940152" y="1907540"/>
+            <a:off x="6012160" y="1907540"/>
             <a:ext cx="2736304" cy="4247317"/>
           </a:xfrm>
           <a:prstGeom prst="rect">
@@ -7923,7 +8568,7 @@
                   <a:srgbClr val="FF0000"/>
                 </a:solidFill>
               </a:rPr>
-              <a:t>#12</a:t>
+              <a:t>#11</a:t>
             </a:r>
             <a:endParaRPr lang="de-DE" dirty="0">
               <a:solidFill>
@@ -7942,6 +8587,44 @@
         <p:spPr>
           <a:xfrm>
             <a:off x="0" y="3419708"/>
+            <a:ext cx="683568" cy="369332"/>
+          </a:xfrm>
+          <a:prstGeom prst="rect">
+            <a:avLst/>
+          </a:prstGeom>
+          <a:noFill/>
+        </p:spPr>
+        <p:txBody>
+          <a:bodyPr wrap="square" rtlCol="0">
+            <a:spAutoFit/>
+          </a:bodyPr>
+          <a:lstStyle/>
+          <a:p>
+            <a:r>
+              <a:rPr lang="de-DE" dirty="0" smtClean="0">
+                <a:solidFill>
+                  <a:srgbClr val="FF0000"/>
+                </a:solidFill>
+              </a:rPr>
+              <a:t>#12</a:t>
+            </a:r>
+            <a:endParaRPr lang="de-DE" dirty="0">
+              <a:solidFill>
+                <a:srgbClr val="FF0000"/>
+              </a:solidFill>
+            </a:endParaRPr>
+          </a:p>
+        </p:txBody>
+      </p:sp>
+      <p:sp>
+        <p:nvSpPr>
+          <p:cNvPr id="17" name="Textfeld 16"/>
+          <p:cNvSpPr txBox="1"/>
+          <p:nvPr/>
+        </p:nvSpPr>
+        <p:spPr>
+          <a:xfrm>
+            <a:off x="0" y="4931876"/>
             <a:ext cx="683568" cy="369332"/>
           </a:xfrm>
           <a:prstGeom prst="rect">
@@ -7962,44 +8645,6 @@
                 </a:solidFill>
               </a:rPr>
               <a:t>#13</a:t>
-            </a:r>
-            <a:endParaRPr lang="de-DE" dirty="0">
-              <a:solidFill>
-                <a:srgbClr val="FF0000"/>
-              </a:solidFill>
-            </a:endParaRPr>
-          </a:p>
-        </p:txBody>
-      </p:sp>
-      <p:sp>
-        <p:nvSpPr>
-          <p:cNvPr id="17" name="Textfeld 16"/>
-          <p:cNvSpPr txBox="1"/>
-          <p:nvPr/>
-        </p:nvSpPr>
-        <p:spPr>
-          <a:xfrm>
-            <a:off x="0" y="4931876"/>
-            <a:ext cx="683568" cy="369332"/>
-          </a:xfrm>
-          <a:prstGeom prst="rect">
-            <a:avLst/>
-          </a:prstGeom>
-          <a:noFill/>
-        </p:spPr>
-        <p:txBody>
-          <a:bodyPr wrap="square" rtlCol="0">
-            <a:spAutoFit/>
-          </a:bodyPr>
-          <a:lstStyle/>
-          <a:p>
-            <a:r>
-              <a:rPr lang="de-DE" dirty="0" smtClean="0">
-                <a:solidFill>
-                  <a:srgbClr val="FF0000"/>
-                </a:solidFill>
-              </a:rPr>
-              <a:t>#15</a:t>
             </a:r>
             <a:endParaRPr lang="de-DE" dirty="0">
               <a:solidFill>
@@ -8420,7 +9065,7 @@
                   <a:srgbClr val="FF0000"/>
                 </a:solidFill>
               </a:rPr>
-              <a:t>#13</a:t>
+              <a:t>#14</a:t>
             </a:r>
             <a:endParaRPr lang="de-DE" dirty="0">
               <a:solidFill>
@@ -8632,15 +9277,15 @@
         </p:nvPicPr>
         <p:blipFill>
           <a:blip r:embed="rId3" cstate="print"/>
-          <a:srcRect l="6197" t="16400" r="37104" b="9051"/>
+          <a:srcRect l="5607" t="20600" r="42419" b="11151"/>
           <a:stretch>
             <a:fillRect/>
           </a:stretch>
         </p:blipFill>
         <p:spPr bwMode="auto">
           <a:xfrm>
-            <a:off x="1403648" y="1556792"/>
-            <a:ext cx="6912768" cy="5112568"/>
+            <a:off x="971600" y="1484784"/>
+            <a:ext cx="7128792" cy="5265585"/>
           </a:xfrm>
           <a:prstGeom prst="rect">
             <a:avLst/>

--- a/00_Organsiatorisches/Pixie‘s großes Abenteuer.pptx
+++ b/00_Organsiatorisches/Pixie‘s großes Abenteuer.pptx
@@ -202,7 +202,7 @@
             <a:fld id="{00955AAC-3011-4817-BA41-5A205DEBFDAE}" type="datetimeFigureOut">
               <a:rPr lang="de-DE" smtClean="0"/>
               <a:pPr/>
-              <a:t>19.11.2015</a:t>
+              <a:t>13.12.2015</a:t>
             </a:fld>
             <a:endParaRPr lang="de-DE"/>
           </a:p>
@@ -1937,7 +1937,7 @@
             <a:fld id="{42EEFE8C-632D-4CF5-99C7-BAD47C7DAF5B}" type="datetimeFigureOut">
               <a:rPr lang="de-DE" smtClean="0"/>
               <a:pPr/>
-              <a:t>19.11.2015</a:t>
+              <a:t>13.12.2015</a:t>
             </a:fld>
             <a:endParaRPr lang="de-DE"/>
           </a:p>
@@ -2104,7 +2104,7 @@
             <a:fld id="{42EEFE8C-632D-4CF5-99C7-BAD47C7DAF5B}" type="datetimeFigureOut">
               <a:rPr lang="de-DE" smtClean="0"/>
               <a:pPr/>
-              <a:t>19.11.2015</a:t>
+              <a:t>13.12.2015</a:t>
             </a:fld>
             <a:endParaRPr lang="de-DE"/>
           </a:p>
@@ -2281,7 +2281,7 @@
             <a:fld id="{42EEFE8C-632D-4CF5-99C7-BAD47C7DAF5B}" type="datetimeFigureOut">
               <a:rPr lang="de-DE" smtClean="0"/>
               <a:pPr/>
-              <a:t>19.11.2015</a:t>
+              <a:t>13.12.2015</a:t>
             </a:fld>
             <a:endParaRPr lang="de-DE"/>
           </a:p>
@@ -2448,7 +2448,7 @@
             <a:fld id="{42EEFE8C-632D-4CF5-99C7-BAD47C7DAF5B}" type="datetimeFigureOut">
               <a:rPr lang="de-DE" smtClean="0"/>
               <a:pPr/>
-              <a:t>19.11.2015</a:t>
+              <a:t>13.12.2015</a:t>
             </a:fld>
             <a:endParaRPr lang="de-DE"/>
           </a:p>
@@ -2691,7 +2691,7 @@
             <a:fld id="{42EEFE8C-632D-4CF5-99C7-BAD47C7DAF5B}" type="datetimeFigureOut">
               <a:rPr lang="de-DE" smtClean="0"/>
               <a:pPr/>
-              <a:t>19.11.2015</a:t>
+              <a:t>13.12.2015</a:t>
             </a:fld>
             <a:endParaRPr lang="de-DE"/>
           </a:p>
@@ -2976,7 +2976,7 @@
             <a:fld id="{42EEFE8C-632D-4CF5-99C7-BAD47C7DAF5B}" type="datetimeFigureOut">
               <a:rPr lang="de-DE" smtClean="0"/>
               <a:pPr/>
-              <a:t>19.11.2015</a:t>
+              <a:t>13.12.2015</a:t>
             </a:fld>
             <a:endParaRPr lang="de-DE"/>
           </a:p>
@@ -3395,7 +3395,7 @@
             <a:fld id="{42EEFE8C-632D-4CF5-99C7-BAD47C7DAF5B}" type="datetimeFigureOut">
               <a:rPr lang="de-DE" smtClean="0"/>
               <a:pPr/>
-              <a:t>19.11.2015</a:t>
+              <a:t>13.12.2015</a:t>
             </a:fld>
             <a:endParaRPr lang="de-DE"/>
           </a:p>
@@ -3510,7 +3510,7 @@
             <a:fld id="{42EEFE8C-632D-4CF5-99C7-BAD47C7DAF5B}" type="datetimeFigureOut">
               <a:rPr lang="de-DE" smtClean="0"/>
               <a:pPr/>
-              <a:t>19.11.2015</a:t>
+              <a:t>13.12.2015</a:t>
             </a:fld>
             <a:endParaRPr lang="de-DE"/>
           </a:p>
@@ -3602,7 +3602,7 @@
             <a:fld id="{42EEFE8C-632D-4CF5-99C7-BAD47C7DAF5B}" type="datetimeFigureOut">
               <a:rPr lang="de-DE" smtClean="0"/>
               <a:pPr/>
-              <a:t>19.11.2015</a:t>
+              <a:t>13.12.2015</a:t>
             </a:fld>
             <a:endParaRPr lang="de-DE"/>
           </a:p>
@@ -3876,7 +3876,7 @@
             <a:fld id="{42EEFE8C-632D-4CF5-99C7-BAD47C7DAF5B}" type="datetimeFigureOut">
               <a:rPr lang="de-DE" smtClean="0"/>
               <a:pPr/>
-              <a:t>19.11.2015</a:t>
+              <a:t>13.12.2015</a:t>
             </a:fld>
             <a:endParaRPr lang="de-DE"/>
           </a:p>
@@ -4126,7 +4126,7 @@
             <a:fld id="{42EEFE8C-632D-4CF5-99C7-BAD47C7DAF5B}" type="datetimeFigureOut">
               <a:rPr lang="de-DE" smtClean="0"/>
               <a:pPr/>
-              <a:t>19.11.2015</a:t>
+              <a:t>13.12.2015</a:t>
             </a:fld>
             <a:endParaRPr lang="de-DE"/>
           </a:p>
@@ -4336,7 +4336,7 @@
             <a:fld id="{42EEFE8C-632D-4CF5-99C7-BAD47C7DAF5B}" type="datetimeFigureOut">
               <a:rPr lang="de-DE" smtClean="0"/>
               <a:pPr/>
-              <a:t>19.11.2015</a:t>
+              <a:t>13.12.2015</a:t>
             </a:fld>
             <a:endParaRPr lang="de-DE"/>
           </a:p>
